--- a/report/Final_presentation.pptx
+++ b/report/Final_presentation.pptx
@@ -7,14 +7,14 @@
     <p:sldMasterId id="2147483674" r:id="rId3"/>
   </p:sldMasterIdLst>
   <p:notesMasterIdLst>
-    <p:notesMasterId r:id="rId24"/>
+    <p:notesMasterId r:id="rId28"/>
   </p:notesMasterIdLst>
   <p:sldIdLst>
     <p:sldId id="256" r:id="rId4"/>
     <p:sldId id="257" r:id="rId5"/>
-    <p:sldId id="258" r:id="rId6"/>
-    <p:sldId id="259" r:id="rId7"/>
-    <p:sldId id="260" r:id="rId8"/>
+    <p:sldId id="290" r:id="rId6"/>
+    <p:sldId id="291" r:id="rId7"/>
+    <p:sldId id="293" r:id="rId8"/>
     <p:sldId id="261" r:id="rId9"/>
     <p:sldId id="262" r:id="rId10"/>
     <p:sldId id="263" r:id="rId11"/>
@@ -24,12 +24,16 @@
     <p:sldId id="276" r:id="rId15"/>
     <p:sldId id="277" r:id="rId16"/>
     <p:sldId id="278" r:id="rId17"/>
-    <p:sldId id="269" r:id="rId18"/>
-    <p:sldId id="270" r:id="rId19"/>
-    <p:sldId id="271" r:id="rId20"/>
-    <p:sldId id="272" r:id="rId21"/>
-    <p:sldId id="273" r:id="rId22"/>
-    <p:sldId id="274" r:id="rId23"/>
+    <p:sldId id="271" r:id="rId18"/>
+    <p:sldId id="288" r:id="rId19"/>
+    <p:sldId id="289" r:id="rId20"/>
+    <p:sldId id="287" r:id="rId21"/>
+    <p:sldId id="281" r:id="rId22"/>
+    <p:sldId id="282" r:id="rId23"/>
+    <p:sldId id="286" r:id="rId24"/>
+    <p:sldId id="284" r:id="rId25"/>
+    <p:sldId id="285" r:id="rId26"/>
+    <p:sldId id="294" r:id="rId27"/>
   </p:sldIdLst>
   <p:sldSz cx="9144000" cy="6858000" type="screen4x3"/>
   <p:notesSz cx="6858000" cy="9144000"/>
@@ -128,7 +132,673 @@
       </a:defRPr>
     </a:lvl9pPr>
   </p:defaultTextStyle>
+  <p:extLst>
+    <p:ext uri="{EFAFB233-063F-42B5-8137-9DF3F51BA10A}">
+      <p15:sldGuideLst xmlns:p15="http://schemas.microsoft.com/office/powerpoint/2012/main"/>
+    </p:ext>
+  </p:extLst>
 </p:presentation>
+</file>
+
+<file path=ppt/revisionInfo.xml><?xml version="1.0" encoding="utf-8"?>
+<p1510:revInfo xmlns:a="http://schemas.openxmlformats.org/drawingml/2006/main" xmlns:r="http://schemas.openxmlformats.org/officeDocument/2006/relationships" xmlns:p1510="http://schemas.microsoft.com/office/powerpoint/2015/10/main">
+  <p1510:revLst>
+    <p1510:client id="{1605CE09-113B-4AA3-BC41-230E4C3BC585}" v="81" dt="2019-03-12T21:26:58.783"/>
+  </p1510:revLst>
+</p1510:revInfo>
+</file>
+
+<file path=ppt/changesInfos/changesInfo1.xml><?xml version="1.0" encoding="utf-8"?>
+<pc:chgInfo xmlns:a="http://schemas.openxmlformats.org/drawingml/2006/main" xmlns:r="http://schemas.openxmlformats.org/officeDocument/2006/relationships" xmlns:ac="http://schemas.microsoft.com/office/drawing/2013/main/command" xmlns:pc="http://schemas.microsoft.com/office/powerpoint/2013/main/command">
+  <pc:docChgLst>
+    <pc:chgData name="Andreas Dejmek" userId="a801f0812d97e7b3" providerId="LiveId" clId="{1605CE09-113B-4AA3-BC41-230E4C3BC585}"/>
+    <pc:docChg chg="undo custSel addSld delSld modSld modMainMaster">
+      <pc:chgData name="Andreas Dejmek" userId="a801f0812d97e7b3" providerId="LiveId" clId="{1605CE09-113B-4AA3-BC41-230E4C3BC585}" dt="2019-03-12T21:27:21.649" v="1140" actId="2696"/>
+      <pc:docMkLst>
+        <pc:docMk/>
+      </pc:docMkLst>
+      <pc:sldChg chg="modSp">
+        <pc:chgData name="Andreas Dejmek" userId="a801f0812d97e7b3" providerId="LiveId" clId="{1605CE09-113B-4AA3-BC41-230E4C3BC585}" dt="2019-03-12T21:19:34.172" v="1049" actId="313"/>
+        <pc:sldMkLst>
+          <pc:docMk/>
+          <pc:sldMk cId="0" sldId="256"/>
+        </pc:sldMkLst>
+        <pc:spChg chg="mod">
+          <ac:chgData name="Andreas Dejmek" userId="a801f0812d97e7b3" providerId="LiveId" clId="{1605CE09-113B-4AA3-BC41-230E4C3BC585}" dt="2019-03-12T21:18:49.896" v="1047" actId="790"/>
+          <ac:spMkLst>
+            <pc:docMk/>
+            <pc:sldMk cId="0" sldId="256"/>
+            <ac:spMk id="137" creationId="{00000000-0000-0000-0000-000000000000}"/>
+          </ac:spMkLst>
+        </pc:spChg>
+        <pc:spChg chg="mod">
+          <ac:chgData name="Andreas Dejmek" userId="a801f0812d97e7b3" providerId="LiveId" clId="{1605CE09-113B-4AA3-BC41-230E4C3BC585}" dt="2019-03-12T21:19:34.172" v="1049" actId="313"/>
+          <ac:spMkLst>
+            <pc:docMk/>
+            <pc:sldMk cId="0" sldId="256"/>
+            <ac:spMk id="138" creationId="{00000000-0000-0000-0000-000000000000}"/>
+          </ac:spMkLst>
+        </pc:spChg>
+      </pc:sldChg>
+      <pc:sldChg chg="modSp">
+        <pc:chgData name="Andreas Dejmek" userId="a801f0812d97e7b3" providerId="LiveId" clId="{1605CE09-113B-4AA3-BC41-230E4C3BC585}" dt="2019-03-12T21:19:54.842" v="1050" actId="313"/>
+        <pc:sldMkLst>
+          <pc:docMk/>
+          <pc:sldMk cId="0" sldId="257"/>
+        </pc:sldMkLst>
+        <pc:spChg chg="mod">
+          <ac:chgData name="Andreas Dejmek" userId="a801f0812d97e7b3" providerId="LiveId" clId="{1605CE09-113B-4AA3-BC41-230E4C3BC585}" dt="2019-03-12T21:07:09.669" v="991" actId="790"/>
+          <ac:spMkLst>
+            <pc:docMk/>
+            <pc:sldMk cId="0" sldId="257"/>
+            <ac:spMk id="139" creationId="{00000000-0000-0000-0000-000000000000}"/>
+          </ac:spMkLst>
+        </pc:spChg>
+        <pc:spChg chg="mod">
+          <ac:chgData name="Andreas Dejmek" userId="a801f0812d97e7b3" providerId="LiveId" clId="{1605CE09-113B-4AA3-BC41-230E4C3BC585}" dt="2019-03-12T21:19:54.842" v="1050" actId="313"/>
+          <ac:spMkLst>
+            <pc:docMk/>
+            <pc:sldMk cId="0" sldId="257"/>
+            <ac:spMk id="140" creationId="{00000000-0000-0000-0000-000000000000}"/>
+          </ac:spMkLst>
+        </pc:spChg>
+      </pc:sldChg>
+      <pc:sldChg chg="modSp del">
+        <pc:chgData name="Andreas Dejmek" userId="a801f0812d97e7b3" providerId="LiveId" clId="{1605CE09-113B-4AA3-BC41-230E4C3BC585}" dt="2019-03-12T21:09:52.360" v="1002" actId="2696"/>
+        <pc:sldMkLst>
+          <pc:docMk/>
+          <pc:sldMk cId="0" sldId="258"/>
+        </pc:sldMkLst>
+        <pc:spChg chg="mod">
+          <ac:chgData name="Andreas Dejmek" userId="a801f0812d97e7b3" providerId="LiveId" clId="{1605CE09-113B-4AA3-BC41-230E4C3BC585}" dt="2019-03-12T21:08:20.754" v="998" actId="120"/>
+          <ac:spMkLst>
+            <pc:docMk/>
+            <pc:sldMk cId="0" sldId="258"/>
+            <ac:spMk id="142" creationId="{00000000-0000-0000-0000-000000000000}"/>
+          </ac:spMkLst>
+        </pc:spChg>
+      </pc:sldChg>
+      <pc:sldChg chg="del">
+        <pc:chgData name="Andreas Dejmek" userId="a801f0812d97e7b3" providerId="LiveId" clId="{1605CE09-113B-4AA3-BC41-230E4C3BC585}" dt="2019-03-12T21:10:40.814" v="1007" actId="2696"/>
+        <pc:sldMkLst>
+          <pc:docMk/>
+          <pc:sldMk cId="0" sldId="259"/>
+        </pc:sldMkLst>
+      </pc:sldChg>
+      <pc:sldChg chg="del">
+        <pc:chgData name="Andreas Dejmek" userId="a801f0812d97e7b3" providerId="LiveId" clId="{1605CE09-113B-4AA3-BC41-230E4C3BC585}" dt="2019-03-12T21:15:12.624" v="1028" actId="2696"/>
+        <pc:sldMkLst>
+          <pc:docMk/>
+          <pc:sldMk cId="0" sldId="260"/>
+        </pc:sldMkLst>
+      </pc:sldChg>
+      <pc:sldChg chg="modSp">
+        <pc:chgData name="Andreas Dejmek" userId="a801f0812d97e7b3" providerId="LiveId" clId="{1605CE09-113B-4AA3-BC41-230E4C3BC585}" dt="2019-03-12T21:20:36.394" v="1063" actId="790"/>
+        <pc:sldMkLst>
+          <pc:docMk/>
+          <pc:sldMk cId="0" sldId="262"/>
+        </pc:sldMkLst>
+        <pc:spChg chg="mod">
+          <ac:chgData name="Andreas Dejmek" userId="a801f0812d97e7b3" providerId="LiveId" clId="{1605CE09-113B-4AA3-BC41-230E4C3BC585}" dt="2019-03-12T21:20:36.394" v="1063" actId="790"/>
+          <ac:spMkLst>
+            <pc:docMk/>
+            <pc:sldMk cId="0" sldId="262"/>
+            <ac:spMk id="150" creationId="{00000000-0000-0000-0000-000000000000}"/>
+          </ac:spMkLst>
+        </pc:spChg>
+        <pc:spChg chg="mod">
+          <ac:chgData name="Andreas Dejmek" userId="a801f0812d97e7b3" providerId="LiveId" clId="{1605CE09-113B-4AA3-BC41-230E4C3BC585}" dt="2019-03-12T21:20:36.394" v="1063" actId="790"/>
+          <ac:spMkLst>
+            <pc:docMk/>
+            <pc:sldMk cId="0" sldId="262"/>
+            <ac:spMk id="151" creationId="{00000000-0000-0000-0000-000000000000}"/>
+          </ac:spMkLst>
+        </pc:spChg>
+      </pc:sldChg>
+      <pc:sldChg chg="add del">
+        <pc:chgData name="Andreas Dejmek" userId="a801f0812d97e7b3" providerId="LiveId" clId="{1605CE09-113B-4AA3-BC41-230E4C3BC585}" dt="2019-03-12T20:40:14.395" v="76" actId="2696"/>
+        <pc:sldMkLst>
+          <pc:docMk/>
+          <pc:sldMk cId="0" sldId="269"/>
+        </pc:sldMkLst>
+      </pc:sldChg>
+      <pc:sldChg chg="del">
+        <pc:chgData name="Andreas Dejmek" userId="a801f0812d97e7b3" providerId="LiveId" clId="{1605CE09-113B-4AA3-BC41-230E4C3BC585}" dt="2019-03-12T20:40:16.493" v="77" actId="2696"/>
+        <pc:sldMkLst>
+          <pc:docMk/>
+          <pc:sldMk cId="0" sldId="270"/>
+        </pc:sldMkLst>
+      </pc:sldChg>
+      <pc:sldChg chg="modSp">
+        <pc:chgData name="Andreas Dejmek" userId="a801f0812d97e7b3" providerId="LiveId" clId="{1605CE09-113B-4AA3-BC41-230E4C3BC585}" dt="2019-03-12T21:17:34.635" v="1038" actId="313"/>
+        <pc:sldMkLst>
+          <pc:docMk/>
+          <pc:sldMk cId="0" sldId="271"/>
+        </pc:sldMkLst>
+        <pc:spChg chg="mod">
+          <ac:chgData name="Andreas Dejmek" userId="a801f0812d97e7b3" providerId="LiveId" clId="{1605CE09-113B-4AA3-BC41-230E4C3BC585}" dt="2019-03-12T20:42:34.059" v="105" actId="790"/>
+          <ac:spMkLst>
+            <pc:docMk/>
+            <pc:sldMk cId="0" sldId="271"/>
+            <ac:spMk id="175" creationId="{00000000-0000-0000-0000-000000000000}"/>
+          </ac:spMkLst>
+        </pc:spChg>
+        <pc:spChg chg="mod">
+          <ac:chgData name="Andreas Dejmek" userId="a801f0812d97e7b3" providerId="LiveId" clId="{1605CE09-113B-4AA3-BC41-230E4C3BC585}" dt="2019-03-12T21:17:34.635" v="1038" actId="313"/>
+          <ac:spMkLst>
+            <pc:docMk/>
+            <pc:sldMk cId="0" sldId="271"/>
+            <ac:spMk id="176" creationId="{00000000-0000-0000-0000-000000000000}"/>
+          </ac:spMkLst>
+        </pc:spChg>
+      </pc:sldChg>
+      <pc:sldChg chg="del">
+        <pc:chgData name="Andreas Dejmek" userId="a801f0812d97e7b3" providerId="LiveId" clId="{1605CE09-113B-4AA3-BC41-230E4C3BC585}" dt="2019-03-12T20:40:28.101" v="78" actId="2696"/>
+        <pc:sldMkLst>
+          <pc:docMk/>
+          <pc:sldMk cId="0" sldId="272"/>
+        </pc:sldMkLst>
+      </pc:sldChg>
+      <pc:sldChg chg="addSp delSp del">
+        <pc:chgData name="Andreas Dejmek" userId="a801f0812d97e7b3" providerId="LiveId" clId="{1605CE09-113B-4AA3-BC41-230E4C3BC585}" dt="2019-03-12T20:58:26.802" v="772" actId="2696"/>
+        <pc:sldMkLst>
+          <pc:docMk/>
+          <pc:sldMk cId="0" sldId="273"/>
+        </pc:sldMkLst>
+        <pc:spChg chg="add del">
+          <ac:chgData name="Andreas Dejmek" userId="a801f0812d97e7b3" providerId="LiveId" clId="{1605CE09-113B-4AA3-BC41-230E4C3BC585}" dt="2019-03-12T20:26:42.697" v="3"/>
+          <ac:spMkLst>
+            <pc:docMk/>
+            <pc:sldMk cId="0" sldId="273"/>
+            <ac:spMk id="2" creationId="{6E3ECD62-CE96-4271-ACC4-6ED1BD6765BD}"/>
+          </ac:spMkLst>
+        </pc:spChg>
+        <pc:spChg chg="add del">
+          <ac:chgData name="Andreas Dejmek" userId="a801f0812d97e7b3" providerId="LiveId" clId="{1605CE09-113B-4AA3-BC41-230E4C3BC585}" dt="2019-03-12T20:26:41.545" v="2"/>
+          <ac:spMkLst>
+            <pc:docMk/>
+            <pc:sldMk cId="0" sldId="273"/>
+            <ac:spMk id="3" creationId="{8F8B8BB5-0432-47BB-8C43-744417B40213}"/>
+          </ac:spMkLst>
+        </pc:spChg>
+      </pc:sldChg>
+      <pc:sldChg chg="modSp del">
+        <pc:chgData name="Andreas Dejmek" userId="a801f0812d97e7b3" providerId="LiveId" clId="{1605CE09-113B-4AA3-BC41-230E4C3BC585}" dt="2019-03-12T21:27:21.649" v="1140" actId="2696"/>
+        <pc:sldMkLst>
+          <pc:docMk/>
+          <pc:sldMk cId="0" sldId="274"/>
+        </pc:sldMkLst>
+        <pc:spChg chg="mod">
+          <ac:chgData name="Andreas Dejmek" userId="a801f0812d97e7b3" providerId="LiveId" clId="{1605CE09-113B-4AA3-BC41-230E4C3BC585}" dt="2019-03-12T21:18:35.797" v="1046" actId="790"/>
+          <ac:spMkLst>
+            <pc:docMk/>
+            <pc:sldMk cId="0" sldId="274"/>
+            <ac:spMk id="181" creationId="{00000000-0000-0000-0000-000000000000}"/>
+          </ac:spMkLst>
+        </pc:spChg>
+        <pc:spChg chg="mod">
+          <ac:chgData name="Andreas Dejmek" userId="a801f0812d97e7b3" providerId="LiveId" clId="{1605CE09-113B-4AA3-BC41-230E4C3BC585}" dt="2019-03-12T21:18:35.797" v="1046" actId="790"/>
+          <ac:spMkLst>
+            <pc:docMk/>
+            <pc:sldMk cId="0" sldId="274"/>
+            <ac:spMk id="182" creationId="{00000000-0000-0000-0000-000000000000}"/>
+          </ac:spMkLst>
+        </pc:spChg>
+      </pc:sldChg>
+      <pc:sldChg chg="modNotesTx">
+        <pc:chgData name="Andreas Dejmek" userId="a801f0812d97e7b3" providerId="LiveId" clId="{1605CE09-113B-4AA3-BC41-230E4C3BC585}" dt="2019-03-12T21:22:01.260" v="1072" actId="313"/>
+        <pc:sldMkLst>
+          <pc:docMk/>
+          <pc:sldMk cId="3536653110" sldId="276"/>
+        </pc:sldMkLst>
+      </pc:sldChg>
+      <pc:sldChg chg="modNotesTx">
+        <pc:chgData name="Andreas Dejmek" userId="a801f0812d97e7b3" providerId="LiveId" clId="{1605CE09-113B-4AA3-BC41-230E4C3BC585}" dt="2019-03-12T21:21:37.030" v="1070" actId="20577"/>
+        <pc:sldMkLst>
+          <pc:docMk/>
+          <pc:sldMk cId="2878419815" sldId="279"/>
+        </pc:sldMkLst>
+      </pc:sldChg>
+      <pc:sldChg chg="modSp modNotesTx">
+        <pc:chgData name="Andreas Dejmek" userId="a801f0812d97e7b3" providerId="LiveId" clId="{1605CE09-113B-4AA3-BC41-230E4C3BC585}" dt="2019-03-12T21:21:14.722" v="1066" actId="313"/>
+        <pc:sldMkLst>
+          <pc:docMk/>
+          <pc:sldMk cId="2683855977" sldId="280"/>
+        </pc:sldMkLst>
+        <pc:spChg chg="mod">
+          <ac:chgData name="Andreas Dejmek" userId="a801f0812d97e7b3" providerId="LiveId" clId="{1605CE09-113B-4AA3-BC41-230E4C3BC585}" dt="2019-03-12T21:20:53.116" v="1064" actId="790"/>
+          <ac:spMkLst>
+            <pc:docMk/>
+            <pc:sldMk cId="2683855977" sldId="280"/>
+            <ac:spMk id="154" creationId="{00000000-0000-0000-0000-000000000000}"/>
+          </ac:spMkLst>
+        </pc:spChg>
+        <pc:spChg chg="mod">
+          <ac:chgData name="Andreas Dejmek" userId="a801f0812d97e7b3" providerId="LiveId" clId="{1605CE09-113B-4AA3-BC41-230E4C3BC585}" dt="2019-03-12T21:20:53.116" v="1064" actId="790"/>
+          <ac:spMkLst>
+            <pc:docMk/>
+            <pc:sldMk cId="2683855977" sldId="280"/>
+            <ac:spMk id="155" creationId="{00000000-0000-0000-0000-000000000000}"/>
+          </ac:spMkLst>
+        </pc:spChg>
+      </pc:sldChg>
+      <pc:sldChg chg="modSp add modNotesTx">
+        <pc:chgData name="Andreas Dejmek" userId="a801f0812d97e7b3" providerId="LiveId" clId="{1605CE09-113B-4AA3-BC41-230E4C3BC585}" dt="2019-03-12T21:17:43.464" v="1042" actId="2"/>
+        <pc:sldMkLst>
+          <pc:docMk/>
+          <pc:sldMk cId="304658088" sldId="281"/>
+        </pc:sldMkLst>
+        <pc:spChg chg="mod">
+          <ac:chgData name="Andreas Dejmek" userId="a801f0812d97e7b3" providerId="LiveId" clId="{1605CE09-113B-4AA3-BC41-230E4C3BC585}" dt="2019-03-12T20:58:40.761" v="783" actId="790"/>
+          <ac:spMkLst>
+            <pc:docMk/>
+            <pc:sldMk cId="304658088" sldId="281"/>
+            <ac:spMk id="179" creationId="{00000000-0000-0000-0000-000000000000}"/>
+          </ac:spMkLst>
+        </pc:spChg>
+        <pc:spChg chg="mod">
+          <ac:chgData name="Andreas Dejmek" userId="a801f0812d97e7b3" providerId="LiveId" clId="{1605CE09-113B-4AA3-BC41-230E4C3BC585}" dt="2019-03-12T20:58:51.012" v="789" actId="20577"/>
+          <ac:spMkLst>
+            <pc:docMk/>
+            <pc:sldMk cId="304658088" sldId="281"/>
+            <ac:spMk id="180" creationId="{00000000-0000-0000-0000-000000000000}"/>
+          </ac:spMkLst>
+        </pc:spChg>
+      </pc:sldChg>
+      <pc:sldChg chg="modSp add">
+        <pc:chgData name="Andreas Dejmek" userId="a801f0812d97e7b3" providerId="LiveId" clId="{1605CE09-113B-4AA3-BC41-230E4C3BC585}" dt="2019-03-12T21:26:25.412" v="1134" actId="20577"/>
+        <pc:sldMkLst>
+          <pc:docMk/>
+          <pc:sldMk cId="3238831115" sldId="282"/>
+        </pc:sldMkLst>
+        <pc:spChg chg="mod">
+          <ac:chgData name="Andreas Dejmek" userId="a801f0812d97e7b3" providerId="LiveId" clId="{1605CE09-113B-4AA3-BC41-230E4C3BC585}" dt="2019-03-12T21:18:01.333" v="1043" actId="790"/>
+          <ac:spMkLst>
+            <pc:docMk/>
+            <pc:sldMk cId="3238831115" sldId="282"/>
+            <ac:spMk id="179" creationId="{00000000-0000-0000-0000-000000000000}"/>
+          </ac:spMkLst>
+        </pc:spChg>
+        <pc:spChg chg="mod">
+          <ac:chgData name="Andreas Dejmek" userId="a801f0812d97e7b3" providerId="LiveId" clId="{1605CE09-113B-4AA3-BC41-230E4C3BC585}" dt="2019-03-12T21:26:25.412" v="1134" actId="20577"/>
+          <ac:spMkLst>
+            <pc:docMk/>
+            <pc:sldMk cId="3238831115" sldId="282"/>
+            <ac:spMk id="180" creationId="{00000000-0000-0000-0000-000000000000}"/>
+          </ac:spMkLst>
+        </pc:spChg>
+      </pc:sldChg>
+      <pc:sldChg chg="addSp delSp modSp add del mod setBg delDesignElem">
+        <pc:chgData name="Andreas Dejmek" userId="a801f0812d97e7b3" providerId="LiveId" clId="{1605CE09-113B-4AA3-BC41-230E4C3BC585}" dt="2019-03-12T20:29:07.476" v="15" actId="2696"/>
+        <pc:sldMkLst>
+          <pc:docMk/>
+          <pc:sldMk cId="3736360340" sldId="283"/>
+        </pc:sldMkLst>
+        <pc:spChg chg="add del mod ord">
+          <ac:chgData name="Andreas Dejmek" userId="a801f0812d97e7b3" providerId="LiveId" clId="{1605CE09-113B-4AA3-BC41-230E4C3BC585}" dt="2019-03-12T20:27:46.003" v="13"/>
+          <ac:spMkLst>
+            <pc:docMk/>
+            <pc:sldMk cId="3736360340" sldId="283"/>
+            <ac:spMk id="2" creationId="{A33FD931-979B-40CC-961E-89ECB86DAF62}"/>
+          </ac:spMkLst>
+        </pc:spChg>
+        <pc:spChg chg="add mod">
+          <ac:chgData name="Andreas Dejmek" userId="a801f0812d97e7b3" providerId="LiveId" clId="{1605CE09-113B-4AA3-BC41-230E4C3BC585}" dt="2019-03-12T20:27:46.003" v="13"/>
+          <ac:spMkLst>
+            <pc:docMk/>
+            <pc:sldMk cId="3736360340" sldId="283"/>
+            <ac:spMk id="3" creationId="{FF86EBDD-3516-4097-9A6E-B092C81B3E32}"/>
+          </ac:spMkLst>
+        </pc:spChg>
+        <pc:spChg chg="mod">
+          <ac:chgData name="Andreas Dejmek" userId="a801f0812d97e7b3" providerId="LiveId" clId="{1605CE09-113B-4AA3-BC41-230E4C3BC585}" dt="2019-03-12T20:27:38.401" v="11" actId="26606"/>
+          <ac:spMkLst>
+            <pc:docMk/>
+            <pc:sldMk cId="3736360340" sldId="283"/>
+            <ac:spMk id="4" creationId="{B84A2CE8-C9E9-49F3-842E-86CC2BD6EDD2}"/>
+          </ac:spMkLst>
+        </pc:spChg>
+        <pc:spChg chg="del">
+          <ac:chgData name="Andreas Dejmek" userId="a801f0812d97e7b3" providerId="LiveId" clId="{1605CE09-113B-4AA3-BC41-230E4C3BC585}" dt="2019-03-12T20:27:27.240" v="8"/>
+          <ac:spMkLst>
+            <pc:docMk/>
+            <pc:sldMk cId="3736360340" sldId="283"/>
+            <ac:spMk id="5" creationId="{52A1E346-B50F-4606-9361-EC89FEF757A7}"/>
+          </ac:spMkLst>
+        </pc:spChg>
+        <pc:spChg chg="add del">
+          <ac:chgData name="Andreas Dejmek" userId="a801f0812d97e7b3" providerId="LiveId" clId="{1605CE09-113B-4AA3-BC41-230E4C3BC585}" dt="2019-03-12T20:27:38.371" v="10" actId="26606"/>
+          <ac:spMkLst>
+            <pc:docMk/>
+            <pc:sldMk cId="3736360340" sldId="283"/>
+            <ac:spMk id="9" creationId="{3B854194-185D-494D-905C-7C7CB2E30F6E}"/>
+          </ac:spMkLst>
+        </pc:spChg>
+        <pc:spChg chg="add del">
+          <ac:chgData name="Andreas Dejmek" userId="a801f0812d97e7b3" providerId="LiveId" clId="{1605CE09-113B-4AA3-BC41-230E4C3BC585}" dt="2019-03-12T20:27:38.371" v="10" actId="26606"/>
+          <ac:spMkLst>
+            <pc:docMk/>
+            <pc:sldMk cId="3736360340" sldId="283"/>
+            <ac:spMk id="11" creationId="{B4F5FA0D-0104-4987-8241-EFF7C85B88DE}"/>
+          </ac:spMkLst>
+        </pc:spChg>
+        <pc:spChg chg="add del">
+          <ac:chgData name="Andreas Dejmek" userId="a801f0812d97e7b3" providerId="LiveId" clId="{1605CE09-113B-4AA3-BC41-230E4C3BC585}" dt="2019-03-12T20:27:46.003" v="13"/>
+          <ac:spMkLst>
+            <pc:docMk/>
+            <pc:sldMk cId="3736360340" sldId="283"/>
+            <ac:spMk id="15" creationId="{23962611-DFD5-4092-AAFD-559E3DFCE2C9}"/>
+          </ac:spMkLst>
+        </pc:spChg>
+        <pc:picChg chg="add del">
+          <ac:chgData name="Andreas Dejmek" userId="a801f0812d97e7b3" providerId="LiveId" clId="{1605CE09-113B-4AA3-BC41-230E4C3BC585}" dt="2019-03-12T20:27:38.371" v="10" actId="26606"/>
+          <ac:picMkLst>
+            <pc:docMk/>
+            <pc:sldMk cId="3736360340" sldId="283"/>
+            <ac:picMk id="13" creationId="{2897127E-6CEF-446C-BE87-93B7C46E49D1}"/>
+          </ac:picMkLst>
+        </pc:picChg>
+        <pc:picChg chg="add del">
+          <ac:chgData name="Andreas Dejmek" userId="a801f0812d97e7b3" providerId="LiveId" clId="{1605CE09-113B-4AA3-BC41-230E4C3BC585}" dt="2019-03-12T20:27:46.003" v="13"/>
+          <ac:picMkLst>
+            <pc:docMk/>
+            <pc:sldMk cId="3736360340" sldId="283"/>
+            <ac:picMk id="16" creationId="{2270F1FA-0425-408F-9861-80BF5AFB276D}"/>
+          </ac:picMkLst>
+        </pc:picChg>
+      </pc:sldChg>
+      <pc:sldChg chg="addSp delSp modSp add modTransition modAnim">
+        <pc:chgData name="Andreas Dejmek" userId="a801f0812d97e7b3" providerId="LiveId" clId="{1605CE09-113B-4AA3-BC41-230E4C3BC585}" dt="2019-03-12T20:37:08.285" v="52"/>
+        <pc:sldMkLst>
+          <pc:docMk/>
+          <pc:sldMk cId="2362736535" sldId="284"/>
+        </pc:sldMkLst>
+        <pc:spChg chg="mod">
+          <ac:chgData name="Andreas Dejmek" userId="a801f0812d97e7b3" providerId="LiveId" clId="{1605CE09-113B-4AA3-BC41-230E4C3BC585}" dt="2019-03-12T20:34:12.954" v="35" actId="790"/>
+          <ac:spMkLst>
+            <pc:docMk/>
+            <pc:sldMk cId="2362736535" sldId="284"/>
+            <ac:spMk id="12" creationId="{9D551E84-B0AD-48C5-808E-7A9A085F44A3}"/>
+          </ac:spMkLst>
+        </pc:spChg>
+        <pc:picChg chg="add del mod">
+          <ac:chgData name="Andreas Dejmek" userId="a801f0812d97e7b3" providerId="LiveId" clId="{1605CE09-113B-4AA3-BC41-230E4C3BC585}" dt="2019-03-12T20:34:12.103" v="34" actId="931"/>
+          <ac:picMkLst>
+            <pc:docMk/>
+            <pc:sldMk cId="2362736535" sldId="284"/>
+            <ac:picMk id="3" creationId="{108212B1-7EEB-4EA8-92FB-33200F4AEF63}"/>
+          </ac:picMkLst>
+        </pc:picChg>
+        <pc:picChg chg="add del mod">
+          <ac:chgData name="Andreas Dejmek" userId="a801f0812d97e7b3" providerId="LiveId" clId="{1605CE09-113B-4AA3-BC41-230E4C3BC585}" dt="2019-03-12T20:34:11.352" v="32" actId="931"/>
+          <ac:picMkLst>
+            <pc:docMk/>
+            <pc:sldMk cId="2362736535" sldId="284"/>
+            <ac:picMk id="5" creationId="{195DC5CD-E09A-478E-8C0E-E1E6C35C1C17}"/>
+          </ac:picMkLst>
+        </pc:picChg>
+        <pc:picChg chg="add del">
+          <ac:chgData name="Andreas Dejmek" userId="a801f0812d97e7b3" providerId="LiveId" clId="{1605CE09-113B-4AA3-BC41-230E4C3BC585}" dt="2019-03-12T20:34:13.081" v="36" actId="478"/>
+          <ac:picMkLst>
+            <pc:docMk/>
+            <pc:sldMk cId="2362736535" sldId="284"/>
+            <ac:picMk id="9" creationId="{4351DF3C-6F93-4763-8412-4CD64F01E002}"/>
+          </ac:picMkLst>
+        </pc:picChg>
+      </pc:sldChg>
+      <pc:sldChg chg="modSp add">
+        <pc:chgData name="Andreas Dejmek" userId="a801f0812d97e7b3" providerId="LiveId" clId="{1605CE09-113B-4AA3-BC41-230E4C3BC585}" dt="2019-03-12T20:39:49.378" v="73" actId="20577"/>
+        <pc:sldMkLst>
+          <pc:docMk/>
+          <pc:sldMk cId="3165007190" sldId="285"/>
+        </pc:sldMkLst>
+        <pc:spChg chg="mod">
+          <ac:chgData name="Andreas Dejmek" userId="a801f0812d97e7b3" providerId="LiveId" clId="{1605CE09-113B-4AA3-BC41-230E4C3BC585}" dt="2019-03-12T20:39:49.378" v="73" actId="20577"/>
+          <ac:spMkLst>
+            <pc:docMk/>
+            <pc:sldMk cId="3165007190" sldId="285"/>
+            <ac:spMk id="2" creationId="{A8A94691-8688-489B-9D97-D0D65DCA5CEB}"/>
+          </ac:spMkLst>
+        </pc:spChg>
+      </pc:sldChg>
+      <pc:sldChg chg="addSp delSp modSp add">
+        <pc:chgData name="Andreas Dejmek" userId="a801f0812d97e7b3" providerId="LiveId" clId="{1605CE09-113B-4AA3-BC41-230E4C3BC585}" dt="2019-03-12T21:18:08.526" v="1044" actId="2"/>
+        <pc:sldMkLst>
+          <pc:docMk/>
+          <pc:sldMk cId="945256246" sldId="286"/>
+        </pc:sldMkLst>
+        <pc:spChg chg="add del mod">
+          <ac:chgData name="Andreas Dejmek" userId="a801f0812d97e7b3" providerId="LiveId" clId="{1605CE09-113B-4AA3-BC41-230E4C3BC585}" dt="2019-03-12T20:29:42.096" v="18" actId="478"/>
+          <ac:spMkLst>
+            <pc:docMk/>
+            <pc:sldMk cId="945256246" sldId="286"/>
+            <ac:spMk id="3" creationId="{F59B565F-2042-401B-9823-90AD4DF35EB7}"/>
+          </ac:spMkLst>
+        </pc:spChg>
+        <pc:spChg chg="add del mod ord">
+          <ac:chgData name="Andreas Dejmek" userId="a801f0812d97e7b3" providerId="LiveId" clId="{1605CE09-113B-4AA3-BC41-230E4C3BC585}" dt="2019-03-12T21:18:08.526" v="1044" actId="2"/>
+          <ac:spMkLst>
+            <pc:docMk/>
+            <pc:sldMk cId="945256246" sldId="286"/>
+            <ac:spMk id="4" creationId="{B84A2CE8-C9E9-49F3-842E-86CC2BD6EDD2}"/>
+          </ac:spMkLst>
+        </pc:spChg>
+        <pc:spChg chg="del mod ord">
+          <ac:chgData name="Andreas Dejmek" userId="a801f0812d97e7b3" providerId="LiveId" clId="{1605CE09-113B-4AA3-BC41-230E4C3BC585}" dt="2019-03-12T20:29:57.281" v="21" actId="478"/>
+          <ac:spMkLst>
+            <pc:docMk/>
+            <pc:sldMk cId="945256246" sldId="286"/>
+            <ac:spMk id="5" creationId="{52A1E346-B50F-4606-9361-EC89FEF757A7}"/>
+          </ac:spMkLst>
+        </pc:spChg>
+      </pc:sldChg>
+      <pc:sldChg chg="modSp add">
+        <pc:chgData name="Andreas Dejmek" userId="a801f0812d97e7b3" providerId="LiveId" clId="{1605CE09-113B-4AA3-BC41-230E4C3BC585}" dt="2019-03-12T21:25:04.710" v="1075" actId="20577"/>
+        <pc:sldMkLst>
+          <pc:docMk/>
+          <pc:sldMk cId="1721974732" sldId="287"/>
+        </pc:sldMkLst>
+        <pc:spChg chg="mod">
+          <ac:chgData name="Andreas Dejmek" userId="a801f0812d97e7b3" providerId="LiveId" clId="{1605CE09-113B-4AA3-BC41-230E4C3BC585}" dt="2019-03-12T20:55:59.412" v="680" actId="790"/>
+          <ac:spMkLst>
+            <pc:docMk/>
+            <pc:sldMk cId="1721974732" sldId="287"/>
+            <ac:spMk id="175" creationId="{00000000-0000-0000-0000-000000000000}"/>
+          </ac:spMkLst>
+        </pc:spChg>
+        <pc:spChg chg="mod">
+          <ac:chgData name="Andreas Dejmek" userId="a801f0812d97e7b3" providerId="LiveId" clId="{1605CE09-113B-4AA3-BC41-230E4C3BC585}" dt="2019-03-12T21:25:04.710" v="1075" actId="20577"/>
+          <ac:spMkLst>
+            <pc:docMk/>
+            <pc:sldMk cId="1721974732" sldId="287"/>
+            <ac:spMk id="176" creationId="{00000000-0000-0000-0000-000000000000}"/>
+          </ac:spMkLst>
+        </pc:spChg>
+      </pc:sldChg>
+      <pc:sldChg chg="add del">
+        <pc:chgData name="Andreas Dejmek" userId="a801f0812d97e7b3" providerId="LiveId" clId="{1605CE09-113B-4AA3-BC41-230E4C3BC585}" dt="2019-03-12T20:40:46.602" v="80" actId="2696"/>
+        <pc:sldMkLst>
+          <pc:docMk/>
+          <pc:sldMk cId="2167806274" sldId="287"/>
+        </pc:sldMkLst>
+      </pc:sldChg>
+      <pc:sldChg chg="modSp add">
+        <pc:chgData name="Andreas Dejmek" userId="a801f0812d97e7b3" providerId="LiveId" clId="{1605CE09-113B-4AA3-BC41-230E4C3BC585}" dt="2019-03-12T21:16:52.523" v="1034" actId="255"/>
+        <pc:sldMkLst>
+          <pc:docMk/>
+          <pc:sldMk cId="126542509" sldId="288"/>
+        </pc:sldMkLst>
+        <pc:spChg chg="mod">
+          <ac:chgData name="Andreas Dejmek" userId="a801f0812d97e7b3" providerId="LiveId" clId="{1605CE09-113B-4AA3-BC41-230E4C3BC585}" dt="2019-03-12T21:16:52.523" v="1034" actId="255"/>
+          <ac:spMkLst>
+            <pc:docMk/>
+            <pc:sldMk cId="126542509" sldId="288"/>
+            <ac:spMk id="176" creationId="{00000000-0000-0000-0000-000000000000}"/>
+          </ac:spMkLst>
+        </pc:spChg>
+      </pc:sldChg>
+      <pc:sldChg chg="modSp add">
+        <pc:chgData name="Andreas Dejmek" userId="a801f0812d97e7b3" providerId="LiveId" clId="{1605CE09-113B-4AA3-BC41-230E4C3BC585}" dt="2019-03-12T21:24:42.894" v="1073" actId="15"/>
+        <pc:sldMkLst>
+          <pc:docMk/>
+          <pc:sldMk cId="94341100" sldId="289"/>
+        </pc:sldMkLst>
+        <pc:spChg chg="mod">
+          <ac:chgData name="Andreas Dejmek" userId="a801f0812d97e7b3" providerId="LiveId" clId="{1605CE09-113B-4AA3-BC41-230E4C3BC585}" dt="2019-03-12T21:24:42.894" v="1073" actId="15"/>
+          <ac:spMkLst>
+            <pc:docMk/>
+            <pc:sldMk cId="94341100" sldId="289"/>
+            <ac:spMk id="176" creationId="{00000000-0000-0000-0000-000000000000}"/>
+          </ac:spMkLst>
+        </pc:spChg>
+      </pc:sldChg>
+      <pc:sldChg chg="modSp add modNotesTx">
+        <pc:chgData name="Andreas Dejmek" userId="a801f0812d97e7b3" providerId="LiveId" clId="{1605CE09-113B-4AA3-BC41-230E4C3BC585}" dt="2019-03-12T21:20:15.847" v="1054" actId="2"/>
+        <pc:sldMkLst>
+          <pc:docMk/>
+          <pc:sldMk cId="1651041222" sldId="290"/>
+        </pc:sldMkLst>
+        <pc:spChg chg="mod">
+          <ac:chgData name="Andreas Dejmek" userId="a801f0812d97e7b3" providerId="LiveId" clId="{1605CE09-113B-4AA3-BC41-230E4C3BC585}" dt="2019-03-12T21:20:02.939" v="1051" actId="790"/>
+          <ac:spMkLst>
+            <pc:docMk/>
+            <pc:sldMk cId="1651041222" sldId="290"/>
+            <ac:spMk id="139" creationId="{00000000-0000-0000-0000-000000000000}"/>
+          </ac:spMkLst>
+        </pc:spChg>
+        <pc:spChg chg="mod">
+          <ac:chgData name="Andreas Dejmek" userId="a801f0812d97e7b3" providerId="LiveId" clId="{1605CE09-113B-4AA3-BC41-230E4C3BC585}" dt="2019-03-12T21:20:09.333" v="1053" actId="2"/>
+          <ac:spMkLst>
+            <pc:docMk/>
+            <pc:sldMk cId="1651041222" sldId="290"/>
+            <ac:spMk id="140" creationId="{00000000-0000-0000-0000-000000000000}"/>
+          </ac:spMkLst>
+        </pc:spChg>
+      </pc:sldChg>
+      <pc:sldChg chg="modSp add modNotesTx">
+        <pc:chgData name="Andreas Dejmek" userId="a801f0812d97e7b3" providerId="LiveId" clId="{1605CE09-113B-4AA3-BC41-230E4C3BC585}" dt="2019-03-12T21:20:24.055" v="1057" actId="2"/>
+        <pc:sldMkLst>
+          <pc:docMk/>
+          <pc:sldMk cId="62871129" sldId="291"/>
+        </pc:sldMkLst>
+        <pc:spChg chg="mod">
+          <ac:chgData name="Andreas Dejmek" userId="a801f0812d97e7b3" providerId="LiveId" clId="{1605CE09-113B-4AA3-BC41-230E4C3BC585}" dt="2019-03-12T21:10:27.301" v="1006"/>
+          <ac:spMkLst>
+            <pc:docMk/>
+            <pc:sldMk cId="62871129" sldId="291"/>
+            <ac:spMk id="140" creationId="{00000000-0000-0000-0000-000000000000}"/>
+          </ac:spMkLst>
+        </pc:spChg>
+      </pc:sldChg>
+      <pc:sldChg chg="add del">
+        <pc:chgData name="Andreas Dejmek" userId="a801f0812d97e7b3" providerId="LiveId" clId="{1605CE09-113B-4AA3-BC41-230E4C3BC585}" dt="2019-03-12T21:10:07.258" v="1004" actId="2696"/>
+        <pc:sldMkLst>
+          <pc:docMk/>
+          <pc:sldMk cId="2830861762" sldId="291"/>
+        </pc:sldMkLst>
+      </pc:sldChg>
+      <pc:sldChg chg="modSp add del">
+        <pc:chgData name="Andreas Dejmek" userId="a801f0812d97e7b3" providerId="LiveId" clId="{1605CE09-113B-4AA3-BC41-230E4C3BC585}" dt="2019-03-12T21:15:17.986" v="1029" actId="2696"/>
+        <pc:sldMkLst>
+          <pc:docMk/>
+          <pc:sldMk cId="3812851864" sldId="292"/>
+        </pc:sldMkLst>
+        <pc:spChg chg="mod">
+          <ac:chgData name="Andreas Dejmek" userId="a801f0812d97e7b3" providerId="LiveId" clId="{1605CE09-113B-4AA3-BC41-230E4C3BC585}" dt="2019-03-12T21:10:58.203" v="1011"/>
+          <ac:spMkLst>
+            <pc:docMk/>
+            <pc:sldMk cId="3812851864" sldId="292"/>
+            <ac:spMk id="139" creationId="{00000000-0000-0000-0000-000000000000}"/>
+          </ac:spMkLst>
+        </pc:spChg>
+        <pc:spChg chg="mod">
+          <ac:chgData name="Andreas Dejmek" userId="a801f0812d97e7b3" providerId="LiveId" clId="{1605CE09-113B-4AA3-BC41-230E4C3BC585}" dt="2019-03-12T21:13:21.224" v="1019" actId="255"/>
+          <ac:spMkLst>
+            <pc:docMk/>
+            <pc:sldMk cId="3812851864" sldId="292"/>
+            <ac:spMk id="140" creationId="{00000000-0000-0000-0000-000000000000}"/>
+          </ac:spMkLst>
+        </pc:spChg>
+      </pc:sldChg>
+      <pc:sldChg chg="modSp add modNotesTx">
+        <pc:chgData name="Andreas Dejmek" userId="a801f0812d97e7b3" providerId="LiveId" clId="{1605CE09-113B-4AA3-BC41-230E4C3BC585}" dt="2019-03-12T21:20:30.088" v="1062" actId="2"/>
+        <pc:sldMkLst>
+          <pc:docMk/>
+          <pc:sldMk cId="2876353626" sldId="293"/>
+        </pc:sldMkLst>
+        <pc:spChg chg="mod">
+          <ac:chgData name="Andreas Dejmek" userId="a801f0812d97e7b3" providerId="LiveId" clId="{1605CE09-113B-4AA3-BC41-230E4C3BC585}" dt="2019-03-12T21:15:03.894" v="1027"/>
+          <ac:spMkLst>
+            <pc:docMk/>
+            <pc:sldMk cId="2876353626" sldId="293"/>
+            <ac:spMk id="139" creationId="{00000000-0000-0000-0000-000000000000}"/>
+          </ac:spMkLst>
+        </pc:spChg>
+        <pc:spChg chg="mod">
+          <ac:chgData name="Andreas Dejmek" userId="a801f0812d97e7b3" providerId="LiveId" clId="{1605CE09-113B-4AA3-BC41-230E4C3BC585}" dt="2019-03-12T21:20:27.935" v="1060" actId="2"/>
+          <ac:spMkLst>
+            <pc:docMk/>
+            <pc:sldMk cId="2876353626" sldId="293"/>
+            <ac:spMk id="140" creationId="{00000000-0000-0000-0000-000000000000}"/>
+          </ac:spMkLst>
+        </pc:spChg>
+      </pc:sldChg>
+      <pc:sldChg chg="modSp add">
+        <pc:chgData name="Andreas Dejmek" userId="a801f0812d97e7b3" providerId="LiveId" clId="{1605CE09-113B-4AA3-BC41-230E4C3BC585}" dt="2019-03-12T21:27:17.981" v="1139" actId="20577"/>
+        <pc:sldMkLst>
+          <pc:docMk/>
+          <pc:sldMk cId="137759627" sldId="294"/>
+        </pc:sldMkLst>
+        <pc:spChg chg="mod">
+          <ac:chgData name="Andreas Dejmek" userId="a801f0812d97e7b3" providerId="LiveId" clId="{1605CE09-113B-4AA3-BC41-230E4C3BC585}" dt="2019-03-12T21:27:17.981" v="1139" actId="20577"/>
+          <ac:spMkLst>
+            <pc:docMk/>
+            <pc:sldMk cId="137759627" sldId="294"/>
+            <ac:spMk id="2" creationId="{A8A94691-8688-489B-9D97-D0D65DCA5CEB}"/>
+          </ac:spMkLst>
+        </pc:spChg>
+      </pc:sldChg>
+      <pc:sldMasterChg chg="delSp modSp">
+        <pc:chgData name="Andreas Dejmek" userId="a801f0812d97e7b3" providerId="LiveId" clId="{1605CE09-113B-4AA3-BC41-230E4C3BC585}" dt="2019-03-12T21:06:31.866" v="988" actId="478"/>
+        <pc:sldMasterMkLst>
+          <pc:docMk/>
+          <pc:sldMasterMk cId="0" sldId="2147483661"/>
+        </pc:sldMasterMkLst>
+        <pc:spChg chg="mod">
+          <ac:chgData name="Andreas Dejmek" userId="a801f0812d97e7b3" providerId="LiveId" clId="{1605CE09-113B-4AA3-BC41-230E4C3BC585}" dt="2019-03-12T21:06:27.719" v="987" actId="20577"/>
+          <ac:spMkLst>
+            <pc:docMk/>
+            <pc:sldMasterMk cId="0" sldId="2147483661"/>
+            <ac:spMk id="46" creationId="{00000000-0000-0000-0000-000000000000}"/>
+          </ac:spMkLst>
+        </pc:spChg>
+        <pc:spChg chg="del mod">
+          <ac:chgData name="Andreas Dejmek" userId="a801f0812d97e7b3" providerId="LiveId" clId="{1605CE09-113B-4AA3-BC41-230E4C3BC585}" dt="2019-03-12T21:06:31.866" v="988" actId="478"/>
+          <ac:spMkLst>
+            <pc:docMk/>
+            <pc:sldMasterMk cId="0" sldId="2147483661"/>
+            <ac:spMk id="51" creationId="{00000000-0000-0000-0000-000000000000}"/>
+          </ac:spMkLst>
+        </pc:spChg>
+      </pc:sldMasterChg>
+      <pc:sldMasterChg chg="modSp">
+        <pc:chgData name="Andreas Dejmek" userId="a801f0812d97e7b3" providerId="LiveId" clId="{1605CE09-113B-4AA3-BC41-230E4C3BC585}" dt="2019-03-12T21:05:33.807" v="971" actId="20577"/>
+        <pc:sldMasterMkLst>
+          <pc:docMk/>
+          <pc:sldMasterMk cId="0" sldId="2147483674"/>
+        </pc:sldMasterMkLst>
+        <pc:spChg chg="mod">
+          <ac:chgData name="Andreas Dejmek" userId="a801f0812d97e7b3" providerId="LiveId" clId="{1605CE09-113B-4AA3-BC41-230E4C3BC585}" dt="2019-03-12T21:05:33.807" v="971" actId="20577"/>
+          <ac:spMkLst>
+            <pc:docMk/>
+            <pc:sldMasterMk cId="0" sldId="2147483674"/>
+            <ac:spMk id="92" creationId="{00000000-0000-0000-0000-000000000000}"/>
+          </ac:spMkLst>
+        </pc:spChg>
+      </pc:sldMasterChg>
+    </pc:docChg>
+  </pc:docChgLst>
+</pc:chgInfo>
 </file>
 
 <file path=ppt/notesMasters/notesMaster1.xml><?xml version="1.0" encoding="utf-8"?>
@@ -217,7 +887,7 @@
           <a:lstStyle/>
           <a:p>
             <a:r>
-              <a:rPr lang="en-US" sz="1400" b="0" strike="noStrike" spc="-1">
+              <a:rPr lang="en-US" sz="1400" b="0" strike="noStrike" spc="-1" dirty="0">
                 <a:solidFill>
                   <a:srgbClr val="000000"/>
                 </a:solidFill>
@@ -258,7 +928,7 @@
           <a:p>
             <a:pPr algn="r"/>
             <a:r>
-              <a:rPr lang="en-US" sz="1400" b="0" strike="noStrike" spc="-1">
+              <a:rPr lang="en-US" sz="1400" b="0" strike="noStrike" spc="-1" dirty="0">
                 <a:solidFill>
                   <a:srgbClr val="000000"/>
                 </a:solidFill>
@@ -298,7 +968,7 @@
           <a:lstStyle/>
           <a:p>
             <a:r>
-              <a:rPr lang="en-US" sz="1400" b="0" strike="noStrike" spc="-1">
+              <a:rPr lang="en-US" sz="1400" b="0" strike="noStrike" spc="-1" dirty="0">
                 <a:solidFill>
                   <a:srgbClr val="000000"/>
                 </a:solidFill>
@@ -352,7 +1022,7 @@
               </a:rPr>
               <a:t>‹Nr.›</a:t>
             </a:fld>
-            <a:endParaRPr lang="en-US" sz="1400" b="0" strike="noStrike" spc="-1">
+            <a:endParaRPr lang="en-US" sz="1400" b="0" strike="noStrike" spc="-1" dirty="0">
               <a:solidFill>
                 <a:srgbClr val="000000"/>
               </a:solidFill>
@@ -504,7 +1174,7 @@
           <a:bodyPr/>
           <a:lstStyle/>
           <a:p>
-            <a:endParaRPr lang="en-US" sz="2000" b="0" strike="noStrike" spc="-1">
+            <a:endParaRPr lang="en-US" sz="2000" b="0" strike="noStrike" spc="-1" dirty="0">
               <a:solidFill>
                 <a:srgbClr val="000000"/>
               </a:solidFill>
@@ -560,7 +1230,7 @@
               </a:rPr>
               <a:t>1</a:t>
             </a:fld>
-            <a:endParaRPr lang="en-US" sz="1200" b="0" strike="noStrike" spc="-1">
+            <a:endParaRPr lang="en-US" sz="1200" b="0" strike="noStrike" spc="-1" dirty="0">
               <a:solidFill>
                 <a:srgbClr val="000000"/>
               </a:solidFill>
@@ -674,7 +1344,7 @@
               </a:rPr>
               <a:t>13</a:t>
             </a:fld>
-            <a:endParaRPr lang="en-US" sz="1400" b="0" strike="noStrike" spc="-1">
+            <a:endParaRPr lang="en-US" sz="1400" b="0" strike="noStrike" spc="-1" dirty="0">
               <a:solidFill>
                 <a:srgbClr val="000000"/>
               </a:solidFill>
@@ -793,7 +1463,7 @@
               </a:rPr>
               <a:t>14</a:t>
             </a:fld>
-            <a:endParaRPr lang="en-US" sz="1400" b="0" strike="noStrike" spc="-1">
+            <a:endParaRPr lang="en-US" sz="1400" b="0" strike="noStrike" spc="-1" dirty="0">
               <a:solidFill>
                 <a:srgbClr val="000000"/>
               </a:solidFill>
@@ -811,6 +1481,280 @@
     <p:extLst>
       <p:ext uri="{BB962C8B-B14F-4D97-AF65-F5344CB8AC3E}">
         <p14:creationId xmlns:p14="http://schemas.microsoft.com/office/powerpoint/2010/main" val="3491647252"/>
+      </p:ext>
+    </p:extLst>
+  </p:cSld>
+  <p:clrMapOvr>
+    <a:masterClrMapping/>
+  </p:clrMapOvr>
+</p:notes>
+</file>
+
+<file path=ppt/notesSlides/notesSlide12.xml><?xml version="1.0" encoding="utf-8"?>
+<p:notes xmlns:a="http://schemas.openxmlformats.org/drawingml/2006/main" xmlns:r="http://schemas.openxmlformats.org/officeDocument/2006/relationships" xmlns:p="http://schemas.openxmlformats.org/presentationml/2006/main">
+  <p:cSld>
+    <p:spTree>
+      <p:nvGrpSpPr>
+        <p:cNvPr id="1" name=""/>
+        <p:cNvGrpSpPr/>
+        <p:nvPr/>
+      </p:nvGrpSpPr>
+      <p:grpSpPr>
+        <a:xfrm>
+          <a:off x="0" y="0"/>
+          <a:ext cx="0" cy="0"/>
+          <a:chOff x="0" y="0"/>
+          <a:chExt cx="0" cy="0"/>
+        </a:xfrm>
+      </p:grpSpPr>
+      <p:sp>
+        <p:nvSpPr>
+          <p:cNvPr id="2" name="Folienbildplatzhalter 1"/>
+          <p:cNvSpPr>
+            <a:spLocks noGrp="1" noRot="1" noChangeAspect="1"/>
+          </p:cNvSpPr>
+          <p:nvPr>
+            <p:ph type="sldImg"/>
+          </p:nvPr>
+        </p:nvSpPr>
+        <p:spPr>
+          <a:xfrm>
+            <a:off x="1371600" y="1143000"/>
+            <a:ext cx="4114800" cy="3086100"/>
+          </a:xfrm>
+          <a:prstGeom prst="rect">
+            <a:avLst/>
+          </a:prstGeom>
+          <a:noFill/>
+          <a:ln w="12700">
+            <a:solidFill>
+              <a:prstClr val="black"/>
+            </a:solidFill>
+          </a:ln>
+        </p:spPr>
+      </p:sp>
+      <p:sp>
+        <p:nvSpPr>
+          <p:cNvPr id="3" name="Notizenplatzhalter 2"/>
+          <p:cNvSpPr>
+            <a:spLocks noGrp="1"/>
+          </p:cNvSpPr>
+          <p:nvPr>
+            <p:ph type="body" idx="1"/>
+          </p:nvPr>
+        </p:nvSpPr>
+        <p:spPr/>
+        <p:txBody>
+          <a:bodyPr/>
+          <a:lstStyle/>
+          <a:p>
+            <a:pPr marL="0" marR="0" lvl="0" indent="0" algn="l" defTabSz="914400" rtl="0" eaLnBrk="1" fontAlgn="auto" latinLnBrk="0" hangingPunct="1">
+              <a:lnSpc>
+                <a:spcPct val="100000"/>
+              </a:lnSpc>
+              <a:spcBef>
+                <a:spcPts val="0"/>
+              </a:spcBef>
+              <a:spcAft>
+                <a:spcPts val="0"/>
+              </a:spcAft>
+              <a:buClrTx/>
+              <a:buSzTx/>
+              <a:buFontTx/>
+              <a:buNone/>
+              <a:tabLst/>
+              <a:defRPr/>
+            </a:pPr>
+            <a:r>
+              <a:rPr lang="en-US" sz="1200" b="0" strike="noStrike" spc="-1" dirty="0">
+                <a:solidFill>
+                  <a:srgbClr val="000000"/>
+                </a:solidFill>
+                <a:uFill>
+                  <a:solidFill>
+                    <a:srgbClr val="FFFFFF"/>
+                  </a:solidFill>
+                </a:uFill>
+                <a:latin typeface="+mn-lt"/>
+              </a:rPr>
+              <a:t>Touch issues: Touchscreen is detected fine by Linux, so no hardware incompatibility. Events are detected by android (android has a built-in getevent utility) but never dispatched to the GUI. The same happens with a mouse, which should be supported out-of-box. I tried to trace where the events are lost: They are enqueued by native code to be picked up by the dalvik virtual machine, but the VM never picks them up</a:t>
+            </a:r>
+          </a:p>
+          <a:p>
+            <a:endParaRPr lang="en-GB" dirty="0"/>
+          </a:p>
+          <a:p>
+            <a:endParaRPr lang="en-GB" dirty="0"/>
+          </a:p>
+        </p:txBody>
+      </p:sp>
+      <p:sp>
+        <p:nvSpPr>
+          <p:cNvPr id="4" name="Foliennummernplatzhalter 3"/>
+          <p:cNvSpPr>
+            <a:spLocks noGrp="1"/>
+          </p:cNvSpPr>
+          <p:nvPr>
+            <p:ph type="sldNum"/>
+          </p:nvPr>
+        </p:nvSpPr>
+        <p:spPr/>
+        <p:txBody>
+          <a:bodyPr/>
+          <a:lstStyle/>
+          <a:p>
+            <a:pPr algn="r"/>
+            <a:fld id="{2CE4CCA2-61C4-489B-AACF-5DA84C79A21A}" type="slidenum">
+              <a:rPr lang="en-US" sz="1400" b="0" strike="noStrike" spc="-1" smtClean="0">
+                <a:solidFill>
+                  <a:srgbClr val="000000"/>
+                </a:solidFill>
+                <a:uFill>
+                  <a:solidFill>
+                    <a:srgbClr val="FFFFFF"/>
+                  </a:solidFill>
+                </a:uFill>
+                <a:latin typeface="Times New Roman"/>
+              </a:rPr>
+              <a:t>19</a:t>
+            </a:fld>
+            <a:endParaRPr lang="en-US" sz="1400" b="0" strike="noStrike" spc="-1" dirty="0">
+              <a:solidFill>
+                <a:srgbClr val="000000"/>
+              </a:solidFill>
+              <a:uFill>
+                <a:solidFill>
+                  <a:srgbClr val="FFFFFF"/>
+                </a:solidFill>
+              </a:uFill>
+              <a:latin typeface="Times New Roman"/>
+            </a:endParaRPr>
+          </a:p>
+        </p:txBody>
+      </p:sp>
+    </p:spTree>
+    <p:extLst>
+      <p:ext uri="{BB962C8B-B14F-4D97-AF65-F5344CB8AC3E}">
+        <p14:creationId xmlns:p14="http://schemas.microsoft.com/office/powerpoint/2010/main" val="815418417"/>
+      </p:ext>
+    </p:extLst>
+  </p:cSld>
+  <p:clrMapOvr>
+    <a:masterClrMapping/>
+  </p:clrMapOvr>
+</p:notes>
+</file>
+
+<file path=ppt/notesSlides/notesSlide13.xml><?xml version="1.0" encoding="utf-8"?>
+<p:notes xmlns:a="http://schemas.openxmlformats.org/drawingml/2006/main" xmlns:r="http://schemas.openxmlformats.org/officeDocument/2006/relationships" xmlns:p="http://schemas.openxmlformats.org/presentationml/2006/main">
+  <p:cSld>
+    <p:spTree>
+      <p:nvGrpSpPr>
+        <p:cNvPr id="1" name=""/>
+        <p:cNvGrpSpPr/>
+        <p:nvPr/>
+      </p:nvGrpSpPr>
+      <p:grpSpPr>
+        <a:xfrm>
+          <a:off x="0" y="0"/>
+          <a:ext cx="0" cy="0"/>
+          <a:chOff x="0" y="0"/>
+          <a:chExt cx="0" cy="0"/>
+        </a:xfrm>
+      </p:grpSpPr>
+      <p:sp>
+        <p:nvSpPr>
+          <p:cNvPr id="2" name="Folienbildplatzhalter 1"/>
+          <p:cNvSpPr>
+            <a:spLocks noGrp="1" noRot="1" noChangeAspect="1"/>
+          </p:cNvSpPr>
+          <p:nvPr>
+            <p:ph type="sldImg"/>
+          </p:nvPr>
+        </p:nvSpPr>
+        <p:spPr>
+          <a:xfrm>
+            <a:off x="1371600" y="1143000"/>
+            <a:ext cx="4114800" cy="3086100"/>
+          </a:xfrm>
+          <a:prstGeom prst="rect">
+            <a:avLst/>
+          </a:prstGeom>
+          <a:noFill/>
+          <a:ln w="12700">
+            <a:solidFill>
+              <a:prstClr val="black"/>
+            </a:solidFill>
+          </a:ln>
+        </p:spPr>
+      </p:sp>
+      <p:sp>
+        <p:nvSpPr>
+          <p:cNvPr id="3" name="Notizenplatzhalter 2"/>
+          <p:cNvSpPr>
+            <a:spLocks noGrp="1"/>
+          </p:cNvSpPr>
+          <p:nvPr>
+            <p:ph type="body" idx="1"/>
+          </p:nvPr>
+        </p:nvSpPr>
+        <p:spPr/>
+        <p:txBody>
+          <a:bodyPr/>
+          <a:lstStyle/>
+          <a:p>
+            <a:endParaRPr lang="en-GB" dirty="0"/>
+          </a:p>
+        </p:txBody>
+      </p:sp>
+      <p:sp>
+        <p:nvSpPr>
+          <p:cNvPr id="4" name="Foliennummernplatzhalter 3"/>
+          <p:cNvSpPr>
+            <a:spLocks noGrp="1"/>
+          </p:cNvSpPr>
+          <p:nvPr>
+            <p:ph type="sldNum"/>
+          </p:nvPr>
+        </p:nvSpPr>
+        <p:spPr/>
+        <p:txBody>
+          <a:bodyPr/>
+          <a:lstStyle/>
+          <a:p>
+            <a:pPr algn="r"/>
+            <a:fld id="{2CE4CCA2-61C4-489B-AACF-5DA84C79A21A}" type="slidenum">
+              <a:rPr lang="en-US" sz="1400" b="0" strike="noStrike" spc="-1" smtClean="0">
+                <a:solidFill>
+                  <a:srgbClr val="000000"/>
+                </a:solidFill>
+                <a:uFill>
+                  <a:solidFill>
+                    <a:srgbClr val="FFFFFF"/>
+                  </a:solidFill>
+                </a:uFill>
+                <a:latin typeface="Times New Roman"/>
+              </a:rPr>
+              <a:t>20</a:t>
+            </a:fld>
+            <a:endParaRPr lang="en-US" sz="1400" b="0" strike="noStrike" spc="-1" dirty="0">
+              <a:solidFill>
+                <a:srgbClr val="000000"/>
+              </a:solidFill>
+              <a:uFill>
+                <a:solidFill>
+                  <a:srgbClr val="FFFFFF"/>
+                </a:solidFill>
+              </a:uFill>
+              <a:latin typeface="Times New Roman"/>
+            </a:endParaRPr>
+          </a:p>
+        </p:txBody>
+      </p:sp>
+    </p:spTree>
+    <p:extLst>
+      <p:ext uri="{BB962C8B-B14F-4D97-AF65-F5344CB8AC3E}">
+        <p14:creationId xmlns:p14="http://schemas.microsoft.com/office/powerpoint/2010/main" val="962787117"/>
       </p:ext>
     </p:extLst>
   </p:cSld>
@@ -839,29 +1783,47 @@
       </p:grpSpPr>
       <p:sp>
         <p:nvSpPr>
-          <p:cNvPr id="185" name="PlaceHolder 1"/>
+          <p:cNvPr id="2" name="Folienbildplatzhalter 1"/>
+          <p:cNvSpPr>
+            <a:spLocks noGrp="1" noRot="1" noChangeAspect="1"/>
+          </p:cNvSpPr>
+          <p:nvPr>
+            <p:ph type="sldImg"/>
+          </p:nvPr>
+        </p:nvSpPr>
+        <p:spPr>
+          <a:xfrm>
+            <a:off x="1371600" y="1143000"/>
+            <a:ext cx="4114800" cy="3086100"/>
+          </a:xfrm>
+          <a:prstGeom prst="rect">
+            <a:avLst/>
+          </a:prstGeom>
+          <a:noFill/>
+          <a:ln w="12700">
+            <a:solidFill>
+              <a:prstClr val="black"/>
+            </a:solidFill>
+          </a:ln>
+        </p:spPr>
+      </p:sp>
+      <p:sp>
+        <p:nvSpPr>
+          <p:cNvPr id="3" name="Notizenplatzhalter 2"/>
           <p:cNvSpPr>
             <a:spLocks noGrp="1"/>
           </p:cNvSpPr>
           <p:nvPr>
-            <p:ph type="body"/>
+            <p:ph type="body" idx="1"/>
           </p:nvPr>
         </p:nvSpPr>
-        <p:spPr>
-          <a:xfrm>
-            <a:off x="685800" y="4343400"/>
-            <a:ext cx="5486040" cy="4114440"/>
-          </a:xfrm>
-          <a:prstGeom prst="rect">
-            <a:avLst/>
-          </a:prstGeom>
-        </p:spPr>
+        <p:spPr/>
         <p:txBody>
-          <a:bodyPr lIns="0" tIns="0" rIns="0" bIns="0"/>
+          <a:bodyPr/>
           <a:lstStyle/>
           <a:p>
             <a:r>
-              <a:rPr lang="en-US" sz="2000" b="0" strike="noStrike" spc="-1">
+              <a:rPr lang="en-US" sz="1200" b="0" strike="noStrike" spc="-1" dirty="0">
                 <a:solidFill>
                   <a:srgbClr val="000000"/>
                 </a:solidFill>
@@ -870,27 +1832,27 @@
                     <a:srgbClr val="FFFFFF"/>
                   </a:solidFill>
                 </a:uFill>
-                <a:latin typeface="Arial"/>
+                <a:latin typeface="+mn-lt"/>
               </a:rPr>
               <a:t>Hardware requirements not met:</a:t>
             </a:r>
           </a:p>
           <a:p>
-            <a:endParaRPr lang="en-US" sz="2000" b="0" strike="noStrike" spc="-1">
-              <a:solidFill>
-                <a:srgbClr val="000000"/>
-              </a:solidFill>
-              <a:uFill>
-                <a:solidFill>
-                  <a:srgbClr val="FFFFFF"/>
-                </a:solidFill>
-              </a:uFill>
-              <a:latin typeface="Arial"/>
-            </a:endParaRPr>
-          </a:p>
-          <a:p>
-            <a:r>
-              <a:rPr lang="en-US" sz="2000" b="0" strike="noStrike" spc="-1">
+            <a:endParaRPr lang="en-US" sz="1200" b="0" strike="noStrike" spc="-1" dirty="0">
+              <a:solidFill>
+                <a:srgbClr val="000000"/>
+              </a:solidFill>
+              <a:uFill>
+                <a:solidFill>
+                  <a:srgbClr val="FFFFFF"/>
+                </a:solidFill>
+              </a:uFill>
+              <a:latin typeface="+mn-lt"/>
+            </a:endParaRPr>
+          </a:p>
+          <a:p>
+            <a:r>
+              <a:rPr lang="en-US" sz="1200" b="0" strike="noStrike" spc="-1" dirty="0">
                 <a:solidFill>
                   <a:srgbClr val="000000"/>
                 </a:solidFill>
@@ -899,27 +1861,27 @@
                     <a:srgbClr val="FFFFFF"/>
                   </a:solidFill>
                 </a:uFill>
-                <a:latin typeface="Arial"/>
+                <a:latin typeface="+mn-lt"/>
               </a:rPr>
               <a:t>ZedBoard only has 512mb RAM → Not enough (could be solved by using SWAP memory, but SWAP on SD-cards is very very slow)</a:t>
             </a:r>
           </a:p>
           <a:p>
-            <a:endParaRPr lang="en-US" sz="2000" b="0" strike="noStrike" spc="-1">
-              <a:solidFill>
-                <a:srgbClr val="000000"/>
-              </a:solidFill>
-              <a:uFill>
-                <a:solidFill>
-                  <a:srgbClr val="FFFFFF"/>
-                </a:solidFill>
-              </a:uFill>
-              <a:latin typeface="Arial"/>
-            </a:endParaRPr>
-          </a:p>
-          <a:p>
-            <a:r>
-              <a:rPr lang="en-US" sz="2000" b="0" strike="noStrike" spc="-1">
+            <a:endParaRPr lang="en-US" sz="1200" b="0" strike="noStrike" spc="-1" dirty="0">
+              <a:solidFill>
+                <a:srgbClr val="000000"/>
+              </a:solidFill>
+              <a:uFill>
+                <a:solidFill>
+                  <a:srgbClr val="FFFFFF"/>
+                </a:solidFill>
+              </a:uFill>
+              <a:latin typeface="+mn-lt"/>
+            </a:endParaRPr>
+          </a:p>
+          <a:p>
+            <a:r>
+              <a:rPr lang="en-US" sz="1200" b="0" strike="noStrike" spc="-1" dirty="0">
                 <a:solidFill>
                   <a:srgbClr val="000000"/>
                 </a:solidFill>
@@ -928,14 +1890,66 @@
                     <a:srgbClr val="FFFFFF"/>
                   </a:solidFill>
                 </a:uFill>
-                <a:latin typeface="Arial"/>
+                <a:latin typeface="+mn-lt"/>
               </a:rPr>
               <a:t>No GPU. Even 2.3.7 is slow, people that got higher versions running (with SWAP memory) encountered unusable graphical user interfaces</a:t>
             </a:r>
           </a:p>
+          <a:p>
+            <a:endParaRPr lang="en-GB" dirty="0"/>
+          </a:p>
         </p:txBody>
       </p:sp>
+      <p:sp>
+        <p:nvSpPr>
+          <p:cNvPr id="4" name="Foliennummernplatzhalter 3"/>
+          <p:cNvSpPr>
+            <a:spLocks noGrp="1"/>
+          </p:cNvSpPr>
+          <p:nvPr>
+            <p:ph type="sldNum"/>
+          </p:nvPr>
+        </p:nvSpPr>
+        <p:spPr/>
+        <p:txBody>
+          <a:bodyPr/>
+          <a:lstStyle/>
+          <a:p>
+            <a:pPr algn="r"/>
+            <a:fld id="{2CE4CCA2-61C4-489B-AACF-5DA84C79A21A}" type="slidenum">
+              <a:rPr lang="en-US" sz="1400" b="0" strike="noStrike" spc="-1" smtClean="0">
+                <a:solidFill>
+                  <a:srgbClr val="000000"/>
+                </a:solidFill>
+                <a:uFill>
+                  <a:solidFill>
+                    <a:srgbClr val="FFFFFF"/>
+                  </a:solidFill>
+                </a:uFill>
+                <a:latin typeface="Times New Roman"/>
+              </a:rPr>
+              <a:t>3</a:t>
+            </a:fld>
+            <a:endParaRPr lang="en-US" sz="1400" b="0" strike="noStrike" spc="-1" dirty="0">
+              <a:solidFill>
+                <a:srgbClr val="000000"/>
+              </a:solidFill>
+              <a:uFill>
+                <a:solidFill>
+                  <a:srgbClr val="FFFFFF"/>
+                </a:solidFill>
+              </a:uFill>
+              <a:latin typeface="Times New Roman"/>
+            </a:endParaRPr>
+          </a:p>
+        </p:txBody>
+      </p:sp>
     </p:spTree>
+    <p:extLst>
+      <p:ext uri="{BB962C8B-B14F-4D97-AF65-F5344CB8AC3E}">
+        <p14:creationId xmlns:p14="http://schemas.microsoft.com/office/powerpoint/2010/main" val="3895395362"/>
+      </p:ext>
+    </p:extLst>
   </p:cSld>
   <p:clrMapOvr>
     <a:masterClrMapping/>
@@ -962,29 +1976,47 @@
       </p:grpSpPr>
       <p:sp>
         <p:nvSpPr>
-          <p:cNvPr id="186" name="PlaceHolder 1"/>
+          <p:cNvPr id="2" name="Folienbildplatzhalter 1"/>
+          <p:cNvSpPr>
+            <a:spLocks noGrp="1" noRot="1" noChangeAspect="1"/>
+          </p:cNvSpPr>
+          <p:nvPr>
+            <p:ph type="sldImg"/>
+          </p:nvPr>
+        </p:nvSpPr>
+        <p:spPr>
+          <a:xfrm>
+            <a:off x="1371600" y="1143000"/>
+            <a:ext cx="4114800" cy="3086100"/>
+          </a:xfrm>
+          <a:prstGeom prst="rect">
+            <a:avLst/>
+          </a:prstGeom>
+          <a:noFill/>
+          <a:ln w="12700">
+            <a:solidFill>
+              <a:prstClr val="black"/>
+            </a:solidFill>
+          </a:ln>
+        </p:spPr>
+      </p:sp>
+      <p:sp>
+        <p:nvSpPr>
+          <p:cNvPr id="3" name="Notizenplatzhalter 2"/>
           <p:cNvSpPr>
             <a:spLocks noGrp="1"/>
           </p:cNvSpPr>
           <p:nvPr>
-            <p:ph type="body"/>
+            <p:ph type="body" idx="1"/>
           </p:nvPr>
         </p:nvSpPr>
-        <p:spPr>
-          <a:xfrm>
-            <a:off x="685800" y="4343400"/>
-            <a:ext cx="5486040" cy="4114440"/>
-          </a:xfrm>
-          <a:prstGeom prst="rect">
-            <a:avLst/>
-          </a:prstGeom>
-        </p:spPr>
+        <p:spPr/>
         <p:txBody>
-          <a:bodyPr lIns="0" tIns="0" rIns="0" bIns="0"/>
+          <a:bodyPr/>
           <a:lstStyle/>
           <a:p>
             <a:r>
-              <a:rPr lang="en-US" sz="2000" b="0" strike="noStrike" spc="-1">
+              <a:rPr lang="en-US" sz="1200" b="0" strike="noStrike" spc="-1" dirty="0">
                 <a:solidFill>
                   <a:srgbClr val="000000"/>
                 </a:solidFill>
@@ -993,27 +2025,27 @@
                     <a:srgbClr val="FFFFFF"/>
                   </a:solidFill>
                 </a:uFill>
-                <a:latin typeface="Arial"/>
+                <a:latin typeface="+mn-lt"/>
               </a:rPr>
               <a:t>We could have designed our own hardware design in Vivado, but this was deemed to be too much work for the short time we had available, since it must be designed with Linux compatibility in mind and none of us had the background knowledge to do that</a:t>
             </a:r>
           </a:p>
           <a:p>
-            <a:endParaRPr lang="en-US" sz="2000" b="0" strike="noStrike" spc="-1">
-              <a:solidFill>
-                <a:srgbClr val="000000"/>
-              </a:solidFill>
-              <a:uFill>
-                <a:solidFill>
-                  <a:srgbClr val="FFFFFF"/>
-                </a:solidFill>
-              </a:uFill>
-              <a:latin typeface="Arial"/>
-            </a:endParaRPr>
-          </a:p>
-          <a:p>
-            <a:r>
-              <a:rPr lang="en-US" sz="2000" b="0" strike="noStrike" spc="-1">
+            <a:endParaRPr lang="en-US" sz="1200" b="0" strike="noStrike" spc="-1" dirty="0">
+              <a:solidFill>
+                <a:srgbClr val="000000"/>
+              </a:solidFill>
+              <a:uFill>
+                <a:solidFill>
+                  <a:srgbClr val="FFFFFF"/>
+                </a:solidFill>
+              </a:uFill>
+              <a:latin typeface="+mn-lt"/>
+            </a:endParaRPr>
+          </a:p>
+          <a:p>
+            <a:r>
+              <a:rPr lang="en-US" sz="1200" b="0" strike="noStrike" spc="-1" dirty="0">
                 <a:solidFill>
                   <a:srgbClr val="000000"/>
                 </a:solidFill>
@@ -1022,27 +2054,27 @@
                     <a:srgbClr val="FFFFFF"/>
                   </a:solidFill>
                 </a:uFill>
-                <a:latin typeface="Arial"/>
+                <a:latin typeface="+mn-lt"/>
               </a:rPr>
               <a:t>Tools required by u-boot: right device tree compiler (dtc) version</a:t>
             </a:r>
           </a:p>
           <a:p>
-            <a:endParaRPr lang="en-US" sz="2000" b="0" strike="noStrike" spc="-1">
-              <a:solidFill>
-                <a:srgbClr val="000000"/>
-              </a:solidFill>
-              <a:uFill>
-                <a:solidFill>
-                  <a:srgbClr val="FFFFFF"/>
-                </a:solidFill>
-              </a:uFill>
-              <a:latin typeface="Arial"/>
-            </a:endParaRPr>
-          </a:p>
-          <a:p>
-            <a:r>
-              <a:rPr lang="en-US" sz="2000" b="0" strike="noStrike" spc="-1">
+            <a:endParaRPr lang="en-US" sz="1200" b="0" strike="noStrike" spc="-1" dirty="0">
+              <a:solidFill>
+                <a:srgbClr val="000000"/>
+              </a:solidFill>
+              <a:uFill>
+                <a:solidFill>
+                  <a:srgbClr val="FFFFFF"/>
+                </a:solidFill>
+              </a:uFill>
+              <a:latin typeface="+mn-lt"/>
+            </a:endParaRPr>
+          </a:p>
+          <a:p>
+            <a:r>
+              <a:rPr lang="en-US" sz="1200" b="0" strike="noStrike" spc="-1" dirty="0">
                 <a:solidFill>
                   <a:srgbClr val="000000"/>
                 </a:solidFill>
@@ -1051,14 +2083,63 @@
                     <a:srgbClr val="FFFFFF"/>
                   </a:solidFill>
                 </a:uFill>
-                <a:latin typeface="Arial"/>
+                <a:latin typeface="+mn-lt"/>
               </a:rPr>
               <a:t>Make 3.81 is required to build android, since there are some syntax errors in it’s makefiles and 3.82+ versions are more restrictive and generate errors</a:t>
             </a:r>
           </a:p>
         </p:txBody>
       </p:sp>
+      <p:sp>
+        <p:nvSpPr>
+          <p:cNvPr id="4" name="Foliennummernplatzhalter 3"/>
+          <p:cNvSpPr>
+            <a:spLocks noGrp="1"/>
+          </p:cNvSpPr>
+          <p:nvPr>
+            <p:ph type="sldNum"/>
+          </p:nvPr>
+        </p:nvSpPr>
+        <p:spPr/>
+        <p:txBody>
+          <a:bodyPr/>
+          <a:lstStyle/>
+          <a:p>
+            <a:pPr algn="r"/>
+            <a:fld id="{2CE4CCA2-61C4-489B-AACF-5DA84C79A21A}" type="slidenum">
+              <a:rPr lang="en-US" sz="1400" b="0" strike="noStrike" spc="-1" smtClean="0">
+                <a:solidFill>
+                  <a:srgbClr val="000000"/>
+                </a:solidFill>
+                <a:uFill>
+                  <a:solidFill>
+                    <a:srgbClr val="FFFFFF"/>
+                  </a:solidFill>
+                </a:uFill>
+                <a:latin typeface="Times New Roman"/>
+              </a:rPr>
+              <a:t>4</a:t>
+            </a:fld>
+            <a:endParaRPr lang="en-US" sz="1400" b="0" strike="noStrike" spc="-1" dirty="0">
+              <a:solidFill>
+                <a:srgbClr val="000000"/>
+              </a:solidFill>
+              <a:uFill>
+                <a:solidFill>
+                  <a:srgbClr val="FFFFFF"/>
+                </a:solidFill>
+              </a:uFill>
+              <a:latin typeface="Times New Roman"/>
+            </a:endParaRPr>
+          </a:p>
+        </p:txBody>
+      </p:sp>
     </p:spTree>
+    <p:extLst>
+      <p:ext uri="{BB962C8B-B14F-4D97-AF65-F5344CB8AC3E}">
+        <p14:creationId xmlns:p14="http://schemas.microsoft.com/office/powerpoint/2010/main" val="2257194593"/>
+      </p:ext>
+    </p:extLst>
   </p:cSld>
   <p:clrMapOvr>
     <a:masterClrMapping/>
@@ -1085,29 +2166,47 @@
       </p:grpSpPr>
       <p:sp>
         <p:nvSpPr>
-          <p:cNvPr id="187" name="PlaceHolder 1"/>
+          <p:cNvPr id="2" name="Folienbildplatzhalter 1"/>
+          <p:cNvSpPr>
+            <a:spLocks noGrp="1" noRot="1" noChangeAspect="1"/>
+          </p:cNvSpPr>
+          <p:nvPr>
+            <p:ph type="sldImg"/>
+          </p:nvPr>
+        </p:nvSpPr>
+        <p:spPr>
+          <a:xfrm>
+            <a:off x="1371600" y="1143000"/>
+            <a:ext cx="4114800" cy="3086100"/>
+          </a:xfrm>
+          <a:prstGeom prst="rect">
+            <a:avLst/>
+          </a:prstGeom>
+          <a:noFill/>
+          <a:ln w="12700">
+            <a:solidFill>
+              <a:prstClr val="black"/>
+            </a:solidFill>
+          </a:ln>
+        </p:spPr>
+      </p:sp>
+      <p:sp>
+        <p:nvSpPr>
+          <p:cNvPr id="3" name="Notizenplatzhalter 2"/>
           <p:cNvSpPr>
             <a:spLocks noGrp="1"/>
           </p:cNvSpPr>
           <p:nvPr>
-            <p:ph type="body"/>
+            <p:ph type="body" idx="1"/>
           </p:nvPr>
         </p:nvSpPr>
-        <p:spPr>
-          <a:xfrm>
-            <a:off x="685800" y="4343400"/>
-            <a:ext cx="5486040" cy="4114440"/>
-          </a:xfrm>
-          <a:prstGeom prst="rect">
-            <a:avLst/>
-          </a:prstGeom>
-        </p:spPr>
+        <p:spPr/>
         <p:txBody>
-          <a:bodyPr lIns="0" tIns="0" rIns="0" bIns="0"/>
+          <a:bodyPr/>
           <a:lstStyle/>
           <a:p>
             <a:r>
-              <a:rPr lang="en-US" sz="1800" b="0" strike="noStrike" spc="-1">
+              <a:rPr lang="en-US" sz="1200" b="0" strike="noStrike" spc="-1" dirty="0">
                 <a:solidFill>
                   <a:srgbClr val="000000"/>
                 </a:solidFill>
@@ -1116,14 +2215,14 @@
                     <a:srgbClr val="FFFFFF"/>
                   </a:solidFill>
                 </a:uFill>
-                <a:latin typeface="Arial"/>
+                <a:latin typeface="+mn-lt"/>
               </a:rPr>
               <a:t>Linux kernel can be configured with “make menuconfig”</a:t>
             </a:r>
           </a:p>
           <a:p>
             <a:r>
-              <a:rPr lang="en-US" sz="1800" b="0" strike="noStrike" spc="-1">
+              <a:rPr lang="en-US" sz="1200" b="0" strike="noStrike" spc="-1" dirty="0">
                 <a:solidFill>
                   <a:srgbClr val="000000"/>
                 </a:solidFill>
@@ -1132,12 +2231,12 @@
                     <a:srgbClr val="FFFFFF"/>
                   </a:solidFill>
                 </a:uFill>
-                <a:latin typeface="Arial"/>
+                <a:latin typeface="+mn-lt"/>
               </a:rPr>
               <a:t>Necessary configuration for Android found at </a:t>
             </a:r>
             <a:r>
-              <a:rPr lang="en-US" sz="1800" b="0" strike="noStrike" spc="-1">
+              <a:rPr lang="en-US" sz="1200" b="0" strike="noStrike" spc="-1" dirty="0">
                 <a:solidFill>
                   <a:srgbClr val="000000"/>
                 </a:solidFill>
@@ -1146,26 +2245,26 @@
                     <a:srgbClr val="FFFFFF"/>
                   </a:solidFill>
                 </a:uFill>
-                <a:latin typeface="Arial"/>
+                <a:latin typeface="+mn-lt"/>
                 <a:hlinkClick r:id="rId3"/>
               </a:rPr>
               <a:t>https://elinux.org/Zedboard_Android</a:t>
             </a:r>
-            <a:endParaRPr lang="en-US" sz="1800" b="0" strike="noStrike" spc="-1">
-              <a:solidFill>
-                <a:srgbClr val="000000"/>
-              </a:solidFill>
-              <a:uFill>
-                <a:solidFill>
-                  <a:srgbClr val="FFFFFF"/>
-                </a:solidFill>
-              </a:uFill>
-              <a:latin typeface="Arial"/>
-            </a:endParaRPr>
-          </a:p>
-          <a:p>
-            <a:r>
-              <a:rPr lang="en-US" sz="1800" b="0" strike="noStrike" spc="-1">
+            <a:endParaRPr lang="en-US" sz="1200" b="0" strike="noStrike" spc="-1" dirty="0">
+              <a:solidFill>
+                <a:srgbClr val="000000"/>
+              </a:solidFill>
+              <a:uFill>
+                <a:solidFill>
+                  <a:srgbClr val="FFFFFF"/>
+                </a:solidFill>
+              </a:uFill>
+              <a:latin typeface="+mn-lt"/>
+            </a:endParaRPr>
+          </a:p>
+          <a:p>
+            <a:r>
+              <a:rPr lang="en-US" sz="1200" b="0" strike="noStrike" spc="-1" dirty="0">
                 <a:solidFill>
                   <a:srgbClr val="000000"/>
                 </a:solidFill>
@@ -1174,14 +2273,14 @@
                     <a:srgbClr val="FFFFFF"/>
                   </a:solidFill>
                 </a:uFill>
-                <a:latin typeface="Arial"/>
+                <a:latin typeface="+mn-lt"/>
               </a:rPr>
               <a:t>Necessary configuration for touchscreens is straight-forward</a:t>
             </a:r>
           </a:p>
           <a:p>
             <a:r>
-              <a:rPr lang="en-US" sz="1800" b="0" strike="noStrike" spc="-1">
+              <a:rPr lang="en-US" sz="1200" b="0" strike="noStrike" spc="-1" dirty="0">
                 <a:solidFill>
                   <a:srgbClr val="000000"/>
                 </a:solidFill>
@@ -1190,14 +2289,31 @@
                     <a:srgbClr val="FFFFFF"/>
                   </a:solidFill>
                 </a:uFill>
-                <a:latin typeface="Arial"/>
+                <a:latin typeface="+mn-lt"/>
               </a:rPr>
               <a:t>Iveia shut down their repositories for some reason</a:t>
             </a:r>
           </a:p>
-          <a:p>
-            <a:r>
-              <a:rPr lang="en-US" sz="1800" b="0" strike="noStrike" spc="-1">
+        </p:txBody>
+      </p:sp>
+      <p:sp>
+        <p:nvSpPr>
+          <p:cNvPr id="4" name="Foliennummernplatzhalter 3"/>
+          <p:cNvSpPr>
+            <a:spLocks noGrp="1"/>
+          </p:cNvSpPr>
+          <p:nvPr>
+            <p:ph type="sldNum"/>
+          </p:nvPr>
+        </p:nvSpPr>
+        <p:spPr/>
+        <p:txBody>
+          <a:bodyPr/>
+          <a:lstStyle/>
+          <a:p>
+            <a:pPr algn="r"/>
+            <a:fld id="{2CE4CCA2-61C4-489B-AACF-5DA84C79A21A}" type="slidenum">
+              <a:rPr lang="en-US" sz="1400" b="0" strike="noStrike" spc="-1" smtClean="0">
                 <a:solidFill>
                   <a:srgbClr val="000000"/>
                 </a:solidFill>
@@ -1206,14 +2322,30 @@
                     <a:srgbClr val="FFFFFF"/>
                   </a:solidFill>
                 </a:uFill>
-                <a:latin typeface="Arial"/>
-              </a:rPr>
-              <a:t>Touch issues: Touchscreen is detected fine by Linux, so no hardware incompatibility. Events are detected by android (android has a built-in getevent utility) but never dispatched to the GUI. The same happens with a mouse, which should be supported out-of-box. I tried to trace where the events are lost: They are enqueued by native code to be picked up by the dalvik virtual machine, but the VM never picks them up</a:t>
-            </a:r>
+                <a:latin typeface="Times New Roman"/>
+              </a:rPr>
+              <a:t>5</a:t>
+            </a:fld>
+            <a:endParaRPr lang="en-US" sz="1400" b="0" strike="noStrike" spc="-1" dirty="0">
+              <a:solidFill>
+                <a:srgbClr val="000000"/>
+              </a:solidFill>
+              <a:uFill>
+                <a:solidFill>
+                  <a:srgbClr val="FFFFFF"/>
+                </a:solidFill>
+              </a:uFill>
+              <a:latin typeface="Times New Roman"/>
+            </a:endParaRPr>
           </a:p>
         </p:txBody>
       </p:sp>
     </p:spTree>
+    <p:extLst>
+      <p:ext uri="{BB962C8B-B14F-4D97-AF65-F5344CB8AC3E}">
+        <p14:creationId xmlns:p14="http://schemas.microsoft.com/office/powerpoint/2010/main" val="1616446064"/>
+      </p:ext>
+    </p:extLst>
   </p:cSld>
   <p:clrMapOvr>
     <a:masterClrMapping/>
@@ -1287,15 +2419,7 @@
           <a:p>
             <a:r>
               <a:rPr lang="en-US" dirty="0"/>
-              <a:t>An external server which provides the infrastructure to store and distribute bitstreams and the android app  which interacts with the server and the hardware on the </a:t>
-            </a:r>
-            <a:r>
-              <a:rPr lang="en-US" dirty="0" err="1"/>
-              <a:t>zedboard</a:t>
-            </a:r>
-            <a:r>
-              <a:rPr lang="en-US" dirty="0"/>
-              <a:t>.</a:t>
+              <a:t>An external server which provides the infrastructure to store and distribute bitstreams and the android app  which interacts with the server and the hardware on the zedboard.</a:t>
             </a:r>
           </a:p>
           <a:p>
@@ -1349,7 +2473,7 @@
               </a:rPr>
               <a:t>8</a:t>
             </a:fld>
-            <a:endParaRPr lang="en-US" sz="1400" b="0" strike="noStrike" spc="-1">
+            <a:endParaRPr lang="en-US" sz="1400" b="0" strike="noStrike" spc="-1" dirty="0">
               <a:solidFill>
                 <a:srgbClr val="000000"/>
               </a:solidFill>
@@ -1435,84 +2559,8 @@
           <a:lstStyle/>
           <a:p>
             <a:r>
-              <a:rPr lang="de-AT" dirty="0" err="1"/>
-              <a:t>methods</a:t>
-            </a:r>
-            <a:r>
-              <a:rPr lang="de-AT" dirty="0"/>
-              <a:t> </a:t>
-            </a:r>
-            <a:r>
-              <a:rPr lang="de-AT" dirty="0" err="1"/>
-              <a:t>to</a:t>
-            </a:r>
-            <a:r>
-              <a:rPr lang="de-AT" dirty="0"/>
-              <a:t> </a:t>
-            </a:r>
-            <a:r>
-              <a:rPr lang="de-AT" dirty="0" err="1"/>
-              <a:t>read</a:t>
-            </a:r>
-            <a:r>
-              <a:rPr lang="de-AT" dirty="0"/>
-              <a:t>, </a:t>
-            </a:r>
-            <a:r>
-              <a:rPr lang="de-AT" dirty="0" err="1"/>
-              <a:t>create</a:t>
-            </a:r>
-            <a:r>
-              <a:rPr lang="de-AT" dirty="0"/>
-              <a:t>, update </a:t>
-            </a:r>
-            <a:r>
-              <a:rPr lang="de-AT" dirty="0" err="1"/>
-              <a:t>or</a:t>
-            </a:r>
-            <a:r>
-              <a:rPr lang="de-AT" dirty="0"/>
-              <a:t> </a:t>
-            </a:r>
-            <a:r>
-              <a:rPr lang="de-AT" dirty="0" err="1"/>
-              <a:t>delet</a:t>
-            </a:r>
-            <a:r>
-              <a:rPr lang="de-AT" dirty="0"/>
-              <a:t> a </a:t>
-            </a:r>
-            <a:r>
-              <a:rPr lang="de-AT" dirty="0" err="1"/>
-              <a:t>repository</a:t>
-            </a:r>
-            <a:r>
-              <a:rPr lang="de-AT" dirty="0"/>
-              <a:t> </a:t>
-            </a:r>
-            <a:r>
-              <a:rPr lang="de-AT" dirty="0" err="1"/>
-              <a:t>from</a:t>
-            </a:r>
-            <a:r>
-              <a:rPr lang="de-AT" dirty="0"/>
-              <a:t> </a:t>
-            </a:r>
-            <a:r>
-              <a:rPr lang="de-AT" dirty="0" err="1"/>
-              <a:t>the</a:t>
-            </a:r>
-            <a:r>
-              <a:rPr lang="de-AT" dirty="0"/>
-              <a:t> </a:t>
-            </a:r>
-            <a:r>
-              <a:rPr lang="de-AT" dirty="0" err="1"/>
-              <a:t>server</a:t>
-            </a:r>
-            <a:r>
-              <a:rPr lang="de-AT" dirty="0"/>
-              <a:t> </a:t>
+              <a:rPr lang="en-GB" noProof="0" dirty="0"/>
+              <a:t>methods to read, create, update or delete a repository from the server </a:t>
             </a:r>
           </a:p>
         </p:txBody>
@@ -1547,7 +2595,7 @@
               </a:rPr>
               <a:t>9</a:t>
             </a:fld>
-            <a:endParaRPr lang="en-US" sz="1400" b="0" strike="noStrike" spc="-1">
+            <a:endParaRPr lang="en-US" sz="1400" b="0" strike="noStrike" spc="-1" dirty="0">
               <a:solidFill>
                 <a:srgbClr val="000000"/>
               </a:solidFill>
@@ -1633,147 +2681,18 @@
           <a:lstStyle/>
           <a:p>
             <a:r>
-              <a:rPr lang="de-AT" dirty="0" err="1"/>
-              <a:t>What</a:t>
-            </a:r>
-            <a:r>
-              <a:rPr lang="de-AT" dirty="0"/>
-              <a:t> </a:t>
-            </a:r>
-            <a:r>
-              <a:rPr lang="de-AT" dirty="0" err="1"/>
-              <a:t>information</a:t>
-            </a:r>
-            <a:r>
-              <a:rPr lang="de-AT" dirty="0"/>
-              <a:t> </a:t>
-            </a:r>
-            <a:r>
-              <a:rPr lang="de-AT" dirty="0" err="1"/>
-              <a:t>we</a:t>
-            </a:r>
-            <a:r>
-              <a:rPr lang="de-AT" dirty="0"/>
-              <a:t> save on </a:t>
-            </a:r>
-            <a:r>
-              <a:rPr lang="de-AT" dirty="0" err="1"/>
-              <a:t>the</a:t>
-            </a:r>
-            <a:r>
-              <a:rPr lang="de-AT" dirty="0"/>
-              <a:t> </a:t>
-            </a:r>
-            <a:r>
-              <a:rPr lang="de-AT" dirty="0" err="1"/>
-              <a:t>sever</a:t>
-            </a:r>
-            <a:r>
-              <a:rPr lang="de-AT" dirty="0"/>
-              <a:t>. (</a:t>
-            </a:r>
-            <a:r>
-              <a:rPr lang="de-AT" dirty="0" err="1"/>
-              <a:t>the</a:t>
-            </a:r>
-            <a:r>
-              <a:rPr lang="de-AT" dirty="0"/>
-              <a:t> Data </a:t>
-            </a:r>
-            <a:r>
-              <a:rPr lang="de-AT" dirty="0" err="1"/>
-              <a:t>from</a:t>
-            </a:r>
-            <a:r>
-              <a:rPr lang="de-AT" dirty="0"/>
-              <a:t> </a:t>
-            </a:r>
-            <a:r>
-              <a:rPr lang="de-AT" dirty="0" err="1"/>
-              <a:t>the</a:t>
-            </a:r>
-            <a:r>
-              <a:rPr lang="de-AT" dirty="0"/>
-              <a:t> </a:t>
-            </a:r>
-            <a:r>
-              <a:rPr lang="de-AT" dirty="0" err="1"/>
-              <a:t>previous</a:t>
-            </a:r>
-            <a:r>
-              <a:rPr lang="de-AT" dirty="0"/>
-              <a:t> </a:t>
-            </a:r>
-            <a:r>
-              <a:rPr lang="de-AT" dirty="0" err="1"/>
-              <a:t>slide</a:t>
-            </a:r>
-            <a:r>
-              <a:rPr lang="de-AT" dirty="0"/>
-              <a:t>)</a:t>
-            </a:r>
-          </a:p>
-          <a:p>
-            <a:endParaRPr lang="de-AT" dirty="0"/>
-          </a:p>
-          <a:p>
-            <a:r>
-              <a:rPr lang="de-AT" dirty="0"/>
-              <a:t>Most </a:t>
-            </a:r>
-            <a:r>
-              <a:rPr lang="de-AT" dirty="0" err="1"/>
-              <a:t>importan</a:t>
-            </a:r>
-            <a:r>
-              <a:rPr lang="de-AT" dirty="0"/>
-              <a:t> </a:t>
-            </a:r>
-            <a:r>
-              <a:rPr lang="de-AT" dirty="0" err="1"/>
-              <a:t>for</a:t>
-            </a:r>
-            <a:r>
-              <a:rPr lang="de-AT" dirty="0"/>
-              <a:t> </a:t>
-            </a:r>
-            <a:r>
-              <a:rPr lang="de-AT" dirty="0" err="1"/>
-              <a:t>us</a:t>
-            </a:r>
-            <a:r>
-              <a:rPr lang="de-AT" dirty="0"/>
-              <a:t> </a:t>
-            </a:r>
-            <a:r>
-              <a:rPr lang="de-AT" dirty="0" err="1"/>
-              <a:t>is</a:t>
-            </a:r>
-            <a:r>
-              <a:rPr lang="de-AT" dirty="0"/>
-              <a:t> </a:t>
-            </a:r>
-            <a:r>
-              <a:rPr lang="de-AT" dirty="0" err="1"/>
-              <a:t>the</a:t>
-            </a:r>
-            <a:r>
-              <a:rPr lang="de-AT" dirty="0"/>
-              <a:t> </a:t>
-            </a:r>
-            <a:r>
-              <a:rPr lang="de-AT" dirty="0" err="1"/>
-              <a:t>index,version,file</a:t>
-            </a:r>
-            <a:r>
-              <a:rPr lang="de-AT" dirty="0"/>
-              <a:t> and </a:t>
-            </a:r>
-            <a:r>
-              <a:rPr lang="de-AT" dirty="0" err="1"/>
-              <a:t>checksum</a:t>
-            </a:r>
-            <a:endParaRPr lang="de-AT" dirty="0"/>
+              <a:rPr lang="en-GB" noProof="0" dirty="0"/>
+              <a:t>What information we save on the sever. (the Data from the previous slide)</a:t>
+            </a:r>
+          </a:p>
+          <a:p>
+            <a:endParaRPr lang="en-GB" noProof="0" dirty="0"/>
+          </a:p>
+          <a:p>
+            <a:r>
+              <a:rPr lang="en-GB" noProof="0" dirty="0"/>
+              <a:t>Most important for us is the index, version, file and checksum</a:t>
+            </a:r>
           </a:p>
         </p:txBody>
       </p:sp>
@@ -1807,7 +2726,7 @@
               </a:rPr>
               <a:t>10</a:t>
             </a:fld>
-            <a:endParaRPr lang="en-US" sz="1400" b="0" strike="noStrike" spc="-1">
+            <a:endParaRPr lang="en-US" sz="1400" b="0" strike="noStrike" spc="-1" dirty="0">
               <a:solidFill>
                 <a:srgbClr val="000000"/>
               </a:solidFill>
@@ -1926,7 +2845,7 @@
               </a:rPr>
               <a:t>11</a:t>
             </a:fld>
-            <a:endParaRPr lang="en-US" sz="1400" b="0" strike="noStrike" spc="-1">
+            <a:endParaRPr lang="en-US" sz="1400" b="0" strike="noStrike" spc="-1" dirty="0">
               <a:solidFill>
                 <a:srgbClr val="000000"/>
               </a:solidFill>
@@ -2012,509 +2931,54 @@
           <a:lstStyle/>
           <a:p>
             <a:r>
-              <a:rPr lang="de-AT" dirty="0" err="1"/>
-              <a:t>How</a:t>
-            </a:r>
-            <a:r>
-              <a:rPr lang="de-AT" dirty="0"/>
-              <a:t> </a:t>
-            </a:r>
-            <a:r>
-              <a:rPr lang="de-AT" dirty="0" err="1"/>
-              <a:t>the</a:t>
-            </a:r>
-            <a:r>
-              <a:rPr lang="de-AT" dirty="0"/>
-              <a:t> </a:t>
-            </a:r>
-            <a:r>
-              <a:rPr lang="de-AT" dirty="0" err="1"/>
-              <a:t>client</a:t>
-            </a:r>
-            <a:r>
-              <a:rPr lang="de-AT" dirty="0"/>
-              <a:t> </a:t>
-            </a:r>
-            <a:r>
-              <a:rPr lang="de-AT" dirty="0" err="1"/>
-              <a:t>architecture</a:t>
-            </a:r>
-            <a:r>
-              <a:rPr lang="de-AT" dirty="0"/>
-              <a:t> </a:t>
-            </a:r>
-            <a:r>
-              <a:rPr lang="de-AT" dirty="0" err="1"/>
-              <a:t>looks</a:t>
-            </a:r>
-            <a:r>
-              <a:rPr lang="de-AT" dirty="0"/>
-              <a:t> like. Tasks </a:t>
-            </a:r>
-            <a:r>
-              <a:rPr lang="de-AT" dirty="0" err="1"/>
-              <a:t>are</a:t>
-            </a:r>
-            <a:r>
-              <a:rPr lang="de-AT" dirty="0"/>
-              <a:t> </a:t>
-            </a:r>
-            <a:r>
-              <a:rPr lang="de-AT" dirty="0" err="1"/>
-              <a:t>divided</a:t>
-            </a:r>
-            <a:r>
-              <a:rPr lang="de-AT" dirty="0"/>
-              <a:t> </a:t>
-            </a:r>
-            <a:r>
-              <a:rPr lang="de-AT" dirty="0" err="1"/>
-              <a:t>into</a:t>
-            </a:r>
-            <a:r>
-              <a:rPr lang="de-AT" dirty="0"/>
-              <a:t> </a:t>
-            </a:r>
-            <a:r>
-              <a:rPr lang="de-AT" dirty="0" err="1"/>
-              <a:t>three</a:t>
-            </a:r>
-            <a:r>
-              <a:rPr lang="de-AT" dirty="0"/>
-              <a:t> </a:t>
-            </a:r>
-            <a:r>
-              <a:rPr lang="de-AT" dirty="0" err="1"/>
-              <a:t>classes</a:t>
-            </a:r>
-            <a:r>
-              <a:rPr lang="de-AT" dirty="0"/>
-              <a:t>.</a:t>
-            </a:r>
-          </a:p>
-          <a:p>
-            <a:r>
-              <a:rPr lang="de-AT" dirty="0"/>
-              <a:t>The network </a:t>
-            </a:r>
-            <a:r>
-              <a:rPr lang="de-AT" dirty="0" err="1"/>
-              <a:t>manager</a:t>
-            </a:r>
-            <a:r>
-              <a:rPr lang="de-AT" dirty="0"/>
-              <a:t> </a:t>
-            </a:r>
-            <a:r>
-              <a:rPr lang="de-AT" dirty="0" err="1"/>
-              <a:t>who</a:t>
-            </a:r>
-            <a:r>
-              <a:rPr lang="de-AT" dirty="0"/>
-              <a:t> </a:t>
-            </a:r>
-            <a:r>
-              <a:rPr lang="de-AT" dirty="0" err="1"/>
-              <a:t>handles</a:t>
-            </a:r>
-            <a:r>
-              <a:rPr lang="de-AT" dirty="0"/>
-              <a:t> all network I/O </a:t>
-            </a:r>
-            <a:r>
-              <a:rPr lang="de-AT" dirty="0" err="1"/>
-              <a:t>operation</a:t>
-            </a:r>
-            <a:endParaRPr lang="de-AT" dirty="0"/>
-          </a:p>
-          <a:p>
-            <a:r>
-              <a:rPr lang="de-AT" dirty="0"/>
-              <a:t>The </a:t>
-            </a:r>
-            <a:r>
-              <a:rPr lang="de-AT" dirty="0" err="1"/>
-              <a:t>message</a:t>
-            </a:r>
-            <a:r>
-              <a:rPr lang="de-AT" dirty="0"/>
-              <a:t> </a:t>
-            </a:r>
-            <a:r>
-              <a:rPr lang="de-AT" dirty="0" err="1"/>
-              <a:t>processor</a:t>
-            </a:r>
-            <a:r>
-              <a:rPr lang="de-AT" dirty="0"/>
-              <a:t> </a:t>
-            </a:r>
-            <a:r>
-              <a:rPr lang="de-AT" dirty="0" err="1"/>
-              <a:t>who</a:t>
-            </a:r>
-            <a:r>
-              <a:rPr lang="de-AT" dirty="0"/>
-              <a:t> </a:t>
-            </a:r>
-            <a:r>
-              <a:rPr lang="de-AT" dirty="0" err="1"/>
-              <a:t>unpacks</a:t>
-            </a:r>
-            <a:r>
-              <a:rPr lang="de-AT" dirty="0"/>
-              <a:t> and </a:t>
-            </a:r>
-            <a:r>
-              <a:rPr lang="de-AT" dirty="0" err="1"/>
-              <a:t>reads</a:t>
-            </a:r>
-            <a:r>
-              <a:rPr lang="de-AT" dirty="0"/>
-              <a:t> </a:t>
-            </a:r>
-            <a:r>
-              <a:rPr lang="de-AT" dirty="0" err="1"/>
-              <a:t>what</a:t>
-            </a:r>
-            <a:r>
-              <a:rPr lang="de-AT" dirty="0"/>
-              <a:t> </a:t>
-            </a:r>
-            <a:r>
-              <a:rPr lang="de-AT" dirty="0" err="1"/>
-              <a:t>the</a:t>
-            </a:r>
-            <a:r>
-              <a:rPr lang="de-AT" dirty="0"/>
-              <a:t> </a:t>
-            </a:r>
-            <a:r>
-              <a:rPr lang="de-AT" dirty="0" err="1"/>
-              <a:t>server</a:t>
-            </a:r>
-            <a:r>
-              <a:rPr lang="de-AT" dirty="0"/>
-              <a:t> </a:t>
-            </a:r>
-            <a:r>
-              <a:rPr lang="de-AT" dirty="0" err="1"/>
-              <a:t>returns</a:t>
-            </a:r>
-            <a:endParaRPr lang="de-AT" dirty="0"/>
-          </a:p>
-          <a:p>
-            <a:r>
-              <a:rPr lang="de-AT" dirty="0"/>
-              <a:t>The </a:t>
-            </a:r>
-            <a:r>
-              <a:rPr lang="de-AT" dirty="0" err="1"/>
-              <a:t>fabric</a:t>
-            </a:r>
-            <a:r>
-              <a:rPr lang="de-AT" dirty="0"/>
-              <a:t> </a:t>
-            </a:r>
-            <a:r>
-              <a:rPr lang="de-AT" dirty="0" err="1"/>
-              <a:t>manager</a:t>
-            </a:r>
-            <a:r>
-              <a:rPr lang="de-AT" dirty="0"/>
-              <a:t> </a:t>
-            </a:r>
-            <a:r>
-              <a:rPr lang="de-AT" dirty="0" err="1"/>
-              <a:t>who</a:t>
-            </a:r>
-            <a:r>
-              <a:rPr lang="de-AT" dirty="0"/>
-              <a:t> </a:t>
-            </a:r>
-            <a:r>
-              <a:rPr lang="de-AT" dirty="0" err="1"/>
-              <a:t>handles</a:t>
-            </a:r>
-            <a:r>
-              <a:rPr lang="de-AT" dirty="0"/>
-              <a:t> all </a:t>
-            </a:r>
-            <a:r>
-              <a:rPr lang="de-AT" dirty="0" err="1"/>
-              <a:t>the</a:t>
-            </a:r>
-            <a:r>
-              <a:rPr lang="de-AT" dirty="0"/>
-              <a:t> </a:t>
-            </a:r>
-            <a:r>
-              <a:rPr lang="de-AT" dirty="0" err="1"/>
-              <a:t>programmable</a:t>
-            </a:r>
-            <a:r>
-              <a:rPr lang="de-AT" dirty="0"/>
-              <a:t> </a:t>
-            </a:r>
-            <a:r>
-              <a:rPr lang="de-AT" dirty="0" err="1"/>
-              <a:t>logic</a:t>
-            </a:r>
-            <a:r>
-              <a:rPr lang="de-AT" dirty="0"/>
-              <a:t> </a:t>
-            </a:r>
-            <a:r>
-              <a:rPr lang="de-AT" dirty="0" err="1"/>
-              <a:t>interaction</a:t>
-            </a:r>
-            <a:endParaRPr lang="de-AT" dirty="0"/>
-          </a:p>
-          <a:p>
-            <a:endParaRPr lang="de-AT" dirty="0"/>
-          </a:p>
-          <a:p>
-            <a:r>
-              <a:rPr lang="de-AT" dirty="0"/>
-              <a:t>(The </a:t>
-            </a:r>
-            <a:r>
-              <a:rPr lang="de-AT" dirty="0" err="1"/>
-              <a:t>other</a:t>
-            </a:r>
-            <a:r>
-              <a:rPr lang="de-AT" dirty="0"/>
-              <a:t> </a:t>
-            </a:r>
-            <a:r>
-              <a:rPr lang="de-AT" dirty="0" err="1"/>
-              <a:t>classes</a:t>
-            </a:r>
-            <a:r>
-              <a:rPr lang="de-AT" dirty="0"/>
-              <a:t>  </a:t>
-            </a:r>
-            <a:r>
-              <a:rPr lang="de-AT" dirty="0" err="1"/>
-              <a:t>are</a:t>
-            </a:r>
-            <a:r>
-              <a:rPr lang="de-AT" dirty="0"/>
-              <a:t> </a:t>
-            </a:r>
-            <a:r>
-              <a:rPr lang="de-AT" dirty="0" err="1"/>
-              <a:t>rather</a:t>
-            </a:r>
-            <a:r>
-              <a:rPr lang="de-AT" dirty="0"/>
-              <a:t> </a:t>
-            </a:r>
-            <a:r>
-              <a:rPr lang="de-AT" dirty="0" err="1"/>
-              <a:t>unimportant</a:t>
-            </a:r>
-            <a:r>
-              <a:rPr lang="de-AT" dirty="0"/>
-              <a:t>, but </a:t>
-            </a:r>
-            <a:r>
-              <a:rPr lang="de-AT" dirty="0" err="1"/>
-              <a:t>if</a:t>
-            </a:r>
-            <a:r>
-              <a:rPr lang="de-AT" dirty="0"/>
-              <a:t> </a:t>
-            </a:r>
-            <a:r>
-              <a:rPr lang="de-AT" dirty="0" err="1"/>
-              <a:t>someone</a:t>
-            </a:r>
-            <a:r>
-              <a:rPr lang="de-AT" dirty="0"/>
-              <a:t> </a:t>
-            </a:r>
-            <a:r>
-              <a:rPr lang="de-AT" dirty="0" err="1"/>
-              <a:t>ask</a:t>
-            </a:r>
-            <a:r>
-              <a:rPr lang="de-AT" dirty="0"/>
-              <a:t>. </a:t>
-            </a:r>
-            <a:r>
-              <a:rPr lang="de-AT" dirty="0" err="1"/>
-              <a:t>They</a:t>
-            </a:r>
-            <a:r>
-              <a:rPr lang="de-AT" dirty="0"/>
-              <a:t> care </a:t>
-            </a:r>
-            <a:r>
-              <a:rPr lang="de-AT" dirty="0" err="1"/>
-              <a:t>about</a:t>
-            </a:r>
-            <a:r>
-              <a:rPr lang="de-AT" dirty="0"/>
-              <a:t> </a:t>
-            </a:r>
-            <a:r>
-              <a:rPr lang="de-AT" dirty="0" err="1"/>
-              <a:t>multi</a:t>
-            </a:r>
-            <a:r>
-              <a:rPr lang="de-AT" dirty="0"/>
-              <a:t> </a:t>
-            </a:r>
-            <a:r>
-              <a:rPr lang="de-AT" dirty="0" err="1"/>
-              <a:t>threading</a:t>
-            </a:r>
-            <a:r>
-              <a:rPr lang="de-AT" dirty="0"/>
-              <a:t>, and </a:t>
-            </a:r>
-            <a:r>
-              <a:rPr lang="de-AT" dirty="0" err="1"/>
-              <a:t>the</a:t>
-            </a:r>
-            <a:r>
-              <a:rPr lang="de-AT" dirty="0"/>
-              <a:t> </a:t>
-            </a:r>
-            <a:r>
-              <a:rPr lang="de-AT" dirty="0" err="1"/>
-              <a:t>image</a:t>
-            </a:r>
-            <a:r>
-              <a:rPr lang="de-AT" dirty="0"/>
-              <a:t> </a:t>
-            </a:r>
-            <a:r>
-              <a:rPr lang="de-AT" dirty="0" err="1"/>
-              <a:t>pre</a:t>
-            </a:r>
-            <a:r>
-              <a:rPr lang="de-AT" dirty="0"/>
-              <a:t> </a:t>
-            </a:r>
-            <a:r>
-              <a:rPr lang="de-AT" dirty="0" err="1"/>
-              <a:t>processing</a:t>
-            </a:r>
-            <a:r>
-              <a:rPr lang="de-AT" dirty="0"/>
-              <a:t>)</a:t>
-            </a:r>
-          </a:p>
-          <a:p>
-            <a:endParaRPr lang="de-AT" dirty="0"/>
-          </a:p>
-          <a:p>
-            <a:endParaRPr lang="de-AT" dirty="0"/>
-          </a:p>
-          <a:p>
-            <a:r>
-              <a:rPr lang="de-AT" dirty="0" err="1"/>
-              <a:t>Activity</a:t>
-            </a:r>
-            <a:r>
-              <a:rPr lang="de-AT" dirty="0"/>
-              <a:t> </a:t>
-            </a:r>
-            <a:r>
-              <a:rPr lang="de-AT" dirty="0" err="1"/>
-              <a:t>is</a:t>
-            </a:r>
-            <a:r>
-              <a:rPr lang="de-AT" dirty="0"/>
-              <a:t> </a:t>
-            </a:r>
-            <a:r>
-              <a:rPr lang="de-AT" dirty="0" err="1"/>
-              <a:t>the</a:t>
-            </a:r>
-            <a:r>
-              <a:rPr lang="de-AT" dirty="0"/>
-              <a:t> </a:t>
-            </a:r>
-            <a:r>
-              <a:rPr lang="de-AT" dirty="0" err="1"/>
-              <a:t>main</a:t>
-            </a:r>
-            <a:r>
-              <a:rPr lang="de-AT" dirty="0"/>
-              <a:t> </a:t>
-            </a:r>
-            <a:r>
-              <a:rPr lang="de-AT" dirty="0" err="1"/>
-              <a:t>entry</a:t>
-            </a:r>
-            <a:r>
-              <a:rPr lang="de-AT" dirty="0"/>
-              <a:t> </a:t>
-            </a:r>
-            <a:r>
-              <a:rPr lang="de-AT" dirty="0" err="1"/>
-              <a:t>for</a:t>
-            </a:r>
-            <a:r>
-              <a:rPr lang="de-AT" dirty="0"/>
-              <a:t> </a:t>
-            </a:r>
-            <a:r>
-              <a:rPr lang="de-AT" dirty="0" err="1"/>
-              <a:t>every</a:t>
-            </a:r>
-            <a:r>
-              <a:rPr lang="de-AT" dirty="0"/>
-              <a:t> </a:t>
-            </a:r>
-            <a:r>
-              <a:rPr lang="de-AT" dirty="0" err="1"/>
-              <a:t>android</a:t>
-            </a:r>
-            <a:r>
-              <a:rPr lang="de-AT" dirty="0"/>
-              <a:t> </a:t>
-            </a:r>
-            <a:r>
-              <a:rPr lang="de-AT" dirty="0" err="1"/>
-              <a:t>appliction</a:t>
-            </a:r>
-            <a:r>
-              <a:rPr lang="de-AT" dirty="0"/>
-              <a:t> ( like </a:t>
-            </a:r>
-            <a:r>
-              <a:rPr lang="de-AT" dirty="0" err="1"/>
-              <a:t>the</a:t>
-            </a:r>
-            <a:r>
-              <a:rPr lang="de-AT" dirty="0"/>
-              <a:t> </a:t>
-            </a:r>
-            <a:r>
-              <a:rPr lang="de-AT" dirty="0" err="1"/>
-              <a:t>main</a:t>
-            </a:r>
-            <a:r>
-              <a:rPr lang="de-AT" dirty="0"/>
-              <a:t> </a:t>
-            </a:r>
-            <a:r>
-              <a:rPr lang="de-AT" dirty="0" err="1"/>
-              <a:t>method</a:t>
-            </a:r>
-            <a:r>
-              <a:rPr lang="de-AT" dirty="0"/>
-              <a:t> in C)</a:t>
-            </a:r>
-          </a:p>
-          <a:p>
-            <a:endParaRPr lang="de-AT" dirty="0"/>
-          </a:p>
-          <a:p>
-            <a:endParaRPr lang="de-AT" dirty="0"/>
+              <a:rPr lang="en-GB" noProof="0" dirty="0"/>
+              <a:t>How the client architecture looks like. Tasks are divided into three classes.</a:t>
+            </a:r>
+          </a:p>
+          <a:p>
+            <a:r>
+              <a:rPr lang="en-GB" noProof="0" dirty="0"/>
+              <a:t>The network manager who handles all network I/O operation</a:t>
+            </a:r>
+          </a:p>
+          <a:p>
+            <a:r>
+              <a:rPr lang="en-GB" noProof="0" dirty="0"/>
+              <a:t>The message processor who unpacks and reads what the server returns</a:t>
+            </a:r>
+          </a:p>
+          <a:p>
+            <a:r>
+              <a:rPr lang="en-GB" noProof="0" dirty="0"/>
+              <a:t>The fabric manager who handles all the programmable logic interaction</a:t>
+            </a:r>
+          </a:p>
+          <a:p>
+            <a:endParaRPr lang="en-GB" noProof="0" dirty="0"/>
+          </a:p>
+          <a:p>
+            <a:r>
+              <a:rPr lang="en-GB" noProof="0" dirty="0"/>
+              <a:t>(The other classes  are rather unimportant, but if someone ask. They care about multi threading, and the image pre processing)</a:t>
+            </a:r>
+          </a:p>
+          <a:p>
+            <a:endParaRPr lang="en-GB" noProof="0" dirty="0"/>
+          </a:p>
+          <a:p>
+            <a:endParaRPr lang="en-GB" noProof="0" dirty="0"/>
+          </a:p>
+          <a:p>
+            <a:r>
+              <a:rPr lang="en-GB" noProof="0" dirty="0"/>
+              <a:t>Activity is the main entry for every android application ( like the main method in C)</a:t>
+            </a:r>
+          </a:p>
+          <a:p>
+            <a:endParaRPr lang="en-GB" noProof="0" dirty="0"/>
+          </a:p>
+          <a:p>
+            <a:endParaRPr lang="en-GB" noProof="0" dirty="0"/>
           </a:p>
         </p:txBody>
       </p:sp>
@@ -2548,7 +3012,7 @@
               </a:rPr>
               <a:t>12</a:t>
             </a:fld>
-            <a:endParaRPr lang="en-US" sz="1400" b="0" strike="noStrike" spc="-1">
+            <a:endParaRPr lang="en-US" sz="1400" b="0" strike="noStrike" spc="-1" dirty="0">
               <a:solidFill>
                 <a:srgbClr val="000000"/>
               </a:solidFill>
@@ -7544,7 +8008,7 @@
           <a:bodyPr lIns="90000" tIns="45000" rIns="90000" bIns="45000" anchor="ctr"/>
           <a:lstStyle/>
           <a:p>
-            <a:endParaRPr lang="en-US" sz="2400" b="0" strike="noStrike" spc="-1">
+            <a:endParaRPr lang="en-US" sz="2400" b="0" strike="noStrike" spc="-1" dirty="0">
               <a:solidFill>
                 <a:srgbClr val="000000"/>
               </a:solidFill>
@@ -8263,8 +8727,8 @@
                 <a:spcPct val="100000"/>
               </a:lnSpc>
             </a:pPr>
-            <a:fld id="{F87F44DF-A0FB-41F3-8385-6E67CBEBE780}" type="datetime">
-              <a:rPr lang="en-US" sz="1200" b="0" strike="noStrike" spc="-1">
+            <a:r>
+              <a:rPr lang="en-US" sz="1200" b="0" strike="noStrike" spc="-1" dirty="0">
                 <a:solidFill>
                   <a:srgbClr val="006699"/>
                 </a:solidFill>
@@ -8275,9 +8739,9 @@
                 </a:uFill>
                 <a:latin typeface="Arial"/>
               </a:rPr>
-              <a:t>3/10/2019</a:t>
-            </a:fld>
-            <a:endParaRPr lang="en-US" sz="1200" b="0" strike="noStrike" spc="-1">
+              <a:t>13/03/2019</a:t>
+            </a:r>
+            <a:endParaRPr lang="en-US" sz="1200" b="0" strike="noStrike" spc="-1" dirty="0">
               <a:solidFill>
                 <a:srgbClr val="000000"/>
               </a:solidFill>
@@ -8345,7 +8809,7 @@
               </a:rPr>
               <a:t>‹Nr.›</a:t>
             </a:fld>
-            <a:endParaRPr lang="en-US" sz="1200" b="0" strike="noStrike" spc="-1">
+            <a:endParaRPr lang="en-US" sz="1200" b="0" strike="noStrike" spc="-1" dirty="0">
               <a:solidFill>
                 <a:srgbClr val="000000"/>
               </a:solidFill>
@@ -8400,7 +8864,7 @@
               </a:lnSpc>
             </a:pPr>
             <a:r>
-              <a:rPr lang="en-US" sz="1200" b="0" strike="noStrike" spc="-1">
+              <a:rPr lang="en-US" sz="1200" b="0" strike="noStrike" spc="-1" dirty="0">
                 <a:solidFill>
                   <a:srgbClr val="006699"/>
                 </a:solidFill>
@@ -8413,7 +8877,7 @@
               </a:rPr>
               <a:t>Tutzer, Muttenthaler, Grafl, Dejmek</a:t>
             </a:r>
-            <a:endParaRPr lang="en-US" sz="1200" b="0" strike="noStrike" spc="-1">
+            <a:endParaRPr lang="en-US" sz="1200" b="0" strike="noStrike" spc="-1" dirty="0">
               <a:solidFill>
                 <a:srgbClr val="000000"/>
               </a:solidFill>
@@ -8622,62 +9086,6 @@
       </p:sp>
       <p:sp>
         <p:nvSpPr>
-          <p:cNvPr id="51" name="PlaceHolder 9"/>
-          <p:cNvSpPr>
-            <a:spLocks noGrp="1"/>
-          </p:cNvSpPr>
-          <p:nvPr>
-            <p:ph type="dt"/>
-          </p:nvPr>
-        </p:nvSpPr>
-        <p:spPr>
-          <a:xfrm>
-            <a:off x="857160" y="6356520"/>
-            <a:ext cx="1630080" cy="364680"/>
-          </a:xfrm>
-          <a:prstGeom prst="rect">
-            <a:avLst/>
-          </a:prstGeom>
-        </p:spPr>
-        <p:txBody>
-          <a:bodyPr anchor="ctr"/>
-          <a:lstStyle/>
-          <a:p>
-            <a:pPr>
-              <a:lnSpc>
-                <a:spcPct val="100000"/>
-              </a:lnSpc>
-            </a:pPr>
-            <a:fld id="{0C9F00E1-2689-4D04-9FEF-4287EAC93E97}" type="datetime">
-              <a:rPr lang="en-US" sz="1200" b="0" strike="noStrike" spc="-1">
-                <a:solidFill>
-                  <a:srgbClr val="8B9FB9"/>
-                </a:solidFill>
-                <a:uFill>
-                  <a:solidFill>
-                    <a:srgbClr val="FFFFFF"/>
-                  </a:solidFill>
-                </a:uFill>
-                <a:latin typeface="Arial"/>
-              </a:rPr>
-              <a:t>3/10/2019</a:t>
-            </a:fld>
-            <a:endParaRPr lang="en-US" sz="1200" b="0" strike="noStrike" spc="-1">
-              <a:solidFill>
-                <a:srgbClr val="000000"/>
-              </a:solidFill>
-              <a:uFill>
-                <a:solidFill>
-                  <a:srgbClr val="FFFFFF"/>
-                </a:solidFill>
-              </a:uFill>
-              <a:latin typeface="Times New Roman"/>
-            </a:endParaRPr>
-          </a:p>
-        </p:txBody>
-      </p:sp>
-      <p:sp>
-        <p:nvSpPr>
           <p:cNvPr id="52" name="PlaceHolder 10"/>
           <p:cNvSpPr>
             <a:spLocks noGrp="1"/>
@@ -8705,7 +9113,7 @@
               </a:lnSpc>
             </a:pPr>
             <a:r>
-              <a:rPr lang="en-US" sz="1200" b="0" strike="noStrike" spc="-1">
+              <a:rPr lang="en-US" sz="1200" b="0" strike="noStrike" spc="-1" dirty="0">
                 <a:solidFill>
                   <a:srgbClr val="8B9FB9"/>
                 </a:solidFill>
@@ -8718,7 +9126,7 @@
               </a:rPr>
               <a:t>Tutzer, Muttenthaler, Grafl, Dejmek</a:t>
             </a:r>
-            <a:endParaRPr lang="en-US" sz="1200" b="0" strike="noStrike" spc="-1">
+            <a:endParaRPr lang="en-US" sz="1200" b="0" strike="noStrike" spc="-1" dirty="0">
               <a:solidFill>
                 <a:srgbClr val="000000"/>
               </a:solidFill>
@@ -8774,7 +9182,7 @@
               </a:rPr>
               <a:t>‹Nr.›</a:t>
             </a:fld>
-            <a:endParaRPr lang="en-US" sz="1200" b="0" strike="noStrike" spc="-1">
+            <a:endParaRPr lang="en-US" sz="1200" b="0" strike="noStrike" spc="-1" dirty="0">
               <a:solidFill>
                 <a:srgbClr val="000000"/>
               </a:solidFill>
@@ -9279,7 +9687,7 @@
               </a:lnSpc>
             </a:pPr>
             <a:fld id="{D0028869-FBC3-4C60-B808-71DEAF5A9FB8}" type="datetime">
-              <a:rPr lang="en-US" sz="1200" b="0" strike="noStrike" spc="-1">
+              <a:rPr lang="en-US" sz="1200" b="0" strike="noStrike" spc="-1" smtClean="0">
                 <a:solidFill>
                   <a:srgbClr val="006699"/>
                 </a:solidFill>
@@ -9290,9 +9698,9 @@
                 </a:uFill>
                 <a:latin typeface="Arial"/>
               </a:rPr>
-              <a:t>3/10/2019</a:t>
+              <a:t>3/12/2019</a:t>
             </a:fld>
-            <a:endParaRPr lang="en-US" sz="1200" b="0" strike="noStrike" spc="-1">
+            <a:endParaRPr lang="en-US" sz="1200" b="0" strike="noStrike" spc="-1" dirty="0">
               <a:solidFill>
                 <a:srgbClr val="000000"/>
               </a:solidFill>
@@ -9360,7 +9768,7 @@
               </a:rPr>
               <a:t>‹Nr.›</a:t>
             </a:fld>
-            <a:endParaRPr lang="en-US" sz="1200" b="0" strike="noStrike" spc="-1">
+            <a:endParaRPr lang="en-US" sz="1200" b="0" strike="noStrike" spc="-1" dirty="0">
               <a:solidFill>
                 <a:srgbClr val="000000"/>
               </a:solidFill>
@@ -9415,7 +9823,7 @@
               </a:lnSpc>
             </a:pPr>
             <a:r>
-              <a:rPr lang="en-US" sz="1200" b="0" strike="noStrike" spc="-1">
+              <a:rPr lang="en-US" sz="1200" b="0" strike="noStrike" spc="-1" dirty="0">
                 <a:solidFill>
                   <a:srgbClr val="006699"/>
                 </a:solidFill>
@@ -9428,7 +9836,7 @@
               </a:rPr>
               <a:t>Tutzer, Muttenthaler, Grafl, Dejmek</a:t>
             </a:r>
-            <a:endParaRPr lang="en-US" sz="1200" b="0" strike="noStrike" spc="-1">
+            <a:endParaRPr lang="en-US" sz="1200" b="0" strike="noStrike" spc="-1" dirty="0">
               <a:solidFill>
                 <a:srgbClr val="000000"/>
               </a:solidFill>
@@ -9522,7 +9930,7 @@
           <a:bodyPr anchor="ctr"/>
           <a:lstStyle/>
           <a:p>
-            <a:endParaRPr lang="en-US" sz="2400" b="0" strike="noStrike" spc="-1">
+            <a:endParaRPr lang="en-US" sz="2400" b="0" strike="noStrike" spc="-1" dirty="0">
               <a:solidFill>
                 <a:srgbClr val="000000"/>
               </a:solidFill>
@@ -10097,7 +10505,7 @@
               </a:lnSpc>
             </a:pPr>
             <a:r>
-              <a:rPr lang="de-DE" sz="3600" b="0" strike="noStrike" spc="-1">
+              <a:rPr lang="en-GB" sz="3600" b="0" strike="noStrike" spc="-1" dirty="0">
                 <a:solidFill>
                   <a:srgbClr val="FFFFFF"/>
                 </a:solidFill>
@@ -10111,7 +10519,7 @@
               </a:rPr>
               <a:t>Partial reconfiguration on IOT device</a:t>
             </a:r>
-            <a:endParaRPr lang="de-DE" sz="3600" b="0" strike="noStrike" spc="-1">
+            <a:endParaRPr lang="en-GB" sz="3600" b="0" strike="noStrike" spc="-1" dirty="0">
               <a:solidFill>
                 <a:srgbClr val="000000"/>
               </a:solidFill>
@@ -10154,7 +10562,7 @@
               </a:lnSpc>
             </a:pPr>
             <a:r>
-              <a:rPr lang="en-US" sz="2000" b="0" strike="noStrike" spc="-1">
+              <a:rPr lang="en-GB" sz="2000" b="0" strike="noStrike" spc="-1" dirty="0">
                 <a:solidFill>
                   <a:srgbClr val="FFFFFF"/>
                 </a:solidFill>
@@ -10165,11 +10573,13 @@
                 </a:uFill>
                 <a:latin typeface="Arial"/>
               </a:rPr>
-              <a:t>Android on zynq featuring updateable FPGA-accellerated image</a:t>
-            </a:r>
-            <a:br/>
-            <a:r>
-              <a:rPr lang="en-US" sz="2000" b="0" strike="noStrike" spc="-1">
+              <a:t>Android on zynq featuring updateable FPGA-accelerated image</a:t>
+            </a:r>
+            <a:br>
+              <a:rPr lang="en-GB" dirty="0"/>
+            </a:br>
+            <a:r>
+              <a:rPr lang="en-GB" sz="2000" b="0" strike="noStrike" spc="-1" dirty="0">
                 <a:solidFill>
                   <a:srgbClr val="FFFFFF"/>
                 </a:solidFill>
@@ -10182,7 +10592,7 @@
               </a:rPr>
               <a:t>processing and hashing</a:t>
             </a:r>
-            <a:endParaRPr lang="en-US" sz="2000" b="0" strike="noStrike" spc="-1">
+            <a:endParaRPr lang="en-GB" sz="2000" b="0" strike="noStrike" spc="-1" dirty="0">
               <a:solidFill>
                 <a:srgbClr val="000000"/>
               </a:solidFill>
@@ -10200,7 +10610,7 @@
                 <a:spcPct val="100000"/>
               </a:lnSpc>
             </a:pPr>
-            <a:endParaRPr lang="en-US" sz="2000" b="0" strike="noStrike" spc="-1">
+            <a:endParaRPr lang="en-GB" sz="2000" b="0" strike="noStrike" spc="-1" dirty="0">
               <a:solidFill>
                 <a:srgbClr val="000000"/>
               </a:solidFill>
@@ -10219,7 +10629,7 @@
               </a:lnSpc>
             </a:pPr>
             <a:r>
-              <a:rPr lang="en-US" sz="2000" b="0" strike="noStrike" spc="-1">
+              <a:rPr lang="en-GB" sz="2000" b="0" strike="noStrike" spc="-1" dirty="0">
                 <a:solidFill>
                   <a:srgbClr val="FFFFFF"/>
                 </a:solidFill>
@@ -10232,7 +10642,7 @@
               </a:rPr>
               <a:t>Ing. Andreas Dejmek, BSc</a:t>
             </a:r>
-            <a:endParaRPr lang="en-US" sz="2000" b="0" strike="noStrike" spc="-1">
+            <a:endParaRPr lang="en-GB" sz="2000" b="0" strike="noStrike" spc="-1" dirty="0">
               <a:solidFill>
                 <a:srgbClr val="000000"/>
               </a:solidFill>
@@ -10251,7 +10661,7 @@
               </a:lnSpc>
             </a:pPr>
             <a:r>
-              <a:rPr lang="en-US" sz="2000" b="0" strike="noStrike" spc="-1">
+              <a:rPr lang="en-GB" sz="2000" b="0" strike="noStrike" spc="-1" dirty="0">
                 <a:solidFill>
                   <a:srgbClr val="FFFFFF"/>
                 </a:solidFill>
@@ -10264,7 +10674,7 @@
               </a:rPr>
               <a:t>Christoph Grafl</a:t>
             </a:r>
-            <a:endParaRPr lang="en-US" sz="2000" b="0" strike="noStrike" spc="-1">
+            <a:endParaRPr lang="en-GB" sz="2000" b="0" strike="noStrike" spc="-1" dirty="0">
               <a:solidFill>
                 <a:srgbClr val="000000"/>
               </a:solidFill>
@@ -10283,7 +10693,7 @@
               </a:lnSpc>
             </a:pPr>
             <a:r>
-              <a:rPr lang="en-US" sz="2000" b="0" strike="noStrike" spc="-1">
+              <a:rPr lang="en-GB" sz="2000" b="0" strike="noStrike" spc="-1" dirty="0">
                 <a:solidFill>
                   <a:srgbClr val="FFFFFF"/>
                 </a:solidFill>
@@ -10296,7 +10706,7 @@
               </a:rPr>
               <a:t>Florian Muttenthaler, BSc</a:t>
             </a:r>
-            <a:endParaRPr lang="en-US" sz="2000" b="0" strike="noStrike" spc="-1">
+            <a:endParaRPr lang="en-GB" sz="2000" b="0" strike="noStrike" spc="-1" dirty="0">
               <a:solidFill>
                 <a:srgbClr val="000000"/>
               </a:solidFill>
@@ -10315,7 +10725,7 @@
               </a:lnSpc>
             </a:pPr>
             <a:r>
-              <a:rPr lang="en-US" sz="2000" b="0" strike="noStrike" spc="-1">
+              <a:rPr lang="en-GB" sz="2000" b="0" strike="noStrike" spc="-1" dirty="0">
                 <a:solidFill>
                   <a:srgbClr val="FFFFFF"/>
                 </a:solidFill>
@@ -10328,7 +10738,7 @@
               </a:rPr>
               <a:t>Benedikt Tutzer, BSc</a:t>
             </a:r>
-            <a:endParaRPr lang="en-US" sz="2000" b="0" strike="noStrike" spc="-1">
+            <a:endParaRPr lang="en-GB" sz="2000" b="0" strike="noStrike" spc="-1" dirty="0">
               <a:solidFill>
                 <a:srgbClr val="000000"/>
               </a:solidFill>
@@ -10346,7 +10756,7 @@
                 <a:spcPct val="100000"/>
               </a:lnSpc>
             </a:pPr>
-            <a:endParaRPr lang="en-US" sz="2000" b="0" strike="noStrike" spc="-1">
+            <a:endParaRPr lang="en-GB" sz="2000" b="0" strike="noStrike" spc="-1" dirty="0">
               <a:solidFill>
                 <a:srgbClr val="000000"/>
               </a:solidFill>
@@ -10365,7 +10775,7 @@
               </a:lnSpc>
             </a:pPr>
             <a:r>
-              <a:rPr lang="en-US" sz="2000" b="0" strike="noStrike" spc="-1">
+              <a:rPr lang="en-GB" sz="2000" b="0" strike="noStrike" spc="-1" dirty="0">
                 <a:solidFill>
                   <a:srgbClr val="FFFFFF"/>
                 </a:solidFill>
@@ -10378,7 +10788,7 @@
               </a:rPr>
               <a:t>Institute of Computer Technology</a:t>
             </a:r>
-            <a:endParaRPr lang="en-US" sz="2000" b="0" strike="noStrike" spc="-1">
+            <a:endParaRPr lang="en-GB" sz="2000" b="0" strike="noStrike" spc="-1" dirty="0">
               <a:solidFill>
                 <a:srgbClr val="000000"/>
               </a:solidFill>
@@ -10397,7 +10807,7 @@
               </a:lnSpc>
             </a:pPr>
             <a:r>
-              <a:rPr lang="en-US" sz="2000" b="0" strike="noStrike" spc="-1">
+              <a:rPr lang="en-GB" sz="2000" b="0" strike="noStrike" spc="-1" dirty="0">
                 <a:solidFill>
                   <a:srgbClr val="FFFFFF"/>
                 </a:solidFill>
@@ -10410,7 +10820,7 @@
               </a:rPr>
               <a:t>TU Wien</a:t>
             </a:r>
-            <a:endParaRPr lang="en-US" sz="2000" b="0" strike="noStrike" spc="-1">
+            <a:endParaRPr lang="en-GB" sz="2000" b="0" strike="noStrike" spc="-1" dirty="0">
               <a:solidFill>
                 <a:srgbClr val="000000"/>
               </a:solidFill>
@@ -12678,7 +13088,7 @@
       </p:grpSpPr>
       <p:sp>
         <p:nvSpPr>
-          <p:cNvPr id="170" name="TextShape 1"/>
+          <p:cNvPr id="175" name="TextShape 1"/>
           <p:cNvSpPr txBox="1"/>
           <p:nvPr/>
         </p:nvSpPr>
@@ -12705,7 +13115,7 @@
               </a:lnSpc>
             </a:pPr>
             <a:r>
-              <a:rPr lang="de-DE" sz="3200" b="0" strike="noStrike" spc="-1">
+              <a:rPr lang="en-GB" sz="3600" b="0" strike="noStrike" spc="-1" dirty="0">
                 <a:solidFill>
                   <a:srgbClr val="000000"/>
                 </a:solidFill>
@@ -12716,14 +13126,14 @@
                 </a:uFill>
                 <a:latin typeface="Arial"/>
               </a:rPr>
-              <a:t>Created simple PR project for Zedboard</a:t>
+              <a:t>Partial reconfiguration</a:t>
             </a:r>
           </a:p>
         </p:txBody>
       </p:sp>
       <p:sp>
         <p:nvSpPr>
-          <p:cNvPr id="171" name="TextShape 2"/>
+          <p:cNvPr id="176" name="TextShape 2"/>
           <p:cNvSpPr txBox="1"/>
           <p:nvPr/>
         </p:nvSpPr>
@@ -12759,7 +13169,7 @@
               <a:buChar char="•"/>
             </a:pPr>
             <a:r>
-              <a:rPr lang="de-DE" sz="2400" b="0" strike="noStrike" spc="-1">
+              <a:rPr lang="en-GB" sz="2000" b="0" strike="noStrike" spc="-1" dirty="0">
                 <a:solidFill>
                   <a:srgbClr val="000000"/>
                 </a:solidFill>
@@ -12768,89 +13178,13 @@
                     <a:srgbClr val="FFFFFF"/>
                   </a:solidFill>
                 </a:uFill>
-                <a:latin typeface="Arial"/>
-              </a:rPr>
-              <a:t>Consists of one PR region with two modules</a:t>
-            </a:r>
-          </a:p>
-          <a:p>
-            <a:pPr marL="743040" lvl="1" indent="-285480">
-              <a:lnSpc>
-                <a:spcPct val="100000"/>
-              </a:lnSpc>
-              <a:spcBef>
-                <a:spcPts val="400"/>
-              </a:spcBef>
-              <a:buClr>
-                <a:srgbClr val="006699"/>
-              </a:buClr>
-              <a:buSzPct val="120000"/>
-              <a:buFont typeface="Arial"/>
-              <a:buChar char="•"/>
-            </a:pPr>
-            <a:r>
-              <a:rPr lang="de-DE" sz="2000" b="0" strike="noStrike" spc="-1">
-                <a:solidFill>
-                  <a:srgbClr val="000000"/>
-                </a:solidFill>
-                <a:uFill>
-                  <a:solidFill>
-                    <a:srgbClr val="FFFFFF"/>
-                  </a:solidFill>
-                </a:uFill>
-                <a:latin typeface="Arial"/>
-              </a:rPr>
-              <a:t>LED shift left</a:t>
-            </a:r>
-          </a:p>
-          <a:p>
-            <a:pPr marL="743040" lvl="1" indent="-285480">
-              <a:lnSpc>
-                <a:spcPct val="100000"/>
-              </a:lnSpc>
-              <a:spcBef>
-                <a:spcPts val="400"/>
-              </a:spcBef>
-              <a:buClr>
-                <a:srgbClr val="006699"/>
-              </a:buClr>
-              <a:buSzPct val="120000"/>
-              <a:buFont typeface="Arial"/>
-              <a:buChar char="•"/>
-            </a:pPr>
-            <a:r>
-              <a:rPr lang="de-DE" sz="2000" b="0" strike="noStrike" spc="-1">
-                <a:solidFill>
-                  <a:srgbClr val="000000"/>
-                </a:solidFill>
-                <a:uFill>
-                  <a:solidFill>
-                    <a:srgbClr val="FFFFFF"/>
-                  </a:solidFill>
-                </a:uFill>
-                <a:latin typeface="Arial"/>
-              </a:rPr>
-              <a:t>LED shift right</a:t>
-            </a:r>
-          </a:p>
-          <a:p>
-            <a:endParaRPr lang="de-DE" sz="2000" b="0" strike="noStrike" spc="-1">
-              <a:solidFill>
-                <a:srgbClr val="000000"/>
-              </a:solidFill>
-              <a:uFill>
-                <a:solidFill>
-                  <a:srgbClr val="FFFFFF"/>
-                </a:solidFill>
-              </a:uFill>
-              <a:latin typeface="Arial"/>
-            </a:endParaRPr>
-          </a:p>
-          <a:p>
-            <a:pPr marL="343080" indent="-342720">
-              <a:lnSpc>
-                <a:spcPct val="100000"/>
-              </a:lnSpc>
+                <a:latin typeface="+mj-lt"/>
+              </a:rPr>
+              <a:t>Using planAhead tool from Xilinx ISE</a:t>
+            </a:r>
+          </a:p>
+          <a:p>
+            <a:pPr marL="800280" lvl="1" indent="-342720">
               <a:spcBef>
                 <a:spcPts val="479"/>
               </a:spcBef>
@@ -12862,7 +13196,7 @@
               <a:buChar char="•"/>
             </a:pPr>
             <a:r>
-              <a:rPr lang="de-DE" sz="2400" b="0" strike="noStrike" spc="-1">
+              <a:rPr lang="en-US" sz="2000" spc="-1" dirty="0">
                 <a:solidFill>
                   <a:srgbClr val="000000"/>
                 </a:solidFill>
@@ -12871,10 +13205,136 @@
                     <a:srgbClr val="FFFFFF"/>
                   </a:solidFill>
                 </a:uFill>
-                <a:latin typeface="Arial"/>
-              </a:rPr>
-              <a:t>Bitstreams generated but not tested yet</a:t>
-            </a:r>
+                <a:latin typeface="+mj-lt"/>
+              </a:rPr>
+              <a:t>only works with synthesized netlists</a:t>
+            </a:r>
+          </a:p>
+          <a:p>
+            <a:pPr marL="800280" lvl="1" indent="-342720">
+              <a:spcBef>
+                <a:spcPts val="479"/>
+              </a:spcBef>
+              <a:buClr>
+                <a:srgbClr val="006699"/>
+              </a:buClr>
+              <a:buSzPct val="110000"/>
+              <a:buFont typeface="Arial"/>
+              <a:buChar char="•"/>
+            </a:pPr>
+            <a:endParaRPr lang="en-US" sz="2000" b="0" strike="noStrike" spc="-1" dirty="0">
+              <a:solidFill>
+                <a:srgbClr val="000000"/>
+              </a:solidFill>
+              <a:uFill>
+                <a:solidFill>
+                  <a:srgbClr val="FFFFFF"/>
+                </a:solidFill>
+              </a:uFill>
+              <a:latin typeface="+mj-lt"/>
+            </a:endParaRPr>
+          </a:p>
+          <a:p>
+            <a:pPr marL="343080" indent="-342720">
+              <a:spcBef>
+                <a:spcPts val="479"/>
+              </a:spcBef>
+              <a:buClr>
+                <a:srgbClr val="006699"/>
+              </a:buClr>
+              <a:buSzPct val="110000"/>
+              <a:buFont typeface="Arial"/>
+              <a:buChar char="•"/>
+            </a:pPr>
+            <a:r>
+              <a:rPr lang="en-GB" sz="2000" b="0" strike="noStrike" spc="-1" dirty="0">
+                <a:solidFill>
+                  <a:srgbClr val="000000"/>
+                </a:solidFill>
+                <a:uFill>
+                  <a:solidFill>
+                    <a:srgbClr val="FFFFFF"/>
+                  </a:solidFill>
+                </a:uFill>
+                <a:latin typeface="+mj-lt"/>
+              </a:rPr>
+              <a:t>Bottom-Up Synthesis is required</a:t>
+            </a:r>
+          </a:p>
+          <a:p>
+            <a:pPr marL="800280" lvl="1" indent="-342720">
+              <a:spcBef>
+                <a:spcPts val="479"/>
+              </a:spcBef>
+              <a:buClr>
+                <a:srgbClr val="006699"/>
+              </a:buClr>
+              <a:buSzPct val="110000"/>
+              <a:buFont typeface="Arial"/>
+              <a:buChar char="•"/>
+            </a:pPr>
+            <a:r>
+              <a:rPr lang="en-GB" sz="2000" spc="-1" dirty="0">
+                <a:solidFill>
+                  <a:srgbClr val="000000"/>
+                </a:solidFill>
+                <a:uFill>
+                  <a:solidFill>
+                    <a:srgbClr val="FFFFFF"/>
+                  </a:solidFill>
+                </a:uFill>
+                <a:latin typeface="+mj-lt"/>
+              </a:rPr>
+              <a:t>Black box module for each DPR module</a:t>
+            </a:r>
+          </a:p>
+          <a:p>
+            <a:pPr marL="343080" indent="-342720">
+              <a:spcBef>
+                <a:spcPts val="479"/>
+              </a:spcBef>
+              <a:buClr>
+                <a:srgbClr val="006699"/>
+              </a:buClr>
+              <a:buSzPct val="110000"/>
+              <a:buFont typeface="Arial"/>
+              <a:buChar char="•"/>
+            </a:pPr>
+            <a:endParaRPr lang="en-GB" sz="2000" spc="-1" dirty="0">
+              <a:solidFill>
+                <a:srgbClr val="000000"/>
+              </a:solidFill>
+              <a:uFill>
+                <a:solidFill>
+                  <a:srgbClr val="FFFFFF"/>
+                </a:solidFill>
+              </a:uFill>
+              <a:latin typeface="+mj-lt"/>
+            </a:endParaRPr>
+          </a:p>
+          <a:p>
+            <a:pPr marL="343080" indent="-342720">
+              <a:spcBef>
+                <a:spcPts val="479"/>
+              </a:spcBef>
+              <a:buClr>
+                <a:srgbClr val="006699"/>
+              </a:buClr>
+              <a:buSzPct val="110000"/>
+              <a:buFont typeface="Arial"/>
+              <a:buChar char="•"/>
+            </a:pPr>
+            <a:endParaRPr lang="en-GB" sz="2000" b="0" strike="noStrike" spc="-1" dirty="0">
+              <a:solidFill>
+                <a:srgbClr val="000000"/>
+              </a:solidFill>
+              <a:uFill>
+                <a:solidFill>
+                  <a:srgbClr val="FFFFFF"/>
+                </a:solidFill>
+              </a:uFill>
+              <a:latin typeface="+mj-lt"/>
+            </a:endParaRPr>
           </a:p>
         </p:txBody>
       </p:sp>
@@ -12932,7 +13392,7 @@
       </p:grpSpPr>
       <p:sp>
         <p:nvSpPr>
-          <p:cNvPr id="172" name="TextShape 1"/>
+          <p:cNvPr id="175" name="TextShape 1"/>
           <p:cNvSpPr txBox="1"/>
           <p:nvPr/>
         </p:nvSpPr>
@@ -12959,7 +13419,7 @@
               </a:lnSpc>
             </a:pPr>
             <a:r>
-              <a:rPr lang="de-DE" sz="3600" b="0" strike="noStrike" spc="-1">
+              <a:rPr lang="en-GB" sz="3600" b="0" strike="noStrike" spc="-1" dirty="0">
                 <a:solidFill>
                   <a:srgbClr val="000000"/>
                 </a:solidFill>
@@ -12977,7 +13437,7 @@
       </p:sp>
       <p:sp>
         <p:nvSpPr>
-          <p:cNvPr id="173" name="TextShape 2"/>
+          <p:cNvPr id="176" name="TextShape 2"/>
           <p:cNvSpPr txBox="1"/>
           <p:nvPr/>
         </p:nvSpPr>
@@ -13013,7 +13473,7 @@
               <a:buChar char="•"/>
             </a:pPr>
             <a:r>
-              <a:rPr lang="de-DE" sz="2400" b="0" strike="noStrike" spc="-1">
+              <a:rPr lang="en-GB" sz="2000" spc="-1" dirty="0">
                 <a:solidFill>
                   <a:srgbClr val="000000"/>
                 </a:solidFill>
@@ -13024,35 +13484,138 @@
                 </a:uFill>
                 <a:latin typeface="Arial"/>
               </a:rPr>
-              <a:t>PR project flow (GUI based)</a:t>
-            </a:r>
+              <a:t>First GUI based design</a:t>
+            </a:r>
+          </a:p>
+          <a:p>
+            <a:pPr marL="343080" indent="-342720">
+              <a:lnSpc>
+                <a:spcPct val="100000"/>
+              </a:lnSpc>
+              <a:spcBef>
+                <a:spcPts val="479"/>
+              </a:spcBef>
+              <a:buClr>
+                <a:srgbClr val="006699"/>
+              </a:buClr>
+              <a:buSzPct val="110000"/>
+              <a:buFont typeface="Arial"/>
+              <a:buChar char="•"/>
+            </a:pPr>
+            <a:endParaRPr lang="en-GB" sz="2000" spc="-1" dirty="0">
+              <a:solidFill>
+                <a:srgbClr val="000000"/>
+              </a:solidFill>
+              <a:uFill>
+                <a:solidFill>
+                  <a:srgbClr val="FFFFFF"/>
+                </a:solidFill>
+              </a:uFill>
+              <a:latin typeface="Arial"/>
+            </a:endParaRPr>
+          </a:p>
+          <a:p>
+            <a:pPr marL="343080" indent="-342720">
+              <a:lnSpc>
+                <a:spcPct val="100000"/>
+              </a:lnSpc>
+              <a:spcBef>
+                <a:spcPts val="479"/>
+              </a:spcBef>
+              <a:buClr>
+                <a:srgbClr val="006699"/>
+              </a:buClr>
+              <a:buSzPct val="110000"/>
+              <a:buFont typeface="Arial"/>
+              <a:buChar char="•"/>
+            </a:pPr>
+            <a:r>
+              <a:rPr lang="en-GB" sz="2000" spc="-1" dirty="0">
+                <a:solidFill>
+                  <a:srgbClr val="000000"/>
+                </a:solidFill>
+                <a:uFill>
+                  <a:solidFill>
+                    <a:srgbClr val="FFFFFF"/>
+                  </a:solidFill>
+                </a:uFill>
+                <a:latin typeface="Arial"/>
+              </a:rPr>
+              <a:t>Now a TCL script was implemented</a:t>
+            </a:r>
+          </a:p>
+          <a:p>
+            <a:pPr marL="457560" lvl="1">
+              <a:spcBef>
+                <a:spcPts val="479"/>
+              </a:spcBef>
+              <a:buClr>
+                <a:srgbClr val="006699"/>
+              </a:buClr>
+              <a:buSzPct val="110000"/>
+            </a:pPr>
+            <a:r>
+              <a:rPr lang="en-GB" sz="2000" spc="-1" dirty="0">
+                <a:solidFill>
+                  <a:srgbClr val="000000"/>
+                </a:solidFill>
+                <a:uFill>
+                  <a:solidFill>
+                    <a:srgbClr val="FFFFFF"/>
+                  </a:solidFill>
+                </a:uFill>
+                <a:latin typeface="Arial"/>
+                <a:sym typeface="Wingdings" panose="05000000000000000000" pitchFamily="2" charset="2"/>
+              </a:rPr>
+              <a:t> </a:t>
+            </a:r>
+            <a:r>
+              <a:rPr lang="en-GB" sz="2000" spc="-1" dirty="0">
+                <a:solidFill>
+                  <a:srgbClr val="000000"/>
+                </a:solidFill>
+                <a:uFill>
+                  <a:solidFill>
+                    <a:srgbClr val="FFFFFF"/>
+                  </a:solidFill>
+                </a:uFill>
+                <a:latin typeface="Arial"/>
+              </a:rPr>
+              <a:t>automatically generates bitstreams</a:t>
+            </a:r>
+          </a:p>
+          <a:p>
+            <a:pPr marL="343080" indent="-342720">
+              <a:spcBef>
+                <a:spcPts val="479"/>
+              </a:spcBef>
+              <a:buClr>
+                <a:srgbClr val="006699"/>
+              </a:buClr>
+              <a:buSzPct val="110000"/>
+              <a:buFont typeface="Arial"/>
+              <a:buChar char="•"/>
+            </a:pPr>
+            <a:endParaRPr lang="en-GB" sz="2000" b="0" strike="noStrike" spc="-1" dirty="0">
+              <a:solidFill>
+                <a:srgbClr val="000000"/>
+              </a:solidFill>
+              <a:uFill>
+                <a:solidFill>
+                  <a:srgbClr val="FFFFFF"/>
+                </a:solidFill>
+              </a:uFill>
+              <a:latin typeface="Arial"/>
+            </a:endParaRPr>
           </a:p>
         </p:txBody>
       </p:sp>
-      <p:pic>
-        <p:nvPicPr>
-          <p:cNvPr id="174" name="Grafik 10"/>
-          <p:cNvPicPr/>
-          <p:nvPr/>
-        </p:nvPicPr>
-        <p:blipFill>
-          <a:blip r:embed="rId2"/>
-          <a:stretch/>
-        </p:blipFill>
-        <p:spPr>
-          <a:xfrm>
-            <a:off x="2748240" y="3126240"/>
-            <a:ext cx="3646800" cy="3113640"/>
-          </a:xfrm>
-          <a:prstGeom prst="rect">
-            <a:avLst/>
-          </a:prstGeom>
-          <a:ln>
-            <a:noFill/>
-          </a:ln>
-        </p:spPr>
-      </p:pic>
     </p:spTree>
+    <p:extLst>
+      <p:ext uri="{BB962C8B-B14F-4D97-AF65-F5344CB8AC3E}">
+        <p14:creationId xmlns:p14="http://schemas.microsoft.com/office/powerpoint/2010/main" val="126542509"/>
+      </p:ext>
+    </p:extLst>
   </p:cSld>
   <p:clrMapOvr>
     <a:masterClrMapping/>
@@ -13133,7 +13696,7 @@
               </a:lnSpc>
             </a:pPr>
             <a:r>
-              <a:rPr lang="de-DE" sz="3600" b="0" strike="noStrike" spc="-1">
+              <a:rPr lang="en-GB" sz="3600" b="0" strike="noStrike" spc="-1" dirty="0">
                 <a:solidFill>
                   <a:srgbClr val="000000"/>
                 </a:solidFill>
@@ -13144,7 +13707,7 @@
                 </a:uFill>
                 <a:latin typeface="Arial"/>
               </a:rPr>
-              <a:t>Control PR – two approaches</a:t>
+              <a:t>Partial reconfiguration</a:t>
             </a:r>
           </a:p>
         </p:txBody>
@@ -13187,7 +13750,7 @@
               <a:buChar char="•"/>
             </a:pPr>
             <a:r>
-              <a:rPr lang="de-DE" sz="2400" b="0" strike="noStrike" spc="-1">
+              <a:rPr lang="en-GB" sz="2000" spc="-1" dirty="0">
                 <a:solidFill>
                   <a:srgbClr val="000000"/>
                 </a:solidFill>
@@ -13198,29 +13761,8 @@
                 </a:uFill>
                 <a:latin typeface="Arial"/>
               </a:rPr>
-              <a:t>Control over Android</a:t>
-            </a:r>
-          </a:p>
-          <a:p>
-            <a:pPr>
-              <a:lnSpc>
-                <a:spcPct val="100000"/>
-              </a:lnSpc>
-              <a:spcBef>
-                <a:spcPts val="479"/>
-              </a:spcBef>
-            </a:pPr>
-            <a:endParaRPr lang="de-DE" sz="2400" b="0" strike="noStrike" spc="-1">
-              <a:solidFill>
-                <a:srgbClr val="000000"/>
-              </a:solidFill>
-              <a:uFill>
-                <a:solidFill>
-                  <a:srgbClr val="FFFFFF"/>
-                </a:solidFill>
-              </a:uFill>
-              <a:latin typeface="Arial"/>
-            </a:endParaRPr>
+              <a:t>6 bitstreams are generated</a:t>
+            </a:r>
           </a:p>
           <a:p>
             <a:pPr marL="343080" indent="-342720">
@@ -13237,61 +13779,7 @@
               <a:buFont typeface="Arial"/>
               <a:buChar char="•"/>
             </a:pPr>
-            <a:r>
-              <a:rPr lang="de-DE" sz="2400" b="0" strike="noStrike" spc="-1">
-                <a:solidFill>
-                  <a:srgbClr val="000000"/>
-                </a:solidFill>
-                <a:uFill>
-                  <a:solidFill>
-                    <a:srgbClr val="FFFFFF"/>
-                  </a:solidFill>
-                </a:uFill>
-                <a:latin typeface="Arial"/>
-              </a:rPr>
-              <a:t>Using xdevcfg library</a:t>
-            </a:r>
-          </a:p>
-          <a:p>
-            <a:pPr marL="743040" lvl="1" indent="-285480">
-              <a:lnSpc>
-                <a:spcPct val="100000"/>
-              </a:lnSpc>
-              <a:spcBef>
-                <a:spcPts val="400"/>
-              </a:spcBef>
-              <a:buClr>
-                <a:srgbClr val="006699"/>
-              </a:buClr>
-              <a:buSzPct val="120000"/>
-              <a:buFont typeface="Arial"/>
-              <a:buChar char="•"/>
-            </a:pPr>
-            <a:r>
-              <a:rPr lang="de-DE" sz="2000" b="0" strike="noStrike" spc="-1">
-                <a:solidFill>
-                  <a:srgbClr val="000000"/>
-                </a:solidFill>
-                <a:uFill>
-                  <a:solidFill>
-                    <a:srgbClr val="FFFFFF"/>
-                  </a:solidFill>
-                </a:uFill>
-                <a:latin typeface="Arial"/>
-              </a:rPr>
-              <a:t>Supported in our Android version?</a:t>
-            </a:r>
-          </a:p>
-          <a:p>
-            <a:pPr>
-              <a:lnSpc>
-                <a:spcPct val="100000"/>
-              </a:lnSpc>
-              <a:spcBef>
-                <a:spcPts val="479"/>
-              </a:spcBef>
-            </a:pPr>
-            <a:endParaRPr lang="de-DE" sz="2000" b="0" strike="noStrike" spc="-1">
+            <a:endParaRPr lang="en-GB" sz="2000" spc="-1" dirty="0">
               <a:solidFill>
                 <a:srgbClr val="000000"/>
               </a:solidFill>
@@ -13304,10 +13792,7 @@
             </a:endParaRPr>
           </a:p>
           <a:p>
-            <a:pPr marL="343080" indent="-342720">
-              <a:lnSpc>
-                <a:spcPct val="100000"/>
-              </a:lnSpc>
+            <a:pPr marL="800280" lvl="1" indent="-342720">
               <a:spcBef>
                 <a:spcPts val="479"/>
               </a:spcBef>
@@ -13319,7 +13804,7 @@
               <a:buChar char="•"/>
             </a:pPr>
             <a:r>
-              <a:rPr lang="de-DE" sz="2400" b="0" strike="noStrike" spc="-1">
+              <a:rPr lang="en-GB" sz="2000" spc="-1" dirty="0">
                 <a:solidFill>
                   <a:srgbClr val="000000"/>
                 </a:solidFill>
@@ -13330,12 +13815,68 @@
                 </a:uFill>
                 <a:latin typeface="Arial"/>
               </a:rPr>
-              <a:t>Load Bitstream from memory to PL over PCAP</a:t>
+              <a:t>3 full bitstreams with different filter logic</a:t>
+            </a:r>
+          </a:p>
+          <a:p>
+            <a:pPr marL="800280" lvl="1" indent="-342720">
+              <a:spcBef>
+                <a:spcPts val="479"/>
+              </a:spcBef>
+              <a:buClr>
+                <a:srgbClr val="006699"/>
+              </a:buClr>
+              <a:buSzPct val="110000"/>
+              <a:buFont typeface="Arial"/>
+              <a:buChar char="•"/>
+            </a:pPr>
+            <a:endParaRPr lang="en-GB" sz="2000" spc="-1" dirty="0">
+              <a:solidFill>
+                <a:srgbClr val="000000"/>
+              </a:solidFill>
+              <a:uFill>
+                <a:solidFill>
+                  <a:srgbClr val="FFFFFF"/>
+                </a:solidFill>
+              </a:uFill>
+              <a:latin typeface="Arial"/>
+            </a:endParaRPr>
+          </a:p>
+          <a:p>
+            <a:pPr marL="800280" lvl="1" indent="-342720">
+              <a:spcBef>
+                <a:spcPts val="479"/>
+              </a:spcBef>
+              <a:buClr>
+                <a:srgbClr val="006699"/>
+              </a:buClr>
+              <a:buSzPct val="110000"/>
+              <a:buFont typeface="Arial"/>
+              <a:buChar char="•"/>
+            </a:pPr>
+            <a:r>
+              <a:rPr lang="en-GB" sz="2000" spc="-1" dirty="0">
+                <a:solidFill>
+                  <a:srgbClr val="000000"/>
+                </a:solidFill>
+                <a:uFill>
+                  <a:solidFill>
+                    <a:srgbClr val="FFFFFF"/>
+                  </a:solidFill>
+                </a:uFill>
+                <a:latin typeface="Arial"/>
+              </a:rPr>
+              <a:t>3 partial bitstreams with different filter logic</a:t>
             </a:r>
           </a:p>
         </p:txBody>
       </p:sp>
     </p:spTree>
+    <p:extLst>
+      <p:ext uri="{BB962C8B-B14F-4D97-AF65-F5344CB8AC3E}">
+        <p14:creationId xmlns:p14="http://schemas.microsoft.com/office/powerpoint/2010/main" val="94341100"/>
+      </p:ext>
+    </p:extLst>
   </p:cSld>
   <p:clrMapOvr>
     <a:masterClrMapping/>
@@ -13389,7 +13930,7 @@
       </p:grpSpPr>
       <p:sp>
         <p:nvSpPr>
-          <p:cNvPr id="177" name="TextShape 1"/>
+          <p:cNvPr id="175" name="TextShape 1"/>
           <p:cNvSpPr txBox="1"/>
           <p:nvPr/>
         </p:nvSpPr>
@@ -13416,7 +13957,7 @@
               </a:lnSpc>
             </a:pPr>
             <a:r>
-              <a:rPr lang="de-DE" sz="3600" b="0" strike="noStrike" spc="-1">
+              <a:rPr lang="en-GB" sz="3600" b="0" strike="noStrike" spc="-1" dirty="0">
                 <a:solidFill>
                   <a:srgbClr val="000000"/>
                 </a:solidFill>
@@ -13427,14 +13968,14 @@
                 </a:uFill>
                 <a:latin typeface="Arial"/>
               </a:rPr>
-              <a:t>Control PR – two approaches</a:t>
+              <a:t>Control DPR in Android</a:t>
             </a:r>
           </a:p>
         </p:txBody>
       </p:sp>
       <p:sp>
         <p:nvSpPr>
-          <p:cNvPr id="178" name="TextShape 2"/>
+          <p:cNvPr id="176" name="TextShape 2"/>
           <p:cNvSpPr txBox="1"/>
           <p:nvPr/>
         </p:nvSpPr>
@@ -13470,7 +14011,7 @@
               <a:buChar char="•"/>
             </a:pPr>
             <a:r>
-              <a:rPr lang="de-DE" sz="2400" b="0" strike="noStrike" spc="-1">
+              <a:rPr lang="en-GB" sz="2000" spc="-1" dirty="0">
                 <a:solidFill>
                   <a:srgbClr val="000000"/>
                 </a:solidFill>
@@ -13481,35 +14022,11 @@
                 </a:uFill>
                 <a:latin typeface="Arial"/>
               </a:rPr>
-              <a:t>Control over IP core</a:t>
-            </a:r>
-          </a:p>
-          <a:p>
-            <a:pPr>
-              <a:lnSpc>
-                <a:spcPct val="100000"/>
-              </a:lnSpc>
-              <a:spcBef>
-                <a:spcPts val="479"/>
-              </a:spcBef>
-            </a:pPr>
-            <a:endParaRPr lang="de-DE" sz="2400" b="0" strike="noStrike" spc="-1">
-              <a:solidFill>
-                <a:srgbClr val="000000"/>
-              </a:solidFill>
-              <a:uFill>
-                <a:solidFill>
-                  <a:srgbClr val="FFFFFF"/>
-                </a:solidFill>
-              </a:uFill>
-              <a:latin typeface="Arial"/>
-            </a:endParaRPr>
-          </a:p>
-          <a:p>
-            <a:pPr marL="343080" indent="-342720">
-              <a:lnSpc>
-                <a:spcPct val="100000"/>
-              </a:lnSpc>
+              <a:t>Linux kernel already supports DPR</a:t>
+            </a:r>
+          </a:p>
+          <a:p>
+            <a:pPr marL="800280" lvl="1" indent="-342720">
               <a:spcBef>
                 <a:spcPts val="479"/>
               </a:spcBef>
@@ -13521,7 +14038,7 @@
               <a:buChar char="•"/>
             </a:pPr>
             <a:r>
-              <a:rPr lang="de-DE" sz="2400" b="0" strike="noStrike" spc="-1">
+              <a:rPr lang="en-GB" sz="2000" spc="-1" dirty="0">
                 <a:solidFill>
                   <a:srgbClr val="000000"/>
                 </a:solidFill>
@@ -13532,35 +14049,11 @@
                 </a:uFill>
                 <a:latin typeface="Arial"/>
               </a:rPr>
-              <a:t>Using Partial Reconfiguration Controller v1.2</a:t>
-            </a:r>
-          </a:p>
-          <a:p>
-            <a:pPr>
-              <a:lnSpc>
-                <a:spcPct val="100000"/>
-              </a:lnSpc>
-              <a:spcBef>
-                <a:spcPts val="479"/>
-              </a:spcBef>
-            </a:pPr>
-            <a:endParaRPr lang="de-DE" sz="2400" b="0" strike="noStrike" spc="-1">
-              <a:solidFill>
-                <a:srgbClr val="000000"/>
-              </a:solidFill>
-              <a:uFill>
-                <a:solidFill>
-                  <a:srgbClr val="FFFFFF"/>
-                </a:solidFill>
-              </a:uFill>
-              <a:latin typeface="Arial"/>
-            </a:endParaRPr>
+              <a:t>Device file xdevcfg included</a:t>
+            </a:r>
           </a:p>
           <a:p>
             <a:pPr marL="343080" indent="-342720">
-              <a:lnSpc>
-                <a:spcPct val="100000"/>
-              </a:lnSpc>
               <a:spcBef>
                 <a:spcPts val="479"/>
               </a:spcBef>
@@ -13571,31 +14064,7 @@
               <a:buFont typeface="Arial"/>
               <a:buChar char="•"/>
             </a:pPr>
-            <a:r>
-              <a:rPr lang="de-DE" sz="2400" b="0" strike="noStrike" spc="-1">
-                <a:solidFill>
-                  <a:srgbClr val="000000"/>
-                </a:solidFill>
-                <a:uFill>
-                  <a:solidFill>
-                    <a:srgbClr val="FFFFFF"/>
-                  </a:solidFill>
-                </a:uFill>
-                <a:latin typeface="Arial"/>
-              </a:rPr>
-              <a:t>Android trigger the start of reconfiguration</a:t>
-            </a:r>
-          </a:p>
-          <a:p>
-            <a:pPr>
-              <a:lnSpc>
-                <a:spcPct val="100000"/>
-              </a:lnSpc>
-              <a:spcBef>
-                <a:spcPts val="479"/>
-              </a:spcBef>
-            </a:pPr>
-            <a:endParaRPr lang="de-DE" sz="2400" b="0" strike="noStrike" spc="-1">
+            <a:endParaRPr lang="en-GB" sz="2000" spc="-1" dirty="0">
               <a:solidFill>
                 <a:srgbClr val="000000"/>
               </a:solidFill>
@@ -13609,9 +14078,6 @@
           </a:p>
           <a:p>
             <a:pPr marL="343080" indent="-342720">
-              <a:lnSpc>
-                <a:spcPct val="100000"/>
-              </a:lnSpc>
               <a:spcBef>
                 <a:spcPts val="479"/>
               </a:spcBef>
@@ -13623,7 +14089,7 @@
               <a:buChar char="•"/>
             </a:pPr>
             <a:r>
-              <a:rPr lang="de-DE" sz="2400" b="0" strike="noStrike" spc="-1">
+              <a:rPr lang="en-GB" sz="2000" spc="-1" dirty="0">
                 <a:solidFill>
                   <a:srgbClr val="000000"/>
                 </a:solidFill>
@@ -13634,33 +14100,44 @@
                 </a:uFill>
                 <a:latin typeface="Arial"/>
               </a:rPr>
-              <a:t>IP load Bitstream from memory to PL over ICAP</a:t>
-            </a:r>
-          </a:p>
-          <a:p>
-            <a:pPr>
-              <a:lnSpc>
-                <a:spcPct val="100000"/>
-              </a:lnSpc>
+              <a:t>Send partial bitstream to xdevcfg</a:t>
+            </a:r>
+          </a:p>
+          <a:p>
+            <a:pPr marL="800280" lvl="1" indent="-342720">
               <a:spcBef>
                 <a:spcPts val="479"/>
               </a:spcBef>
-            </a:pPr>
-            <a:endParaRPr lang="de-DE" sz="2400" b="0" strike="noStrike" spc="-1">
-              <a:solidFill>
-                <a:srgbClr val="000000"/>
-              </a:solidFill>
-              <a:uFill>
-                <a:solidFill>
-                  <a:srgbClr val="FFFFFF"/>
-                </a:solidFill>
-              </a:uFill>
-              <a:latin typeface="Arial"/>
-            </a:endParaRPr>
+              <a:buClr>
+                <a:srgbClr val="006699"/>
+              </a:buClr>
+              <a:buSzPct val="110000"/>
+              <a:buFont typeface="Arial"/>
+              <a:buChar char="•"/>
+            </a:pPr>
+            <a:r>
+              <a:rPr lang="en-GB" sz="2000" spc="-1" dirty="0">
+                <a:solidFill>
+                  <a:srgbClr val="000000"/>
+                </a:solidFill>
+                <a:uFill>
+                  <a:solidFill>
+                    <a:srgbClr val="FFFFFF"/>
+                  </a:solidFill>
+                </a:uFill>
+                <a:latin typeface="Arial"/>
+              </a:rPr>
+              <a:t>Loads bitstream from memory to PL over PCAP</a:t>
+            </a:r>
           </a:p>
         </p:txBody>
       </p:sp>
     </p:spTree>
+    <p:extLst>
+      <p:ext uri="{BB962C8B-B14F-4D97-AF65-F5344CB8AC3E}">
+        <p14:creationId xmlns:p14="http://schemas.microsoft.com/office/powerpoint/2010/main" val="1721974732"/>
+      </p:ext>
+    </p:extLst>
   </p:cSld>
   <p:clrMapOvr>
     <a:masterClrMapping/>
@@ -13741,7 +14218,7 @@
               </a:lnSpc>
             </a:pPr>
             <a:r>
-              <a:rPr lang="de-DE" sz="3600" b="0" strike="noStrike" spc="-1">
+              <a:rPr lang="en-GB" sz="3600" b="0" strike="noStrike" spc="-1" dirty="0">
                 <a:solidFill>
                   <a:srgbClr val="000000"/>
                 </a:solidFill>
@@ -13752,7 +14229,7 @@
                 </a:uFill>
                 <a:latin typeface="Arial"/>
               </a:rPr>
-              <a:t>FPGA fabric partitioning</a:t>
+              <a:t>Project issues</a:t>
             </a:r>
           </a:p>
         </p:txBody>
@@ -13795,7 +14272,7 @@
               <a:buChar char="•"/>
             </a:pPr>
             <a:r>
-              <a:rPr lang="de-DE" sz="2400" b="0" strike="noStrike" spc="-1">
+              <a:rPr lang="en-GB" sz="2000" spc="-1" dirty="0">
                 <a:solidFill>
                   <a:srgbClr val="000000"/>
                 </a:solidFill>
@@ -13806,26 +14283,10 @@
                 </a:uFill>
                 <a:latin typeface="Arial"/>
               </a:rPr>
-              <a:t>Static portion</a:t>
-            </a:r>
-          </a:p>
-          <a:p>
-            <a:pPr marL="743040" lvl="1" indent="-285480">
-              <a:lnSpc>
-                <a:spcPct val="100000"/>
-              </a:lnSpc>
-              <a:spcBef>
-                <a:spcPts val="400"/>
-              </a:spcBef>
-              <a:buClr>
-                <a:srgbClr val="006699"/>
-              </a:buClr>
-              <a:buSzPct val="120000"/>
-              <a:buFont typeface="Arial"/>
-              <a:buChar char="•"/>
-            </a:pPr>
-            <a:r>
-              <a:rPr lang="de-DE" sz="2000" b="0" strike="noStrike" spc="-1">
+              <a:t>USB OTG </a:t>
+            </a:r>
+            <a:r>
+              <a:rPr lang="en-GB" sz="2000" spc="-1" dirty="0">
                 <a:solidFill>
                   <a:srgbClr val="000000"/>
                 </a:solidFill>
@@ -13835,27 +14296,12 @@
                   </a:solidFill>
                 </a:uFill>
                 <a:latin typeface="Arial"/>
-              </a:rPr>
-              <a:t>Control for image processing</a:t>
-            </a:r>
-          </a:p>
-          <a:p>
-            <a:pPr marL="743040" lvl="1" indent="-285480">
-              <a:lnSpc>
-                <a:spcPct val="100000"/>
-              </a:lnSpc>
-              <a:spcBef>
-                <a:spcPts val="400"/>
-              </a:spcBef>
-              <a:buClr>
-                <a:srgbClr val="006699"/>
-              </a:buClr>
-              <a:buSzPct val="120000"/>
-              <a:buFont typeface="Arial"/>
-              <a:buChar char="•"/>
-            </a:pPr>
-            <a:r>
-              <a:rPr lang="de-DE" sz="2000" b="0" strike="noStrike" spc="-1">
+                <a:sym typeface="Wingdings" panose="05000000000000000000" pitchFamily="2" charset="2"/>
+              </a:rPr>
+              <a:t></a:t>
+            </a:r>
+            <a:r>
+              <a:rPr lang="en-GB" sz="2000" spc="-1" dirty="0">
                 <a:solidFill>
                   <a:srgbClr val="000000"/>
                 </a:solidFill>
@@ -13866,51 +14312,8 @@
                 </a:uFill>
                 <a:latin typeface="Arial"/>
               </a:rPr>
-              <a:t>Blake2b hash entity</a:t>
-            </a:r>
-          </a:p>
-          <a:p>
-            <a:pPr marL="743040" lvl="1" indent="-285480">
-              <a:lnSpc>
-                <a:spcPct val="100000"/>
-              </a:lnSpc>
-              <a:spcBef>
-                <a:spcPts val="400"/>
-              </a:spcBef>
-              <a:buClr>
-                <a:srgbClr val="006699"/>
-              </a:buClr>
-              <a:buSzPct val="120000"/>
-              <a:buFont typeface="Arial"/>
-              <a:buChar char="•"/>
-            </a:pPr>
-            <a:r>
-              <a:rPr lang="de-DE" sz="2000" b="0" strike="noStrike" spc="-1">
-                <a:solidFill>
-                  <a:srgbClr val="000000"/>
-                </a:solidFill>
-                <a:uFill>
-                  <a:solidFill>
-                    <a:srgbClr val="FFFFFF"/>
-                  </a:solidFill>
-                </a:uFill>
-                <a:latin typeface="Arial"/>
-              </a:rPr>
-              <a:t>(IP core PR controller ?)</a:t>
-            </a:r>
-          </a:p>
-          <a:p>
-            <a:endParaRPr lang="de-DE" sz="2000" b="0" strike="noStrike" spc="-1">
-              <a:solidFill>
-                <a:srgbClr val="000000"/>
-              </a:solidFill>
-              <a:uFill>
-                <a:solidFill>
-                  <a:srgbClr val="FFFFFF"/>
-                </a:solidFill>
-              </a:uFill>
-              <a:latin typeface="Arial"/>
-            </a:endParaRPr>
+              <a:t> no touchscreen / mouse</a:t>
+            </a:r>
           </a:p>
           <a:p>
             <a:pPr marL="343080" indent="-342720">
@@ -13927,38 +14330,35 @@
               <a:buFont typeface="Arial"/>
               <a:buChar char="•"/>
             </a:pPr>
-            <a:r>
-              <a:rPr lang="de-DE" sz="2400" b="0" strike="noStrike" spc="-1">
-                <a:solidFill>
-                  <a:srgbClr val="000000"/>
-                </a:solidFill>
-                <a:uFill>
-                  <a:solidFill>
-                    <a:srgbClr val="FFFFFF"/>
-                  </a:solidFill>
-                </a:uFill>
-                <a:latin typeface="Arial"/>
-              </a:rPr>
-              <a:t>Dynamic portion</a:t>
-            </a:r>
-          </a:p>
-          <a:p>
-            <a:pPr marL="743040" lvl="1" indent="-285480">
+            <a:endParaRPr lang="en-GB" sz="2000" spc="-1" dirty="0">
+              <a:solidFill>
+                <a:srgbClr val="000000"/>
+              </a:solidFill>
+              <a:uFill>
+                <a:solidFill>
+                  <a:srgbClr val="FFFFFF"/>
+                </a:solidFill>
+              </a:uFill>
+              <a:latin typeface="Arial"/>
+            </a:endParaRPr>
+          </a:p>
+          <a:p>
+            <a:pPr marL="343080" indent="-342720">
               <a:lnSpc>
                 <a:spcPct val="100000"/>
               </a:lnSpc>
               <a:spcBef>
-                <a:spcPts val="400"/>
+                <a:spcPts val="479"/>
               </a:spcBef>
               <a:buClr>
                 <a:srgbClr val="006699"/>
               </a:buClr>
-              <a:buSzPct val="120000"/>
+              <a:buSzPct val="110000"/>
               <a:buFont typeface="Arial"/>
               <a:buChar char="•"/>
             </a:pPr>
             <a:r>
-              <a:rPr lang="de-DE" sz="2000" b="0" strike="noStrike" spc="-1">
+              <a:rPr lang="en-GB" sz="2000" spc="-1" dirty="0">
                 <a:solidFill>
                   <a:srgbClr val="000000"/>
                 </a:solidFill>
@@ -13969,72 +14369,100 @@
                 </a:uFill>
                 <a:latin typeface="Arial"/>
               </a:rPr>
-              <a:t>Red filter</a:t>
-            </a:r>
-          </a:p>
-          <a:p>
-            <a:pPr marL="743040" lvl="1" indent="-285480">
+              <a:t>Android app </a:t>
+            </a:r>
+            <a:r>
+              <a:rPr lang="en-GB" sz="2000" spc="-1" dirty="0">
+                <a:solidFill>
+                  <a:srgbClr val="000000"/>
+                </a:solidFill>
+                <a:uFill>
+                  <a:solidFill>
+                    <a:srgbClr val="FFFFFF"/>
+                  </a:solidFill>
+                </a:uFill>
+                <a:latin typeface="Arial"/>
+                <a:sym typeface="Wingdings" panose="05000000000000000000" pitchFamily="2" charset="2"/>
+              </a:rPr>
+              <a:t></a:t>
+            </a:r>
+            <a:r>
+              <a:rPr lang="en-GB" sz="2000" spc="-1" dirty="0">
+                <a:solidFill>
+                  <a:srgbClr val="000000"/>
+                </a:solidFill>
+                <a:uFill>
+                  <a:solidFill>
+                    <a:srgbClr val="FFFFFF"/>
+                  </a:solidFill>
+                </a:uFill>
+                <a:latin typeface="Arial"/>
+              </a:rPr>
+              <a:t> no permission to access the hardware </a:t>
+            </a:r>
+          </a:p>
+          <a:p>
+            <a:pPr marL="343080" indent="-342720">
               <a:lnSpc>
                 <a:spcPct val="100000"/>
               </a:lnSpc>
               <a:spcBef>
-                <a:spcPts val="400"/>
+                <a:spcPts val="479"/>
               </a:spcBef>
               <a:buClr>
                 <a:srgbClr val="006699"/>
               </a:buClr>
-              <a:buSzPct val="120000"/>
+              <a:buSzPct val="110000"/>
               <a:buFont typeface="Arial"/>
               <a:buChar char="•"/>
             </a:pPr>
-            <a:r>
-              <a:rPr lang="de-DE" sz="2000" b="0" strike="noStrike" spc="-1">
-                <a:solidFill>
-                  <a:srgbClr val="000000"/>
-                </a:solidFill>
-                <a:uFill>
-                  <a:solidFill>
-                    <a:srgbClr val="FFFFFF"/>
-                  </a:solidFill>
-                </a:uFill>
-                <a:latin typeface="Arial"/>
-              </a:rPr>
-              <a:t>Green filter</a:t>
-            </a:r>
-          </a:p>
-          <a:p>
-            <a:pPr marL="743040" lvl="1" indent="-285480">
+            <a:endParaRPr lang="en-GB" sz="2000" spc="-1" dirty="0">
+              <a:solidFill>
+                <a:srgbClr val="000000"/>
+              </a:solidFill>
+              <a:uFill>
+                <a:solidFill>
+                  <a:srgbClr val="FFFFFF"/>
+                </a:solidFill>
+              </a:uFill>
+              <a:latin typeface="Arial"/>
+            </a:endParaRPr>
+          </a:p>
+          <a:p>
+            <a:pPr marL="343080" indent="-342720">
               <a:lnSpc>
                 <a:spcPct val="100000"/>
               </a:lnSpc>
               <a:spcBef>
-                <a:spcPts val="400"/>
+                <a:spcPts val="479"/>
               </a:spcBef>
               <a:buClr>
                 <a:srgbClr val="006699"/>
               </a:buClr>
-              <a:buSzPct val="120000"/>
+              <a:buSzPct val="110000"/>
               <a:buFont typeface="Arial"/>
               <a:buChar char="•"/>
             </a:pPr>
-            <a:r>
-              <a:rPr lang="de-DE" sz="2000" b="0" strike="noStrike" spc="-1">
-                <a:solidFill>
-                  <a:srgbClr val="000000"/>
-                </a:solidFill>
-                <a:uFill>
-                  <a:solidFill>
-                    <a:srgbClr val="FFFFFF"/>
-                  </a:solidFill>
-                </a:uFill>
-                <a:latin typeface="Arial"/>
-              </a:rPr>
-              <a:t>Blue filter</a:t>
-            </a:r>
+            <a:endParaRPr lang="en-GB" sz="2000" spc="-1" dirty="0">
+              <a:solidFill>
+                <a:srgbClr val="000000"/>
+              </a:solidFill>
+              <a:uFill>
+                <a:solidFill>
+                  <a:srgbClr val="FFFFFF"/>
+                </a:solidFill>
+              </a:uFill>
+              <a:latin typeface="Arial"/>
+            </a:endParaRPr>
           </a:p>
         </p:txBody>
       </p:sp>
     </p:spTree>
+    <p:extLst>
+      <p:ext uri="{BB962C8B-B14F-4D97-AF65-F5344CB8AC3E}">
+        <p14:creationId xmlns:p14="http://schemas.microsoft.com/office/powerpoint/2010/main" val="304658088"/>
+      </p:ext>
+    </p:extLst>
   </p:cSld>
   <p:clrMapOvr>
     <a:masterClrMapping/>
@@ -14115,7 +14543,7 @@
               </a:lnSpc>
             </a:pPr>
             <a:r>
-              <a:rPr lang="de-DE" sz="3600" b="0" strike="noStrike" spc="-1">
+              <a:rPr lang="en-GB" sz="3600" b="0" strike="noStrike" spc="-1" dirty="0">
                 <a:solidFill>
                   <a:srgbClr val="000000"/>
                 </a:solidFill>
@@ -14169,7 +14597,7 @@
               <a:buChar char="•"/>
             </a:pPr>
             <a:r>
-              <a:rPr lang="de-DE" sz="2000" b="0" strike="noStrike" spc="-1">
+              <a:rPr lang="en-GB" sz="2000" b="0" strike="noStrike" spc="-1" dirty="0">
                 <a:solidFill>
                   <a:srgbClr val="000000"/>
                 </a:solidFill>
@@ -14180,7 +14608,7 @@
                 </a:uFill>
                 <a:latin typeface="Arial"/>
               </a:rPr>
-              <a:t>Zedboard: Xilinx Zynq developement board</a:t>
+              <a:t>Zedboard: Xilinx Zynq development board</a:t>
             </a:r>
           </a:p>
           <a:p>
@@ -14199,7 +14627,7 @@
               <a:buChar char="•"/>
             </a:pPr>
             <a:r>
-              <a:rPr lang="de-DE" sz="2000" b="0" strike="noStrike" spc="-1">
+              <a:rPr lang="en-GB" sz="2000" b="0" strike="noStrike" spc="-1" dirty="0">
                 <a:solidFill>
                   <a:srgbClr val="000000"/>
                 </a:solidFill>
@@ -14229,7 +14657,7 @@
               <a:buChar char="•"/>
             </a:pPr>
             <a:r>
-              <a:rPr lang="de-DE" sz="2000" b="0" strike="noStrike" spc="-1">
+              <a:rPr lang="en-GB" sz="2000" b="0" strike="noStrike" spc="-1" dirty="0">
                 <a:solidFill>
                   <a:srgbClr val="000000"/>
                 </a:solidFill>
@@ -14259,7 +14687,7 @@
               <a:buChar char="•"/>
             </a:pPr>
             <a:r>
-              <a:rPr lang="de-DE" sz="2000" b="0" strike="noStrike" spc="-1">
+              <a:rPr lang="en-GB" sz="2000" b="0" strike="noStrike" spc="-1" dirty="0">
                 <a:solidFill>
                   <a:srgbClr val="000000"/>
                 </a:solidFill>
@@ -14289,7 +14717,7 @@
               <a:buChar char="•"/>
             </a:pPr>
             <a:r>
-              <a:rPr lang="de-DE" sz="2000" b="0" strike="noStrike" spc="-1">
+              <a:rPr lang="en-GB" sz="2000" b="0" strike="noStrike" spc="-1" dirty="0">
                 <a:solidFill>
                   <a:srgbClr val="000000"/>
                 </a:solidFill>
@@ -14319,7 +14747,7 @@
               <a:buChar char="•"/>
             </a:pPr>
             <a:r>
-              <a:rPr lang="de-DE" sz="2000" b="0" strike="noStrike" spc="-1">
+              <a:rPr lang="en-GB" sz="2000" b="0" strike="noStrike" spc="-1" dirty="0">
                 <a:solidFill>
                   <a:srgbClr val="000000"/>
                 </a:solidFill>
@@ -14349,7 +14777,7 @@
               <a:buChar char="•"/>
             </a:pPr>
             <a:r>
-              <a:rPr lang="de-DE" sz="2000" b="0" strike="noStrike" spc="-1">
+              <a:rPr lang="en-GB" sz="2000" b="0" strike="noStrike" spc="-1" dirty="0">
                 <a:solidFill>
                   <a:srgbClr val="000000"/>
                 </a:solidFill>
@@ -14379,7 +14807,7 @@
               <a:buChar char="•"/>
             </a:pPr>
             <a:r>
-              <a:rPr lang="de-DE" sz="2000" b="0" strike="noStrike" spc="-1">
+              <a:rPr lang="en-GB" sz="2000" b="0" strike="noStrike" spc="-1" dirty="0">
                 <a:solidFill>
                   <a:srgbClr val="000000"/>
                 </a:solidFill>
@@ -14449,14 +14877,70 @@
       </p:grpSpPr>
       <p:sp>
         <p:nvSpPr>
-          <p:cNvPr id="181" name="TextShape 1"/>
+          <p:cNvPr id="179" name="TextShape 1"/>
           <p:cNvSpPr txBox="1"/>
           <p:nvPr/>
         </p:nvSpPr>
         <p:spPr>
           <a:xfrm>
-            <a:off x="1643040" y="2928960"/>
-            <a:ext cx="6143400" cy="1255320"/>
+            <a:off x="857160" y="1285920"/>
+            <a:ext cx="7429320" cy="1142640"/>
+          </a:xfrm>
+          <a:prstGeom prst="rect">
+            <a:avLst/>
+          </a:prstGeom>
+          <a:noFill/>
+          <a:ln w="9360">
+            <a:noFill/>
+          </a:ln>
+        </p:spPr>
+        <p:txBody>
+          <a:bodyPr lIns="90000" tIns="45000" rIns="90000" bIns="45000" anchor="ctr"/>
+          <a:lstStyle/>
+          <a:p>
+            <a:pPr>
+              <a:lnSpc>
+                <a:spcPct val="100000"/>
+              </a:lnSpc>
+            </a:pPr>
+            <a:r>
+              <a:rPr lang="en-GB" sz="3600" spc="-1" dirty="0">
+                <a:solidFill>
+                  <a:srgbClr val="000000"/>
+                </a:solidFill>
+                <a:uFill>
+                  <a:solidFill>
+                    <a:srgbClr val="FFFFFF"/>
+                  </a:solidFill>
+                </a:uFill>
+                <a:latin typeface="Arial"/>
+              </a:rPr>
+              <a:t>Future improvements</a:t>
+            </a:r>
+            <a:endParaRPr lang="en-GB" sz="3600" b="0" strike="noStrike" spc="-1" dirty="0">
+              <a:solidFill>
+                <a:srgbClr val="000000"/>
+              </a:solidFill>
+              <a:uFill>
+                <a:solidFill>
+                  <a:srgbClr val="FFFFFF"/>
+                </a:solidFill>
+              </a:uFill>
+              <a:latin typeface="Arial"/>
+            </a:endParaRPr>
+          </a:p>
+        </p:txBody>
+      </p:sp>
+      <p:sp>
+        <p:nvSpPr>
+          <p:cNvPr id="180" name="TextShape 2"/>
+          <p:cNvSpPr txBox="1"/>
+          <p:nvPr/>
+        </p:nvSpPr>
+        <p:spPr>
+          <a:xfrm>
+            <a:off x="857160" y="2571840"/>
+            <a:ext cx="7429320" cy="3553920"/>
           </a:xfrm>
           <a:prstGeom prst="rect">
             <a:avLst/>
@@ -14467,16 +14951,25 @@
           </a:ln>
         </p:spPr>
         <p:txBody>
-          <a:bodyPr lIns="90000" tIns="45000" rIns="90000" bIns="45000"/>
+          <a:bodyPr/>
           <a:lstStyle/>
           <a:p>
-            <a:pPr>
+            <a:pPr marL="343080" indent="-342720">
               <a:lnSpc>
                 <a:spcPct val="100000"/>
               </a:lnSpc>
-            </a:pPr>
-            <a:r>
-              <a:rPr lang="de-DE" sz="3600" b="0" strike="noStrike" spc="-1">
+              <a:spcBef>
+                <a:spcPts val="479"/>
+              </a:spcBef>
+              <a:buClr>
+                <a:srgbClr val="006699"/>
+              </a:buClr>
+              <a:buSzPct val="110000"/>
+              <a:buFont typeface="Arial"/>
+              <a:buChar char="•"/>
+            </a:pPr>
+            <a:r>
+              <a:rPr lang="en-GB" sz="2000" spc="-1" dirty="0">
                 <a:solidFill>
                   <a:srgbClr val="000000"/>
                 </a:solidFill>
@@ -14486,11 +14979,77 @@
                   </a:solidFill>
                 </a:uFill>
                 <a:latin typeface="Arial"/>
-                <a:ea typeface="Arial"/>
-              </a:rPr>
-              <a:t>Thank you for your attention</a:t>
-            </a:r>
-            <a:endParaRPr lang="de-DE" sz="3600" b="0" strike="noStrike" spc="-1">
+              </a:rPr>
+              <a:t>Use higher end Zynq development board</a:t>
+            </a:r>
+          </a:p>
+          <a:p>
+            <a:pPr marL="800280" lvl="1" indent="-342720">
+              <a:spcBef>
+                <a:spcPts val="479"/>
+              </a:spcBef>
+              <a:buClr>
+                <a:srgbClr val="006699"/>
+              </a:buClr>
+              <a:buSzPct val="110000"/>
+              <a:buFont typeface="Arial"/>
+              <a:buChar char="•"/>
+            </a:pPr>
+            <a:r>
+              <a:rPr lang="en-GB" sz="2000" spc="-1" dirty="0">
+                <a:solidFill>
+                  <a:srgbClr val="000000"/>
+                </a:solidFill>
+                <a:uFill>
+                  <a:solidFill>
+                    <a:srgbClr val="FFFFFF"/>
+                  </a:solidFill>
+                </a:uFill>
+                <a:latin typeface="Arial"/>
+              </a:rPr>
+              <a:t>Official support for very recent Android versions</a:t>
+            </a:r>
+          </a:p>
+          <a:p>
+            <a:pPr marL="800280" lvl="1" indent="-342720">
+              <a:spcBef>
+                <a:spcPts val="479"/>
+              </a:spcBef>
+              <a:buClr>
+                <a:srgbClr val="006699"/>
+              </a:buClr>
+              <a:buSzPct val="110000"/>
+              <a:buFont typeface="Arial"/>
+              <a:buChar char="•"/>
+            </a:pPr>
+            <a:r>
+              <a:rPr lang="en-GB" sz="2000" spc="-1" dirty="0">
+                <a:solidFill>
+                  <a:srgbClr val="000000"/>
+                </a:solidFill>
+                <a:uFill>
+                  <a:solidFill>
+                    <a:srgbClr val="FFFFFF"/>
+                  </a:solidFill>
+                </a:uFill>
+                <a:latin typeface="Arial"/>
+              </a:rPr>
+              <a:t>Recreate hardware design</a:t>
+            </a:r>
+          </a:p>
+          <a:p>
+            <a:pPr marL="800280" lvl="1" indent="-342720">
+              <a:spcBef>
+                <a:spcPts val="479"/>
+              </a:spcBef>
+              <a:buClr>
+                <a:srgbClr val="006699"/>
+              </a:buClr>
+              <a:buSzPct val="110000"/>
+              <a:buFont typeface="Arial"/>
+              <a:buChar char="•"/>
+            </a:pPr>
+            <a:endParaRPr lang="en-GB" sz="2000" spc="-1" dirty="0">
               <a:solidFill>
                 <a:srgbClr val="000000"/>
               </a:solidFill>
@@ -14502,47 +15061,113 @@
               <a:latin typeface="Arial"/>
             </a:endParaRPr>
           </a:p>
+          <a:p>
+            <a:pPr marL="343080" indent="-342720">
+              <a:spcBef>
+                <a:spcPts val="479"/>
+              </a:spcBef>
+              <a:buClr>
+                <a:srgbClr val="006699"/>
+              </a:buClr>
+              <a:buSzPct val="110000"/>
+              <a:buFont typeface="Arial"/>
+              <a:buChar char="•"/>
+            </a:pPr>
+            <a:r>
+              <a:rPr lang="en-GB" sz="2000" spc="-1" dirty="0">
+                <a:solidFill>
+                  <a:srgbClr val="000000"/>
+                </a:solidFill>
+                <a:uFill>
+                  <a:solidFill>
+                    <a:srgbClr val="FFFFFF"/>
+                  </a:solidFill>
+                </a:uFill>
+                <a:latin typeface="Arial"/>
+              </a:rPr>
+              <a:t>Implement efficient image or video processing filters</a:t>
+            </a:r>
+          </a:p>
+          <a:p>
+            <a:pPr marL="343080" indent="-342720">
+              <a:spcBef>
+                <a:spcPts val="479"/>
+              </a:spcBef>
+              <a:buClr>
+                <a:srgbClr val="006699"/>
+              </a:buClr>
+              <a:buSzPct val="110000"/>
+              <a:buFont typeface="Arial"/>
+              <a:buChar char="•"/>
+            </a:pPr>
+            <a:endParaRPr lang="en-GB" sz="2000" spc="-1" dirty="0">
+              <a:solidFill>
+                <a:srgbClr val="000000"/>
+              </a:solidFill>
+              <a:uFill>
+                <a:solidFill>
+                  <a:srgbClr val="FFFFFF"/>
+                </a:solidFill>
+              </a:uFill>
+              <a:latin typeface="Arial"/>
+            </a:endParaRPr>
+          </a:p>
+          <a:p>
+            <a:pPr marL="800280" lvl="1" indent="-342720">
+              <a:spcBef>
+                <a:spcPts val="479"/>
+              </a:spcBef>
+              <a:buClr>
+                <a:srgbClr val="006699"/>
+              </a:buClr>
+              <a:buSzPct val="110000"/>
+              <a:buFont typeface="Arial"/>
+              <a:buChar char="•"/>
+            </a:pPr>
+            <a:endParaRPr lang="en-GB" sz="2000" spc="-1" dirty="0">
+              <a:solidFill>
+                <a:srgbClr val="000000"/>
+              </a:solidFill>
+              <a:uFill>
+                <a:solidFill>
+                  <a:srgbClr val="FFFFFF"/>
+                </a:solidFill>
+              </a:uFill>
+              <a:latin typeface="Arial"/>
+            </a:endParaRPr>
+          </a:p>
+          <a:p>
+            <a:pPr marL="343080" indent="-342720">
+              <a:spcBef>
+                <a:spcPts val="479"/>
+              </a:spcBef>
+              <a:buClr>
+                <a:srgbClr val="006699"/>
+              </a:buClr>
+              <a:buSzPct val="110000"/>
+              <a:buFont typeface="Arial"/>
+              <a:buChar char="•"/>
+            </a:pPr>
+            <a:endParaRPr lang="en-GB" sz="2000" spc="-1" dirty="0">
+              <a:solidFill>
+                <a:srgbClr val="000000"/>
+              </a:solidFill>
+              <a:uFill>
+                <a:solidFill>
+                  <a:srgbClr val="FFFFFF"/>
+                </a:solidFill>
+              </a:uFill>
+              <a:latin typeface="Arial"/>
+            </a:endParaRPr>
+          </a:p>
         </p:txBody>
       </p:sp>
-      <p:sp>
-        <p:nvSpPr>
-          <p:cNvPr id="182" name="TextShape 2"/>
-          <p:cNvSpPr txBox="1"/>
-          <p:nvPr/>
-        </p:nvSpPr>
-        <p:spPr>
-          <a:xfrm>
-            <a:off x="1643040" y="4500720"/>
-            <a:ext cx="6214680" cy="928440"/>
-          </a:xfrm>
-          <a:prstGeom prst="rect">
-            <a:avLst/>
-          </a:prstGeom>
-          <a:noFill/>
-          <a:ln>
-            <a:noFill/>
-          </a:ln>
-        </p:spPr>
-        <p:txBody>
-          <a:bodyPr/>
-          <a:lstStyle/>
-          <a:p>
-            <a:pPr algn="ctr"/>
-            <a:endParaRPr lang="en-US" sz="3200" b="0" strike="noStrike" spc="-1">
-              <a:solidFill>
-                <a:srgbClr val="000000"/>
-              </a:solidFill>
-              <a:uFill>
-                <a:solidFill>
-                  <a:srgbClr val="FFFFFF"/>
-                </a:solidFill>
-              </a:uFill>
-              <a:latin typeface="Arial"/>
-            </a:endParaRPr>
-          </a:p>
-        </p:txBody>
-      </p:sp>
     </p:spTree>
+    <p:extLst>
+      <p:ext uri="{BB962C8B-B14F-4D97-AF65-F5344CB8AC3E}">
+        <p14:creationId xmlns:p14="http://schemas.microsoft.com/office/powerpoint/2010/main" val="3238831115"/>
+      </p:ext>
+    </p:extLst>
   </p:cSld>
   <p:clrMapOvr>
     <a:masterClrMapping/>
@@ -14577,17 +15202,9 @@
 </p:sld>
 </file>
 
-<file path=ppt/slides/slide3.xml><?xml version="1.0" encoding="utf-8"?>
+<file path=ppt/slides/slide21.xml><?xml version="1.0" encoding="utf-8"?>
 <p:sld xmlns:a="http://schemas.openxmlformats.org/drawingml/2006/main" xmlns:r="http://schemas.openxmlformats.org/officeDocument/2006/relationships" xmlns:p="http://schemas.openxmlformats.org/presentationml/2006/main">
   <p:cSld>
-    <p:bg>
-      <p:bgPr>
-        <a:solidFill>
-          <a:srgbClr val="DEE7EC"/>
-        </a:solidFill>
-        <a:effectLst/>
-      </p:bgPr>
-    </p:bg>
     <p:spTree>
       <p:nvGrpSpPr>
         <p:cNvPr id="1" name=""/>
@@ -14604,7 +15221,431 @@
       </p:grpSpPr>
       <p:sp>
         <p:nvSpPr>
-          <p:cNvPr id="141" name="TextShape 1"/>
+          <p:cNvPr id="4" name="Titel 3">
+            <a:extLst>
+              <a:ext uri="{FF2B5EF4-FFF2-40B4-BE49-F238E27FC236}">
+                <a16:creationId xmlns:a16="http://schemas.microsoft.com/office/drawing/2014/main" id="{B84A2CE8-C9E9-49F3-842E-86CC2BD6EDD2}"/>
+              </a:ext>
+            </a:extLst>
+          </p:cNvPr>
+          <p:cNvSpPr>
+            <a:spLocks noGrp="1"/>
+          </p:cNvSpPr>
+          <p:nvPr>
+            <p:ph type="title"/>
+          </p:nvPr>
+        </p:nvSpPr>
+        <p:spPr>
+          <a:xfrm>
+            <a:off x="1643040" y="2928960"/>
+            <a:ext cx="6143400" cy="1255320"/>
+          </a:xfrm>
+        </p:spPr>
+        <p:txBody>
+          <a:bodyPr/>
+          <a:lstStyle/>
+          <a:p>
+            <a:pPr algn="ctr"/>
+            <a:r>
+              <a:rPr lang="de-AT" dirty="0">
+                <a:solidFill>
+                  <a:schemeClr val="bg1"/>
+                </a:solidFill>
+              </a:rPr>
+              <a:t>(Live) demo</a:t>
+            </a:r>
+            <a:endParaRPr lang="en-GB" dirty="0">
+              <a:solidFill>
+                <a:schemeClr val="bg1"/>
+              </a:solidFill>
+            </a:endParaRPr>
+          </a:p>
+        </p:txBody>
+      </p:sp>
+    </p:spTree>
+    <p:extLst>
+      <p:ext uri="{BB962C8B-B14F-4D97-AF65-F5344CB8AC3E}">
+        <p14:creationId xmlns:p14="http://schemas.microsoft.com/office/powerpoint/2010/main" val="945256246"/>
+      </p:ext>
+    </p:extLst>
+  </p:cSld>
+  <p:clrMapOvr>
+    <a:masterClrMapping/>
+  </p:clrMapOvr>
+</p:sld>
+</file>
+
+<file path=ppt/slides/slide22.xml><?xml version="1.0" encoding="utf-8"?>
+<p:sld xmlns:a="http://schemas.openxmlformats.org/drawingml/2006/main" xmlns:r="http://schemas.openxmlformats.org/officeDocument/2006/relationships" xmlns:p="http://schemas.openxmlformats.org/presentationml/2006/main">
+  <p:cSld>
+    <p:spTree>
+      <p:nvGrpSpPr>
+        <p:cNvPr id="1" name=""/>
+        <p:cNvGrpSpPr/>
+        <p:nvPr/>
+      </p:nvGrpSpPr>
+      <p:grpSpPr>
+        <a:xfrm>
+          <a:off x="0" y="0"/>
+          <a:ext cx="0" cy="0"/>
+          <a:chOff x="0" y="0"/>
+          <a:chExt cx="0" cy="0"/>
+        </a:xfrm>
+      </p:grpSpPr>
+      <p:pic>
+        <p:nvPicPr>
+          <p:cNvPr id="9" name="Grafik 8">
+            <a:extLst>
+              <a:ext uri="{FF2B5EF4-FFF2-40B4-BE49-F238E27FC236}">
+                <a16:creationId xmlns:a16="http://schemas.microsoft.com/office/drawing/2014/main" id="{4351DF3C-6F93-4763-8412-4CD64F01E002}"/>
+              </a:ext>
+            </a:extLst>
+          </p:cNvPr>
+          <p:cNvPicPr>
+            <a:picLocks noChangeAspect="1"/>
+          </p:cNvPicPr>
+          <p:nvPr/>
+        </p:nvPicPr>
+        <p:blipFill>
+          <a:blip r:embed="rId2">
+            <a:extLst>
+              <a:ext uri="{28A0092B-C50C-407E-A947-70E740481C1C}">
+                <a14:useLocalDpi xmlns:a14="http://schemas.microsoft.com/office/drawing/2010/main" val="0"/>
+              </a:ext>
+            </a:extLst>
+          </a:blip>
+          <a:stretch>
+            <a:fillRect/>
+          </a:stretch>
+        </p:blipFill>
+        <p:spPr>
+          <a:xfrm>
+            <a:off x="1394457" y="1610096"/>
+            <a:ext cx="6354726" cy="3971704"/>
+          </a:xfrm>
+          <a:prstGeom prst="rect">
+            <a:avLst/>
+          </a:prstGeom>
+        </p:spPr>
+      </p:pic>
+      <p:sp>
+        <p:nvSpPr>
+          <p:cNvPr id="12" name="Titel 1">
+            <a:extLst>
+              <a:ext uri="{FF2B5EF4-FFF2-40B4-BE49-F238E27FC236}">
+                <a16:creationId xmlns:a16="http://schemas.microsoft.com/office/drawing/2014/main" id="{9D551E84-B0AD-48C5-808E-7A9A085F44A3}"/>
+              </a:ext>
+            </a:extLst>
+          </p:cNvPr>
+          <p:cNvSpPr>
+            <a:spLocks noGrp="1"/>
+          </p:cNvSpPr>
+          <p:nvPr>
+            <p:ph type="title"/>
+          </p:nvPr>
+        </p:nvSpPr>
+        <p:spPr>
+          <a:xfrm>
+            <a:off x="1643040" y="2928960"/>
+            <a:ext cx="6143400" cy="1255320"/>
+          </a:xfrm>
+        </p:spPr>
+        <p:txBody>
+          <a:bodyPr/>
+          <a:lstStyle/>
+          <a:p>
+            <a:pPr algn="ctr"/>
+            <a:r>
+              <a:rPr lang="de-AT" dirty="0"/>
+              <a:t>Android </a:t>
+            </a:r>
+            <a:r>
+              <a:rPr lang="en-GB" dirty="0"/>
+              <a:t>application</a:t>
+            </a:r>
+          </a:p>
+        </p:txBody>
+      </p:sp>
+    </p:spTree>
+    <p:extLst>
+      <p:ext uri="{BB962C8B-B14F-4D97-AF65-F5344CB8AC3E}">
+        <p14:creationId xmlns:p14="http://schemas.microsoft.com/office/powerpoint/2010/main" val="2362736535"/>
+      </p:ext>
+    </p:extLst>
+  </p:cSld>
+  <p:clrMapOvr>
+    <a:masterClrMapping/>
+  </p:clrMapOvr>
+  <p:timing>
+    <p:tnLst>
+      <p:par>
+        <p:cTn id="1" dur="indefinite" restart="never" nodeType="tmRoot">
+          <p:childTnLst>
+            <p:seq concurrent="1" nextAc="seek">
+              <p:cTn id="2" dur="indefinite" nodeType="mainSeq">
+                <p:childTnLst>
+                  <p:par>
+                    <p:cTn id="3" fill="hold">
+                      <p:stCondLst>
+                        <p:cond delay="indefinite"/>
+                      </p:stCondLst>
+                      <p:childTnLst>
+                        <p:par>
+                          <p:cTn id="4" fill="hold">
+                            <p:stCondLst>
+                              <p:cond delay="0"/>
+                            </p:stCondLst>
+                            <p:childTnLst>
+                              <p:par>
+                                <p:cTn id="5" presetID="1" presetClass="entr" presetSubtype="0" fill="hold" nodeType="clickEffect">
+                                  <p:stCondLst>
+                                    <p:cond delay="0"/>
+                                  </p:stCondLst>
+                                  <p:childTnLst>
+                                    <p:set>
+                                      <p:cBhvr>
+                                        <p:cTn id="6" dur="1" fill="hold">
+                                          <p:stCondLst>
+                                            <p:cond delay="0"/>
+                                          </p:stCondLst>
+                                        </p:cTn>
+                                        <p:tgtEl>
+                                          <p:spTgt spid="9"/>
+                                        </p:tgtEl>
+                                        <p:attrNameLst>
+                                          <p:attrName>style.visibility</p:attrName>
+                                        </p:attrNameLst>
+                                      </p:cBhvr>
+                                      <p:to>
+                                        <p:strVal val="visible"/>
+                                      </p:to>
+                                    </p:set>
+                                  </p:childTnLst>
+                                </p:cTn>
+                              </p:par>
+                              <p:par>
+                                <p:cTn id="7" presetID="1" presetClass="exit" presetSubtype="0" fill="hold" grpId="0" nodeType="withEffect">
+                                  <p:stCondLst>
+                                    <p:cond delay="0"/>
+                                  </p:stCondLst>
+                                  <p:childTnLst>
+                                    <p:set>
+                                      <p:cBhvr>
+                                        <p:cTn id="8" dur="1" fill="hold">
+                                          <p:stCondLst>
+                                            <p:cond delay="0"/>
+                                          </p:stCondLst>
+                                        </p:cTn>
+                                        <p:tgtEl>
+                                          <p:spTgt spid="12"/>
+                                        </p:tgtEl>
+                                        <p:attrNameLst>
+                                          <p:attrName>style.visibility</p:attrName>
+                                        </p:attrNameLst>
+                                      </p:cBhvr>
+                                      <p:to>
+                                        <p:strVal val="hidden"/>
+                                      </p:to>
+                                    </p:set>
+                                  </p:childTnLst>
+                                </p:cTn>
+                              </p:par>
+                            </p:childTnLst>
+                          </p:cTn>
+                        </p:par>
+                      </p:childTnLst>
+                    </p:cTn>
+                  </p:par>
+                </p:childTnLst>
+              </p:cTn>
+              <p:prevCondLst>
+                <p:cond evt="onPrev" delay="0">
+                  <p:tgtEl>
+                    <p:sldTgt/>
+                  </p:tgtEl>
+                </p:cond>
+              </p:prevCondLst>
+              <p:nextCondLst>
+                <p:cond evt="onNext" delay="0">
+                  <p:tgtEl>
+                    <p:sldTgt/>
+                  </p:tgtEl>
+                </p:cond>
+              </p:nextCondLst>
+            </p:seq>
+          </p:childTnLst>
+        </p:cTn>
+      </p:par>
+    </p:tnLst>
+    <p:bldLst>
+      <p:bldP spid="12" grpId="0"/>
+    </p:bldLst>
+  </p:timing>
+</p:sld>
+</file>
+
+<file path=ppt/slides/slide23.xml><?xml version="1.0" encoding="utf-8"?>
+<p:sld xmlns:a="http://schemas.openxmlformats.org/drawingml/2006/main" xmlns:r="http://schemas.openxmlformats.org/officeDocument/2006/relationships" xmlns:p="http://schemas.openxmlformats.org/presentationml/2006/main">
+  <p:cSld>
+    <p:spTree>
+      <p:nvGrpSpPr>
+        <p:cNvPr id="1" name=""/>
+        <p:cNvGrpSpPr/>
+        <p:nvPr/>
+      </p:nvGrpSpPr>
+      <p:grpSpPr>
+        <a:xfrm>
+          <a:off x="0" y="0"/>
+          <a:ext cx="0" cy="0"/>
+          <a:chOff x="0" y="0"/>
+          <a:chExt cx="0" cy="0"/>
+        </a:xfrm>
+      </p:grpSpPr>
+      <p:sp>
+        <p:nvSpPr>
+          <p:cNvPr id="2" name="Titel 1">
+            <a:extLst>
+              <a:ext uri="{FF2B5EF4-FFF2-40B4-BE49-F238E27FC236}">
+                <a16:creationId xmlns:a16="http://schemas.microsoft.com/office/drawing/2014/main" id="{A8A94691-8688-489B-9D97-D0D65DCA5CEB}"/>
+              </a:ext>
+            </a:extLst>
+          </p:cNvPr>
+          <p:cNvSpPr>
+            <a:spLocks noGrp="1"/>
+          </p:cNvSpPr>
+          <p:nvPr>
+            <p:ph type="title"/>
+          </p:nvPr>
+        </p:nvSpPr>
+        <p:spPr/>
+        <p:txBody>
+          <a:bodyPr/>
+          <a:lstStyle/>
+          <a:p>
+            <a:pPr algn="ctr"/>
+            <a:r>
+              <a:rPr lang="en-GB" dirty="0"/>
+              <a:t>Linux demo</a:t>
+            </a:r>
+          </a:p>
+        </p:txBody>
+      </p:sp>
+    </p:spTree>
+    <p:extLst>
+      <p:ext uri="{BB962C8B-B14F-4D97-AF65-F5344CB8AC3E}">
+        <p14:creationId xmlns:p14="http://schemas.microsoft.com/office/powerpoint/2010/main" val="3165007190"/>
+      </p:ext>
+    </p:extLst>
+  </p:cSld>
+  <p:clrMapOvr>
+    <a:masterClrMapping/>
+  </p:clrMapOvr>
+</p:sld>
+</file>
+
+<file path=ppt/slides/slide24.xml><?xml version="1.0" encoding="utf-8"?>
+<p:sld xmlns:a="http://schemas.openxmlformats.org/drawingml/2006/main" xmlns:r="http://schemas.openxmlformats.org/officeDocument/2006/relationships" xmlns:p="http://schemas.openxmlformats.org/presentationml/2006/main">
+  <p:cSld>
+    <p:spTree>
+      <p:nvGrpSpPr>
+        <p:cNvPr id="1" name=""/>
+        <p:cNvGrpSpPr/>
+        <p:nvPr/>
+      </p:nvGrpSpPr>
+      <p:grpSpPr>
+        <a:xfrm>
+          <a:off x="0" y="0"/>
+          <a:ext cx="0" cy="0"/>
+          <a:chOff x="0" y="0"/>
+          <a:chExt cx="0" cy="0"/>
+        </a:xfrm>
+      </p:grpSpPr>
+      <p:sp>
+        <p:nvSpPr>
+          <p:cNvPr id="2" name="Titel 1">
+            <a:extLst>
+              <a:ext uri="{FF2B5EF4-FFF2-40B4-BE49-F238E27FC236}">
+                <a16:creationId xmlns:a16="http://schemas.microsoft.com/office/drawing/2014/main" id="{A8A94691-8688-489B-9D97-D0D65DCA5CEB}"/>
+              </a:ext>
+            </a:extLst>
+          </p:cNvPr>
+          <p:cNvSpPr>
+            <a:spLocks noGrp="1"/>
+          </p:cNvSpPr>
+          <p:nvPr>
+            <p:ph type="title"/>
+          </p:nvPr>
+        </p:nvSpPr>
+        <p:spPr/>
+        <p:txBody>
+          <a:bodyPr/>
+          <a:lstStyle/>
+          <a:p>
+            <a:pPr>
+              <a:lnSpc>
+                <a:spcPct val="100000"/>
+              </a:lnSpc>
+            </a:pPr>
+            <a:r>
+              <a:rPr lang="en-GB" sz="3600" spc="-1" dirty="0">
+                <a:solidFill>
+                  <a:srgbClr val="000000"/>
+                </a:solidFill>
+                <a:uFill>
+                  <a:solidFill>
+                    <a:srgbClr val="FFFFFF"/>
+                  </a:solidFill>
+                </a:uFill>
+                <a:ea typeface="Arial"/>
+              </a:rPr>
+              <a:t>Thank you for your attention!</a:t>
+            </a:r>
+            <a:endParaRPr lang="en-GB" sz="3600" spc="-1" dirty="0">
+              <a:solidFill>
+                <a:srgbClr val="000000"/>
+              </a:solidFill>
+              <a:uFill>
+                <a:solidFill>
+                  <a:srgbClr val="FFFFFF"/>
+                </a:solidFill>
+              </a:uFill>
+            </a:endParaRPr>
+          </a:p>
+        </p:txBody>
+      </p:sp>
+    </p:spTree>
+    <p:extLst>
+      <p:ext uri="{BB962C8B-B14F-4D97-AF65-F5344CB8AC3E}">
+        <p14:creationId xmlns:p14="http://schemas.microsoft.com/office/powerpoint/2010/main" val="137759627"/>
+      </p:ext>
+    </p:extLst>
+  </p:cSld>
+  <p:clrMapOvr>
+    <a:masterClrMapping/>
+  </p:clrMapOvr>
+</p:sld>
+</file>
+
+<file path=ppt/slides/slide3.xml><?xml version="1.0" encoding="utf-8"?>
+<p:sld xmlns:a="http://schemas.openxmlformats.org/drawingml/2006/main" xmlns:r="http://schemas.openxmlformats.org/officeDocument/2006/relationships" xmlns:p="http://schemas.openxmlformats.org/presentationml/2006/main">
+  <p:cSld>
+    <p:spTree>
+      <p:nvGrpSpPr>
+        <p:cNvPr id="1" name=""/>
+        <p:cNvGrpSpPr/>
+        <p:nvPr/>
+      </p:nvGrpSpPr>
+      <p:grpSpPr>
+        <a:xfrm>
+          <a:off x="0" y="0"/>
+          <a:ext cx="0" cy="0"/>
+          <a:chOff x="0" y="0"/>
+          <a:chExt cx="0" cy="0"/>
+        </a:xfrm>
+      </p:grpSpPr>
+      <p:sp>
+        <p:nvSpPr>
+          <p:cNvPr id="139" name="TextShape 1"/>
           <p:cNvSpPr txBox="1"/>
           <p:nvPr/>
         </p:nvSpPr>
@@ -14631,7 +15672,7 @@
               </a:lnSpc>
             </a:pPr>
             <a:r>
-              <a:rPr lang="de-DE" sz="3600" b="0" strike="noStrike" spc="-1">
+              <a:rPr lang="en-GB" sz="3600" spc="-1" dirty="0">
                 <a:solidFill>
                   <a:srgbClr val="000000"/>
                 </a:solidFill>
@@ -14640,12 +15681,10 @@
                     <a:srgbClr val="FFFFFF"/>
                   </a:solidFill>
                 </a:uFill>
-                <a:latin typeface="Arial"/>
               </a:rPr>
               <a:t>Android on Zynq</a:t>
             </a:r>
-            <a:br/>
-            <a:endParaRPr lang="de-DE" sz="3600" b="0" strike="noStrike" spc="-1">
+            <a:endParaRPr lang="en-GB" sz="3600" b="0" strike="noStrike" spc="-1" dirty="0">
               <a:solidFill>
                 <a:srgbClr val="000000"/>
               </a:solidFill>
@@ -14661,14 +15700,14 @@
       </p:sp>
       <p:sp>
         <p:nvSpPr>
-          <p:cNvPr id="142" name="TextShape 2"/>
+          <p:cNvPr id="140" name="TextShape 2"/>
           <p:cNvSpPr txBox="1"/>
           <p:nvPr/>
         </p:nvSpPr>
         <p:spPr>
           <a:xfrm>
-            <a:off x="857160" y="2391480"/>
-            <a:ext cx="7542000" cy="3978720"/>
+            <a:off x="857160" y="2277000"/>
+            <a:ext cx="7429320" cy="3848760"/>
           </a:xfrm>
           <a:prstGeom prst="rect">
             <a:avLst/>
@@ -14679,7 +15718,7 @@
           </a:ln>
         </p:spPr>
         <p:txBody>
-          <a:bodyPr anchor="ctr"/>
+          <a:bodyPr/>
           <a:lstStyle/>
           <a:p>
             <a:pPr marL="343080" indent="-342720">
@@ -14697,7 +15736,7 @@
               <a:buChar char="•"/>
             </a:pPr>
             <a:r>
-              <a:rPr lang="de-DE" sz="2000" b="0" strike="noStrike" spc="-1">
+              <a:rPr lang="en-GB" sz="2000" spc="-1" dirty="0">
                 <a:solidFill>
                   <a:srgbClr val="000000"/>
                 </a:solidFill>
@@ -14706,7 +15745,6 @@
                     <a:srgbClr val="FFFFFF"/>
                   </a:solidFill>
                 </a:uFill>
-                <a:latin typeface="Arial"/>
               </a:rPr>
               <a:t>Issues with Android:</a:t>
             </a:r>
@@ -14727,7 +15765,7 @@
               <a:buChar char="•"/>
             </a:pPr>
             <a:r>
-              <a:rPr lang="de-DE" sz="1600" b="0" strike="noStrike" spc="-1">
+              <a:rPr lang="en-GB" sz="1600" spc="-1" dirty="0">
                 <a:solidFill>
                   <a:srgbClr val="000000"/>
                 </a:solidFill>
@@ -14736,7 +15774,6 @@
                     <a:srgbClr val="FFFFFF"/>
                   </a:solidFill>
                 </a:uFill>
-                <a:latin typeface="Arial"/>
               </a:rPr>
               <a:t>Hardware requirements for versions after android 2.3.7 not met</a:t>
             </a:r>
@@ -14757,7 +15794,7 @@
               <a:buChar char="•"/>
             </a:pPr>
             <a:r>
-              <a:rPr lang="de-DE" sz="1600" b="0" strike="noStrike" spc="-1">
+              <a:rPr lang="en-GB" sz="1600" spc="-1" dirty="0">
                 <a:solidFill>
                   <a:srgbClr val="000000"/>
                 </a:solidFill>
@@ -14766,7 +15803,6 @@
                     <a:srgbClr val="FFFFFF"/>
                   </a:solidFill>
                 </a:uFill>
-                <a:latin typeface="Arial"/>
               </a:rPr>
               <a:t>Older versions require out-of-date toolchain versions that are hard to find</a:t>
             </a:r>
@@ -14787,7 +15823,7 @@
               <a:buChar char="•"/>
             </a:pPr>
             <a:r>
-              <a:rPr lang="de-DE" sz="1600" b="0" strike="noStrike" spc="-1">
+              <a:rPr lang="en-GB" sz="1600" spc="-1" dirty="0">
                 <a:solidFill>
                   <a:srgbClr val="000000"/>
                 </a:solidFill>
@@ -14796,22 +15832,20 @@
                     <a:srgbClr val="FFFFFF"/>
                   </a:solidFill>
                 </a:uFill>
-                <a:latin typeface="Arial"/>
               </a:rPr>
               <a:t>Official repository shut down</a:t>
             </a:r>
           </a:p>
           <a:p>
-            <a:endParaRPr lang="de-DE" sz="1600" b="0" strike="noStrike" spc="-1">
-              <a:solidFill>
-                <a:srgbClr val="000000"/>
-              </a:solidFill>
-              <a:uFill>
-                <a:solidFill>
-                  <a:srgbClr val="FFFFFF"/>
-                </a:solidFill>
-              </a:uFill>
-              <a:latin typeface="Arial"/>
+            <a:endParaRPr lang="en-GB" sz="1600" spc="-1" dirty="0">
+              <a:solidFill>
+                <a:srgbClr val="000000"/>
+              </a:solidFill>
+              <a:uFill>
+                <a:solidFill>
+                  <a:srgbClr val="FFFFFF"/>
+                </a:solidFill>
+              </a:uFill>
             </a:endParaRPr>
           </a:p>
           <a:p>
@@ -14830,7 +15864,7 @@
               <a:buChar char="•"/>
             </a:pPr>
             <a:r>
-              <a:rPr lang="de-DE" sz="2000" b="0" strike="noStrike" spc="-1">
+              <a:rPr lang="en-GB" sz="2000" spc="-1" dirty="0">
                 <a:solidFill>
                   <a:srgbClr val="000000"/>
                 </a:solidFill>
@@ -14839,7 +15873,6 @@
                     <a:srgbClr val="FFFFFF"/>
                   </a:solidFill>
                 </a:uFill>
-                <a:latin typeface="Arial"/>
               </a:rPr>
               <a:t>Solutions:</a:t>
             </a:r>
@@ -14860,7 +15893,7 @@
               <a:buChar char="•"/>
             </a:pPr>
             <a:r>
-              <a:rPr lang="de-DE" sz="1600" b="0" strike="noStrike" spc="-1">
+              <a:rPr lang="en-GB" sz="1600" spc="-1" dirty="0">
                 <a:solidFill>
                   <a:srgbClr val="000000"/>
                 </a:solidFill>
@@ -14869,7 +15902,6 @@
                     <a:srgbClr val="FFFFFF"/>
                   </a:solidFill>
                 </a:uFill>
-                <a:latin typeface="Arial"/>
               </a:rPr>
               <a:t>Build on Ubuntu 12.04 (from 2012)</a:t>
             </a:r>
@@ -14890,7 +15922,7 @@
               <a:buChar char="•"/>
             </a:pPr>
             <a:r>
-              <a:rPr lang="de-DE" sz="1600" b="0" strike="noStrike" spc="-1">
+              <a:rPr lang="en-GB" sz="1600" spc="-1" dirty="0">
                 <a:solidFill>
                   <a:srgbClr val="000000"/>
                 </a:solidFill>
@@ -14899,7 +15931,6 @@
                     <a:srgbClr val="FFFFFF"/>
                   </a:solidFill>
                 </a:uFill>
-                <a:latin typeface="Arial"/>
               </a:rPr>
               <a:t>Use the cross-compiling toolchain from Xilinx ISE 14.4 (from 2012)</a:t>
             </a:r>
@@ -14920,7 +15951,7 @@
               <a:buChar char="•"/>
             </a:pPr>
             <a:r>
-              <a:rPr lang="de-DE" sz="1600" b="0" strike="noStrike" spc="-1">
+              <a:rPr lang="en-GB" sz="1600" spc="-1" dirty="0">
                 <a:solidFill>
                   <a:srgbClr val="000000"/>
                 </a:solidFill>
@@ -14929,32 +15960,18 @@
                     <a:srgbClr val="FFFFFF"/>
                   </a:solidFill>
                 </a:uFill>
-                <a:latin typeface="Arial"/>
               </a:rPr>
               <a:t>Use fork on github by use aimeemikaelac</a:t>
             </a:r>
           </a:p>
-          <a:p>
-            <a:pPr>
-              <a:lnSpc>
-                <a:spcPct val="100000"/>
-              </a:lnSpc>
-            </a:pPr>
-            <a:endParaRPr lang="de-DE" sz="1600" b="0" strike="noStrike" spc="-1">
-              <a:solidFill>
-                <a:srgbClr val="000000"/>
-              </a:solidFill>
-              <a:uFill>
-                <a:solidFill>
-                  <a:srgbClr val="FFFFFF"/>
-                </a:solidFill>
-              </a:uFill>
-              <a:latin typeface="Arial"/>
-            </a:endParaRPr>
-          </a:p>
         </p:txBody>
       </p:sp>
     </p:spTree>
+    <p:extLst>
+      <p:ext uri="{BB962C8B-B14F-4D97-AF65-F5344CB8AC3E}">
+        <p14:creationId xmlns:p14="http://schemas.microsoft.com/office/powerpoint/2010/main" val="1651041222"/>
+      </p:ext>
+    </p:extLst>
   </p:cSld>
   <p:clrMapOvr>
     <a:masterClrMapping/>
@@ -14992,14 +16009,6 @@
 <file path=ppt/slides/slide4.xml><?xml version="1.0" encoding="utf-8"?>
 <p:sld xmlns:a="http://schemas.openxmlformats.org/drawingml/2006/main" xmlns:r="http://schemas.openxmlformats.org/officeDocument/2006/relationships" xmlns:p="http://schemas.openxmlformats.org/presentationml/2006/main">
   <p:cSld>
-    <p:bg>
-      <p:bgPr>
-        <a:solidFill>
-          <a:srgbClr val="DEE7EC"/>
-        </a:solidFill>
-        <a:effectLst/>
-      </p:bgPr>
-    </p:bg>
     <p:spTree>
       <p:nvGrpSpPr>
         <p:cNvPr id="1" name=""/>
@@ -15016,7 +16025,7 @@
       </p:grpSpPr>
       <p:sp>
         <p:nvSpPr>
-          <p:cNvPr id="143" name="TextShape 1"/>
+          <p:cNvPr id="139" name="TextShape 1"/>
           <p:cNvSpPr txBox="1"/>
           <p:nvPr/>
         </p:nvSpPr>
@@ -15043,7 +16052,7 @@
               </a:lnSpc>
             </a:pPr>
             <a:r>
-              <a:rPr lang="de-DE" sz="3600" b="0" strike="noStrike" spc="-1">
+              <a:rPr lang="de-DE" sz="3600" spc="-1" dirty="0">
                 <a:solidFill>
                   <a:srgbClr val="000000"/>
                 </a:solidFill>
@@ -15052,12 +16061,10 @@
                     <a:srgbClr val="FFFFFF"/>
                   </a:solidFill>
                 </a:uFill>
-                <a:latin typeface="Arial"/>
               </a:rPr>
               <a:t>Android on Zynq</a:t>
             </a:r>
-            <a:br/>
-            <a:endParaRPr lang="de-DE" sz="3600" b="0" strike="noStrike" spc="-1">
+            <a:endParaRPr lang="en-GB" sz="3600" b="0" strike="noStrike" spc="-1" dirty="0">
               <a:solidFill>
                 <a:srgbClr val="000000"/>
               </a:solidFill>
@@ -15073,14 +16080,14 @@
       </p:sp>
       <p:sp>
         <p:nvSpPr>
-          <p:cNvPr id="144" name="TextShape 2"/>
+          <p:cNvPr id="140" name="TextShape 2"/>
           <p:cNvSpPr txBox="1"/>
           <p:nvPr/>
         </p:nvSpPr>
         <p:spPr>
           <a:xfrm>
-            <a:off x="857160" y="2391480"/>
-            <a:ext cx="7674840" cy="3978720"/>
+            <a:off x="857160" y="2277000"/>
+            <a:ext cx="7429320" cy="3848760"/>
           </a:xfrm>
           <a:prstGeom prst="rect">
             <a:avLst/>
@@ -15091,7 +16098,7 @@
           </a:ln>
         </p:spPr>
         <p:txBody>
-          <a:bodyPr anchor="ctr"/>
+          <a:bodyPr/>
           <a:lstStyle/>
           <a:p>
             <a:pPr marL="343080" indent="-342720">
@@ -15109,7 +16116,7 @@
               <a:buChar char="•"/>
             </a:pPr>
             <a:r>
-              <a:rPr lang="de-DE" sz="2000" b="0" strike="noStrike" spc="-1">
+              <a:rPr lang="en-US" sz="2000" spc="-1" dirty="0">
                 <a:solidFill>
                   <a:srgbClr val="000000"/>
                 </a:solidFill>
@@ -15118,7 +16125,6 @@
                     <a:srgbClr val="FFFFFF"/>
                   </a:solidFill>
                 </a:uFill>
-                <a:latin typeface="Arial"/>
               </a:rPr>
               <a:t>Issues with custom Logic on the Zedboard</a:t>
             </a:r>
@@ -15139,7 +16145,7 @@
               <a:buChar char="•"/>
             </a:pPr>
             <a:r>
-              <a:rPr lang="de-DE" sz="1600" b="0" strike="noStrike" spc="-1">
+              <a:rPr lang="en-US" sz="1600" spc="-1" dirty="0">
                 <a:solidFill>
                   <a:srgbClr val="000000"/>
                 </a:solidFill>
@@ -15148,7 +16154,6 @@
                     <a:srgbClr val="FFFFFF"/>
                   </a:solidFill>
                 </a:uFill>
-                <a:latin typeface="Arial"/>
               </a:rPr>
               <a:t>Reference Design out of date. Builds neither with current tools nor with tools from 2012</a:t>
             </a:r>
@@ -15169,7 +16174,7 @@
               <a:buChar char="•"/>
             </a:pPr>
             <a:r>
-              <a:rPr lang="de-DE" sz="1600" b="0" strike="noStrike" spc="-1">
+              <a:rPr lang="en-US" sz="1600" spc="-1" dirty="0">
                 <a:solidFill>
                   <a:srgbClr val="000000"/>
                 </a:solidFill>
@@ -15178,7 +16183,6 @@
                     <a:srgbClr val="FFFFFF"/>
                   </a:solidFill>
                 </a:uFill>
-                <a:latin typeface="Arial"/>
               </a:rPr>
               <a:t>Cannot create custom Bitstream</a:t>
             </a:r>
@@ -15199,7 +16203,7 @@
               <a:buChar char="•"/>
             </a:pPr>
             <a:r>
-              <a:rPr lang="de-DE" sz="1600" b="0" strike="noStrike" spc="-1">
+              <a:rPr lang="en-US" sz="1600" spc="-1" dirty="0">
                 <a:solidFill>
                   <a:srgbClr val="000000"/>
                 </a:solidFill>
@@ -15208,13 +16212,14 @@
                     <a:srgbClr val="FFFFFF"/>
                   </a:solidFill>
                 </a:uFill>
-                <a:latin typeface="Arial"/>
               </a:rPr>
               <a:t>u-boot requires tools not available in Ubuntu 12.04</a:t>
             </a:r>
-            <a:br/>
-            <a:r>
-              <a:rPr lang="de-DE" sz="1600" b="0" strike="noStrike" spc="-1">
+            <a:br>
+              <a:rPr lang="en-US" dirty="0"/>
+            </a:br>
+            <a:r>
+              <a:rPr lang="en-US" sz="1600" spc="-1" dirty="0">
                 <a:solidFill>
                   <a:srgbClr val="000000"/>
                 </a:solidFill>
@@ -15223,7 +16228,6 @@
                     <a:srgbClr val="FFFFFF"/>
                   </a:solidFill>
                 </a:uFill>
-                <a:latin typeface="Arial"/>
               </a:rPr>
               <a:t> </a:t>
             </a:r>
@@ -15244,7 +16248,7 @@
               <a:buChar char="•"/>
             </a:pPr>
             <a:r>
-              <a:rPr lang="de-DE" sz="2000" b="0" strike="noStrike" spc="-1">
+              <a:rPr lang="en-US" sz="2000" spc="-1" dirty="0">
                 <a:solidFill>
                   <a:srgbClr val="000000"/>
                 </a:solidFill>
@@ -15253,7 +16257,6 @@
                     <a:srgbClr val="FFFFFF"/>
                   </a:solidFill>
                 </a:uFill>
-                <a:latin typeface="Arial"/>
               </a:rPr>
               <a:t>Solutions:</a:t>
             </a:r>
@@ -15274,7 +16277,7 @@
               <a:buChar char="•"/>
             </a:pPr>
             <a:r>
-              <a:rPr lang="de-DE" sz="1600" b="0" strike="noStrike" spc="-1">
+              <a:rPr lang="en-US" sz="1600" spc="-1" dirty="0">
                 <a:solidFill>
                   <a:srgbClr val="000000"/>
                 </a:solidFill>
@@ -15283,7 +16286,6 @@
                     <a:srgbClr val="FFFFFF"/>
                   </a:solidFill>
                 </a:uFill>
-                <a:latin typeface="Arial"/>
               </a:rPr>
               <a:t>Build using Xilinx ISE 14.4, but with some IP cores from Xilinx ISE 14.1</a:t>
             </a:r>
@@ -15304,7 +16306,7 @@
               <a:buChar char="•"/>
             </a:pPr>
             <a:r>
-              <a:rPr lang="de-DE" sz="1600" b="0" strike="noStrike" spc="-1">
+              <a:rPr lang="en-US" sz="1600" spc="-1" dirty="0">
                 <a:solidFill>
                   <a:srgbClr val="000000"/>
                 </a:solidFill>
@@ -15313,32 +16315,18 @@
                     <a:srgbClr val="FFFFFF"/>
                   </a:solidFill>
                 </a:uFill>
-                <a:latin typeface="Arial"/>
               </a:rPr>
               <a:t>Build some tools (make, device-tree-compiler) from source</a:t>
             </a:r>
           </a:p>
-          <a:p>
-            <a:pPr>
-              <a:lnSpc>
-                <a:spcPct val="100000"/>
-              </a:lnSpc>
-            </a:pPr>
-            <a:endParaRPr lang="de-DE" sz="1600" b="0" strike="noStrike" spc="-1">
-              <a:solidFill>
-                <a:srgbClr val="000000"/>
-              </a:solidFill>
-              <a:uFill>
-                <a:solidFill>
-                  <a:srgbClr val="FFFFFF"/>
-                </a:solidFill>
-              </a:uFill>
-              <a:latin typeface="Arial"/>
-            </a:endParaRPr>
-          </a:p>
         </p:txBody>
       </p:sp>
     </p:spTree>
+    <p:extLst>
+      <p:ext uri="{BB962C8B-B14F-4D97-AF65-F5344CB8AC3E}">
+        <p14:creationId xmlns:p14="http://schemas.microsoft.com/office/powerpoint/2010/main" val="62871129"/>
+      </p:ext>
+    </p:extLst>
   </p:cSld>
   <p:clrMapOvr>
     <a:masterClrMapping/>
@@ -15376,14 +16364,6 @@
 <file path=ppt/slides/slide5.xml><?xml version="1.0" encoding="utf-8"?>
 <p:sld xmlns:a="http://schemas.openxmlformats.org/drawingml/2006/main" xmlns:r="http://schemas.openxmlformats.org/officeDocument/2006/relationships" xmlns:p="http://schemas.openxmlformats.org/presentationml/2006/main">
   <p:cSld>
-    <p:bg>
-      <p:bgPr>
-        <a:solidFill>
-          <a:srgbClr val="DEE7EC"/>
-        </a:solidFill>
-        <a:effectLst/>
-      </p:bgPr>
-    </p:bg>
     <p:spTree>
       <p:nvGrpSpPr>
         <p:cNvPr id="1" name=""/>
@@ -15400,7 +16380,7 @@
       </p:grpSpPr>
       <p:sp>
         <p:nvSpPr>
-          <p:cNvPr id="145" name="TextShape 1"/>
+          <p:cNvPr id="139" name="TextShape 1"/>
           <p:cNvSpPr txBox="1"/>
           <p:nvPr/>
         </p:nvSpPr>
@@ -15427,7 +16407,7 @@
               </a:lnSpc>
             </a:pPr>
             <a:r>
-              <a:rPr lang="de-DE" sz="3600" b="0" strike="noStrike" spc="-1">
+              <a:rPr lang="de-DE" sz="3600" spc="-1" dirty="0">
                 <a:solidFill>
                   <a:srgbClr val="000000"/>
                 </a:solidFill>
@@ -15436,35 +16416,32 @@
                     <a:srgbClr val="FFFFFF"/>
                   </a:solidFill>
                 </a:uFill>
-                <a:latin typeface="Arial"/>
               </a:rPr>
               <a:t>Final Software Setup</a:t>
             </a:r>
-            <a:br/>
-            <a:endParaRPr lang="de-DE" sz="3600" b="0" strike="noStrike" spc="-1">
-              <a:solidFill>
-                <a:srgbClr val="000000"/>
-              </a:solidFill>
-              <a:uFill>
-                <a:solidFill>
-                  <a:srgbClr val="FFFFFF"/>
-                </a:solidFill>
-              </a:uFill>
-              <a:latin typeface="Arial"/>
+            <a:endParaRPr lang="en-GB" sz="3600" spc="-1" dirty="0">
+              <a:solidFill>
+                <a:srgbClr val="000000"/>
+              </a:solidFill>
+              <a:uFill>
+                <a:solidFill>
+                  <a:srgbClr val="FFFFFF"/>
+                </a:solidFill>
+              </a:uFill>
             </a:endParaRPr>
           </a:p>
         </p:txBody>
       </p:sp>
       <p:sp>
         <p:nvSpPr>
-          <p:cNvPr id="146" name="TextShape 2"/>
+          <p:cNvPr id="140" name="TextShape 2"/>
           <p:cNvSpPr txBox="1"/>
           <p:nvPr/>
         </p:nvSpPr>
         <p:spPr>
           <a:xfrm>
-            <a:off x="857160" y="2350800"/>
-            <a:ext cx="6458040" cy="4059720"/>
+            <a:off x="857160" y="2277000"/>
+            <a:ext cx="7429320" cy="3848760"/>
           </a:xfrm>
           <a:prstGeom prst="rect">
             <a:avLst/>
@@ -15475,7 +16452,7 @@
           </a:ln>
         </p:spPr>
         <p:txBody>
-          <a:bodyPr anchor="ctr"/>
+          <a:bodyPr/>
           <a:lstStyle/>
           <a:p>
             <a:pPr marL="343080" indent="-342720">
@@ -15493,7 +16470,7 @@
               <a:buChar char="•"/>
             </a:pPr>
             <a:r>
-              <a:rPr lang="de-DE" sz="1600" b="0" strike="noStrike" spc="-1">
+              <a:rPr lang="en-US" sz="2000" spc="-1" dirty="0">
                 <a:solidFill>
                   <a:srgbClr val="000000"/>
                 </a:solidFill>
@@ -15502,96 +16479,14 @@
                     <a:srgbClr val="FFFFFF"/>
                   </a:solidFill>
                 </a:uFill>
-                <a:latin typeface="Arial"/>
               </a:rPr>
               <a:t>Linux Kernel Version 3.6 from Digilent</a:t>
             </a:r>
           </a:p>
           <a:p>
-            <a:pPr marL="743040" lvl="1" indent="-285480">
+            <a:pPr marL="800280" lvl="1" indent="-342720">
               <a:spcBef>
-                <a:spcPts val="1134"/>
-              </a:spcBef>
-              <a:buClr>
-                <a:srgbClr val="006699"/>
-              </a:buClr>
-              <a:buSzPct val="120000"/>
-              <a:buFont typeface="Arial"/>
-              <a:buChar char="•"/>
-            </a:pPr>
-            <a:r>
-              <a:rPr lang="de-DE" sz="1600" b="0" strike="noStrike" spc="-1">
-                <a:solidFill>
-                  <a:srgbClr val="000000"/>
-                </a:solidFill>
-                <a:uFill>
-                  <a:solidFill>
-                    <a:srgbClr val="FFFFFF"/>
-                  </a:solidFill>
-                </a:uFill>
-                <a:latin typeface="Arial"/>
-              </a:rPr>
-              <a:t>Configured to support Android</a:t>
-            </a:r>
-          </a:p>
-          <a:p>
-            <a:pPr marL="743040" lvl="1" indent="-285480">
-              <a:spcBef>
-                <a:spcPts val="1134"/>
-              </a:spcBef>
-              <a:buClr>
-                <a:srgbClr val="006699"/>
-              </a:buClr>
-              <a:buSzPct val="120000"/>
-              <a:buFont typeface="Arial"/>
-              <a:buChar char="•"/>
-            </a:pPr>
-            <a:r>
-              <a:rPr lang="de-DE" sz="1600" b="0" strike="noStrike" spc="-1">
-                <a:solidFill>
-                  <a:srgbClr val="000000"/>
-                </a:solidFill>
-                <a:uFill>
-                  <a:solidFill>
-                    <a:srgbClr val="FFFFFF"/>
-                  </a:solidFill>
-                </a:uFill>
-                <a:latin typeface="Arial"/>
-              </a:rPr>
-              <a:t>Configured to support Dynamic Partial Reconfiguration (DPR)</a:t>
-            </a:r>
-          </a:p>
-          <a:p>
-            <a:pPr marL="743040" lvl="1" indent="-285480">
-              <a:spcBef>
-                <a:spcPts val="1134"/>
-              </a:spcBef>
-              <a:buClr>
-                <a:srgbClr val="006699"/>
-              </a:buClr>
-              <a:buSzPct val="120000"/>
-              <a:buFont typeface="Arial"/>
-              <a:buChar char="•"/>
-            </a:pPr>
-            <a:r>
-              <a:rPr lang="de-DE" sz="1600" b="0" strike="noStrike" spc="-1">
-                <a:solidFill>
-                  <a:srgbClr val="000000"/>
-                </a:solidFill>
-                <a:uFill>
-                  <a:solidFill>
-                    <a:srgbClr val="FFFFFF"/>
-                  </a:solidFill>
-                </a:uFill>
-                <a:latin typeface="Arial"/>
-              </a:rPr>
-              <a:t>Configured to support USB Touchscreens</a:t>
-            </a:r>
-          </a:p>
-          <a:p>
-            <a:pPr marL="343080" indent="-342720">
-              <a:spcBef>
-                <a:spcPts val="1417"/>
+                <a:spcPts val="400"/>
               </a:spcBef>
               <a:buClr>
                 <a:srgbClr val="006699"/>
@@ -15601,7 +16496,7 @@
               <a:buChar char="•"/>
             </a:pPr>
             <a:r>
-              <a:rPr lang="de-DE" sz="1600" b="0" strike="noStrike" spc="-1">
+              <a:rPr lang="en-US" sz="1600" spc="-1" dirty="0">
                 <a:solidFill>
                   <a:srgbClr val="000000"/>
                 </a:solidFill>
@@ -15610,69 +16505,14 @@
                     <a:srgbClr val="FFFFFF"/>
                   </a:solidFill>
                 </a:uFill>
-                <a:latin typeface="Arial"/>
-              </a:rPr>
-              <a:t>Android 2.3.7 customized for ZedBoard by Iveia</a:t>
-            </a:r>
-          </a:p>
-          <a:p>
-            <a:pPr marL="743040" lvl="1" indent="-285480">
+              </a:rPr>
+              <a:t>Configured to support Android</a:t>
+            </a:r>
+          </a:p>
+          <a:p>
+            <a:pPr marL="800280" lvl="1" indent="-342720">
               <a:spcBef>
-                <a:spcPts val="1134"/>
-              </a:spcBef>
-              <a:buClr>
-                <a:srgbClr val="006699"/>
-              </a:buClr>
-              <a:buSzPct val="120000"/>
-              <a:buFont typeface="Arial"/>
-              <a:buChar char="•"/>
-            </a:pPr>
-            <a:r>
-              <a:rPr lang="de-DE" sz="1600" b="0" strike="noStrike" spc="-1">
-                <a:solidFill>
-                  <a:srgbClr val="000000"/>
-                </a:solidFill>
-                <a:uFill>
-                  <a:solidFill>
-                    <a:srgbClr val="FFFFFF"/>
-                  </a:solidFill>
-                </a:uFill>
-                <a:latin typeface="Arial"/>
-              </a:rPr>
-              <a:t>Distributed by aimeemikaelac</a:t>
-            </a:r>
-          </a:p>
-          <a:p>
-            <a:pPr marL="743040" lvl="1" indent="-285480">
-              <a:spcBef>
-                <a:spcPts val="1134"/>
-              </a:spcBef>
-              <a:buClr>
-                <a:srgbClr val="006699"/>
-              </a:buClr>
-              <a:buSzPct val="120000"/>
-              <a:buFont typeface="Arial"/>
-              <a:buChar char="•"/>
-            </a:pPr>
-            <a:r>
-              <a:rPr lang="de-DE" sz="1600" b="0" strike="noStrike" spc="-1">
-                <a:solidFill>
-                  <a:srgbClr val="000000"/>
-                </a:solidFill>
-                <a:uFill>
-                  <a:solidFill>
-                    <a:srgbClr val="FFFFFF"/>
-                  </a:solidFill>
-                </a:uFill>
-                <a:latin typeface="Arial"/>
-              </a:rPr>
-              <a:t>No Touchscreen support</a:t>
-            </a:r>
-          </a:p>
-          <a:p>
-            <a:pPr marL="343080" indent="-342720">
-              <a:spcBef>
-                <a:spcPts val="1417"/>
+                <a:spcPts val="400"/>
               </a:spcBef>
               <a:buClr>
                 <a:srgbClr val="006699"/>
@@ -15682,7 +16522,7 @@
               <a:buChar char="•"/>
             </a:pPr>
             <a:r>
-              <a:rPr lang="de-DE" sz="1600" b="0" strike="noStrike" spc="-1">
+              <a:rPr lang="en-US" sz="1600" spc="-1" dirty="0">
                 <a:solidFill>
                   <a:srgbClr val="000000"/>
                 </a:solidFill>
@@ -15691,15 +16531,14 @@
                     <a:srgbClr val="FFFFFF"/>
                   </a:solidFill>
                 </a:uFill>
-                <a:latin typeface="Arial"/>
-              </a:rPr>
-              <a:t>Android app to trigger DPR, hashing entity and image filters </a:t>
-            </a:r>
-          </a:p>
-          <a:p>
-            <a:pPr marL="343080" indent="-342720">
+              </a:rPr>
+              <a:t>Configured to support Dynamic Partial Reconfiguration (DPR)</a:t>
+            </a:r>
+          </a:p>
+          <a:p>
+            <a:pPr marL="800280" lvl="1" indent="-342720">
               <a:spcBef>
-                <a:spcPts val="1417"/>
+                <a:spcPts val="400"/>
               </a:spcBef>
               <a:buClr>
                 <a:srgbClr val="006699"/>
@@ -15709,7 +16548,7 @@
               <a:buChar char="•"/>
             </a:pPr>
             <a:r>
-              <a:rPr lang="de-DE" sz="1600" b="0" strike="noStrike" spc="-1">
+              <a:rPr lang="en-US" sz="1600" spc="-1" dirty="0">
                 <a:solidFill>
                   <a:srgbClr val="000000"/>
                 </a:solidFill>
@@ -15718,32 +16557,157 @@
                     <a:srgbClr val="FFFFFF"/>
                   </a:solidFill>
                 </a:uFill>
-                <a:latin typeface="Arial"/>
-              </a:rPr>
-              <a:t>Kernel Modules to interface Hardware Logic</a:t>
-            </a:r>
-          </a:p>
-          <a:p>
-            <a:pPr>
+              </a:rPr>
+              <a:t>Configured to support USB Touchscreens</a:t>
+            </a:r>
+          </a:p>
+          <a:p>
+            <a:pPr marL="343080" indent="-342720">
               <a:lnSpc>
                 <a:spcPct val="100000"/>
               </a:lnSpc>
-            </a:pPr>
-            <a:endParaRPr lang="de-DE" sz="1600" b="0" strike="noStrike" spc="-1">
-              <a:solidFill>
-                <a:srgbClr val="000000"/>
-              </a:solidFill>
-              <a:uFill>
-                <a:solidFill>
-                  <a:srgbClr val="FFFFFF"/>
-                </a:solidFill>
-              </a:uFill>
-              <a:latin typeface="Arial"/>
-            </a:endParaRPr>
+              <a:spcBef>
+                <a:spcPts val="400"/>
+              </a:spcBef>
+              <a:buClr>
+                <a:srgbClr val="006699"/>
+              </a:buClr>
+              <a:buSzPct val="110000"/>
+              <a:buFont typeface="Arial"/>
+              <a:buChar char="•"/>
+            </a:pPr>
+            <a:r>
+              <a:rPr lang="en-US" sz="2000" spc="-1" dirty="0">
+                <a:solidFill>
+                  <a:srgbClr val="000000"/>
+                </a:solidFill>
+                <a:uFill>
+                  <a:solidFill>
+                    <a:srgbClr val="FFFFFF"/>
+                  </a:solidFill>
+                </a:uFill>
+              </a:rPr>
+              <a:t>Android 2.3.7 customized for ZedBoard by Iveia</a:t>
+            </a:r>
+          </a:p>
+          <a:p>
+            <a:pPr marL="800280" lvl="1" indent="-342720">
+              <a:spcBef>
+                <a:spcPts val="400"/>
+              </a:spcBef>
+              <a:buClr>
+                <a:srgbClr val="006699"/>
+              </a:buClr>
+              <a:buSzPct val="110000"/>
+              <a:buFont typeface="Arial"/>
+              <a:buChar char="•"/>
+            </a:pPr>
+            <a:r>
+              <a:rPr lang="en-US" sz="1600" spc="-1" dirty="0">
+                <a:solidFill>
+                  <a:srgbClr val="000000"/>
+                </a:solidFill>
+                <a:uFill>
+                  <a:solidFill>
+                    <a:srgbClr val="FFFFFF"/>
+                  </a:solidFill>
+                </a:uFill>
+              </a:rPr>
+              <a:t>Distributed by aimeemikaelac</a:t>
+            </a:r>
+          </a:p>
+          <a:p>
+            <a:pPr marL="800280" lvl="1" indent="-342720">
+              <a:spcBef>
+                <a:spcPts val="400"/>
+              </a:spcBef>
+              <a:buClr>
+                <a:srgbClr val="006699"/>
+              </a:buClr>
+              <a:buSzPct val="110000"/>
+              <a:buFont typeface="Arial"/>
+              <a:buChar char="•"/>
+            </a:pPr>
+            <a:r>
+              <a:rPr lang="en-US" sz="1600" spc="-1" dirty="0">
+                <a:solidFill>
+                  <a:srgbClr val="000000"/>
+                </a:solidFill>
+                <a:uFill>
+                  <a:solidFill>
+                    <a:srgbClr val="FFFFFF"/>
+                  </a:solidFill>
+                </a:uFill>
+              </a:rPr>
+              <a:t>No Touchscreen support</a:t>
+            </a:r>
+          </a:p>
+          <a:p>
+            <a:pPr marL="343080" indent="-342720">
+              <a:lnSpc>
+                <a:spcPct val="100000"/>
+              </a:lnSpc>
+              <a:spcBef>
+                <a:spcPts val="400"/>
+              </a:spcBef>
+              <a:buClr>
+                <a:srgbClr val="006699"/>
+              </a:buClr>
+              <a:buSzPct val="110000"/>
+              <a:buFont typeface="Arial"/>
+              <a:buChar char="•"/>
+            </a:pPr>
+            <a:r>
+              <a:rPr lang="en-US" sz="2000" spc="-1" dirty="0">
+                <a:solidFill>
+                  <a:srgbClr val="000000"/>
+                </a:solidFill>
+                <a:uFill>
+                  <a:solidFill>
+                    <a:srgbClr val="FFFFFF"/>
+                  </a:solidFill>
+                </a:uFill>
+              </a:rPr>
+              <a:t>Android app to trigger DPR, hashing entity and image filters </a:t>
+            </a:r>
+          </a:p>
+          <a:p>
+            <a:pPr marL="343080" indent="-342720">
+              <a:lnSpc>
+                <a:spcPct val="100000"/>
+              </a:lnSpc>
+              <a:spcBef>
+                <a:spcPts val="400"/>
+              </a:spcBef>
+              <a:buClr>
+                <a:srgbClr val="006699"/>
+              </a:buClr>
+              <a:buSzPct val="110000"/>
+              <a:buFont typeface="Arial"/>
+              <a:buChar char="•"/>
+            </a:pPr>
+            <a:r>
+              <a:rPr lang="en-US" sz="2000" spc="-1" dirty="0">
+                <a:solidFill>
+                  <a:srgbClr val="000000"/>
+                </a:solidFill>
+                <a:uFill>
+                  <a:solidFill>
+                    <a:srgbClr val="FFFFFF"/>
+                  </a:solidFill>
+                </a:uFill>
+              </a:rPr>
+              <a:t>Kernel Modules to interface Hardware Logic</a:t>
+            </a:r>
           </a:p>
         </p:txBody>
       </p:sp>
     </p:spTree>
+    <p:extLst>
+      <p:ext uri="{BB962C8B-B14F-4D97-AF65-F5344CB8AC3E}">
+        <p14:creationId xmlns:p14="http://schemas.microsoft.com/office/powerpoint/2010/main" val="2876353626"/>
+      </p:ext>
+    </p:extLst>
   </p:cSld>
   <p:clrMapOvr>
     <a:masterClrMapping/>
@@ -15824,7 +16788,7 @@
               </a:lnSpc>
             </a:pPr>
             <a:r>
-              <a:rPr lang="de-DE" sz="3600" b="0" strike="noStrike" spc="-1">
+              <a:rPr lang="de-DE" sz="3600" b="0" strike="noStrike" spc="-1" dirty="0">
                 <a:solidFill>
                   <a:srgbClr val="000000"/>
                 </a:solidFill>
@@ -15863,7 +16827,7 @@
           <a:bodyPr/>
           <a:lstStyle/>
           <a:p>
-            <a:endParaRPr lang="de-DE" sz="2400" b="0" strike="noStrike" spc="-1">
+            <a:endParaRPr lang="de-DE" sz="2400" b="0" strike="noStrike" spc="-1" dirty="0">
               <a:solidFill>
                 <a:srgbClr val="000000"/>
               </a:solidFill>
@@ -15981,7 +16945,7 @@
               </a:lnSpc>
             </a:pPr>
             <a:r>
-              <a:rPr lang="de-DE" sz="3600" b="0" strike="noStrike" spc="-1">
+              <a:rPr lang="en-GB" sz="3600" b="0" strike="noStrike" spc="-1" dirty="0">
                 <a:solidFill>
                   <a:srgbClr val="000000"/>
                 </a:solidFill>
@@ -16035,7 +16999,7 @@
               <a:buChar char="•"/>
             </a:pPr>
             <a:r>
-              <a:rPr lang="de-DE" sz="2400" b="0" strike="noStrike" spc="-1">
+              <a:rPr lang="en-GB" sz="2000" b="0" strike="noStrike" spc="-1" dirty="0">
                 <a:solidFill>
                   <a:srgbClr val="000000"/>
                 </a:solidFill>
@@ -16058,7 +17022,7 @@
                 <a:spcPts val="479"/>
               </a:spcBef>
             </a:pPr>
-            <a:endParaRPr lang="de-DE" sz="2400" b="0" strike="noStrike" spc="-1">
+            <a:endParaRPr lang="en-GB" sz="2000" b="0" strike="noStrike" spc="-1" dirty="0">
               <a:solidFill>
                 <a:srgbClr val="000000"/>
               </a:solidFill>
@@ -16086,7 +17050,7 @@
               <a:buChar char="•"/>
             </a:pPr>
             <a:r>
-              <a:rPr lang="de-DE" sz="2400" b="0" strike="noStrike" spc="-1">
+              <a:rPr lang="en-GB" sz="2000" b="0" strike="noStrike" spc="-1" dirty="0">
                 <a:solidFill>
                   <a:srgbClr val="000000"/>
                 </a:solidFill>
@@ -16615,7 +17579,7 @@
               </a:lnSpc>
             </a:pPr>
             <a:r>
-              <a:rPr lang="de-DE" sz="3600" b="0" strike="noStrike" spc="-1" dirty="0">
+              <a:rPr lang="en-GB" sz="3600" b="0" strike="noStrike" spc="-1" dirty="0">
                 <a:solidFill>
                   <a:srgbClr val="000000"/>
                 </a:solidFill>
@@ -16629,7 +17593,7 @@
               </a:rPr>
               <a:t>Server</a:t>
             </a:r>
-            <a:endParaRPr lang="de-DE" sz="3600" b="0" strike="noStrike" spc="-1" dirty="0">
+            <a:endParaRPr lang="en-GB" sz="3600" b="0" strike="noStrike" spc="-1" dirty="0">
               <a:solidFill>
                 <a:srgbClr val="000000"/>
               </a:solidFill>
@@ -16667,73 +17631,33 @@
           <a:lstStyle/>
           <a:p>
             <a:r>
-              <a:rPr lang="de-AT" sz="2000" dirty="0">
+              <a:rPr lang="en-GB" sz="2000" dirty="0">
                 <a:solidFill>
                   <a:schemeClr val="tx1"/>
                 </a:solidFill>
               </a:rPr>
-              <a:t>Server-Client </a:t>
-            </a:r>
-            <a:r>
-              <a:rPr lang="de-AT" sz="2000" dirty="0" err="1">
+              <a:t>Server-Client communication over HTTP</a:t>
+            </a:r>
+          </a:p>
+          <a:p>
+            <a:r>
+              <a:rPr lang="en-GB" sz="2000" dirty="0">
                 <a:solidFill>
                   <a:schemeClr val="tx1"/>
                 </a:solidFill>
               </a:rPr>
-              <a:t>communication</a:t>
-            </a:r>
-            <a:r>
-              <a:rPr lang="de-AT" sz="2000" dirty="0">
-                <a:solidFill>
-                  <a:schemeClr val="tx1"/>
-                </a:solidFill>
-              </a:rPr>
-              <a:t> </a:t>
-            </a:r>
-            <a:r>
-              <a:rPr lang="de-AT" sz="2000" dirty="0" err="1">
-                <a:solidFill>
-                  <a:schemeClr val="tx1"/>
-                </a:solidFill>
-              </a:rPr>
-              <a:t>over</a:t>
-            </a:r>
-            <a:r>
-              <a:rPr lang="de-AT" sz="2000" dirty="0">
-                <a:solidFill>
-                  <a:schemeClr val="tx1"/>
-                </a:solidFill>
-              </a:rPr>
-              <a:t> HTTP</a:t>
-            </a:r>
-          </a:p>
-          <a:p>
-            <a:r>
-              <a:rPr lang="de-AT" sz="2000" dirty="0" err="1">
-                <a:solidFill>
-                  <a:schemeClr val="tx1"/>
-                </a:solidFill>
-              </a:rPr>
-              <a:t>RESTful</a:t>
-            </a:r>
-            <a:r>
-              <a:rPr lang="de-AT" sz="2000" dirty="0">
-                <a:solidFill>
-                  <a:schemeClr val="tx1"/>
-                </a:solidFill>
-              </a:rPr>
-              <a:t> Server API:</a:t>
-            </a:r>
-          </a:p>
-          <a:p>
-            <a:endParaRPr lang="de-AT" sz="800" dirty="0">
+              <a:t>RESTful Server API:</a:t>
+            </a:r>
+          </a:p>
+          <a:p>
+            <a:endParaRPr lang="en-GB" sz="800" dirty="0">
               <a:solidFill>
                 <a:schemeClr val="tx1"/>
               </a:solidFill>
             </a:endParaRPr>
           </a:p>
           <a:p>
-            <a:endParaRPr lang="de-AT" sz="800" dirty="0">
+            <a:endParaRPr lang="en-GB" sz="800" dirty="0">
               <a:solidFill>
                 <a:schemeClr val="tx1"/>
               </a:solidFill>
@@ -16745,31 +17669,15 @@
               <a:buChar char="•"/>
             </a:pPr>
             <a:r>
-              <a:rPr lang="de-AT" sz="2000" dirty="0">
+              <a:rPr lang="en-GB" sz="2000" dirty="0">
                 <a:solidFill>
                   <a:schemeClr val="tx1"/>
                 </a:solidFill>
               </a:rPr>
-              <a:t>GET /</a:t>
-            </a:r>
-            <a:r>
-              <a:rPr lang="de-AT" sz="2000" dirty="0" err="1">
-                <a:solidFill>
-                  <a:schemeClr val="tx1"/>
-                </a:solidFill>
-              </a:rPr>
-              <a:t>api</a:t>
-            </a:r>
-            <a:r>
-              <a:rPr lang="de-AT" sz="2000" dirty="0">
-                <a:solidFill>
-                  <a:schemeClr val="tx1"/>
-                </a:solidFill>
-              </a:rPr>
-              <a:t>/</a:t>
-            </a:r>
-            <a:r>
-              <a:rPr lang="de-AT" sz="2000" dirty="0" err="1">
+              <a:t>GET /api/</a:t>
+            </a:r>
+            <a:r>
+              <a:rPr lang="en-GB" sz="2000" dirty="0">
                 <a:solidFill>
                   <a:schemeClr val="accent1">
                     <a:lumMod val="75000"/>
@@ -16778,17 +17686,10 @@
               </a:rPr>
               <a:t>soc_lab_iot</a:t>
             </a:r>
-            <a:endParaRPr lang="de-AT" sz="2000" dirty="0">
-              <a:solidFill>
-                <a:schemeClr val="accent1">
-                  <a:lumMod val="75000"/>
-                </a:schemeClr>
-              </a:solidFill>
-            </a:endParaRPr>
-          </a:p>
-          <a:p>
-            <a:r>
-              <a:rPr lang="de-AT" sz="2000" dirty="0">
+          </a:p>
+          <a:p>
+            <a:r>
+              <a:rPr lang="en-GB" sz="2000" dirty="0">
                 <a:solidFill>
                   <a:schemeClr val="tx1"/>
                 </a:solidFill>
@@ -16796,51 +17697,19 @@
               <a:t>	</a:t>
             </a:r>
             <a:r>
-              <a:rPr lang="de-AT" sz="2000" dirty="0"/>
-              <a:t>Return all </a:t>
-            </a:r>
-            <a:r>
-              <a:rPr lang="de-AT" sz="2000" dirty="0" err="1"/>
-              <a:t>information</a:t>
-            </a:r>
-            <a:r>
-              <a:rPr lang="de-AT" sz="2000" dirty="0"/>
-              <a:t> </a:t>
-            </a:r>
-            <a:r>
-              <a:rPr lang="de-AT" sz="2000" dirty="0" err="1"/>
-              <a:t>about</a:t>
-            </a:r>
-            <a:r>
-              <a:rPr lang="de-AT" sz="2000" dirty="0"/>
-              <a:t> </a:t>
-            </a:r>
-            <a:r>
-              <a:rPr lang="de-AT" sz="2000" dirty="0" err="1"/>
-              <a:t>repo</a:t>
-            </a:r>
-            <a:r>
-              <a:rPr lang="de-AT" sz="2000" dirty="0"/>
-              <a:t> ‚</a:t>
-            </a:r>
-            <a:r>
-              <a:rPr lang="de-AT" sz="2000" dirty="0" err="1"/>
-              <a:t>soc_lab_iot</a:t>
-            </a:r>
-            <a:r>
-              <a:rPr lang="de-AT" sz="2000" dirty="0"/>
-              <a:t>‘</a:t>
-            </a:r>
-          </a:p>
-          <a:p>
-            <a:endParaRPr lang="de-AT" sz="800" dirty="0">
+              <a:rPr lang="en-GB" sz="2000" dirty="0"/>
+              <a:t>Return all information about repo ‚soc_lab_iot‘</a:t>
+            </a:r>
+          </a:p>
+          <a:p>
+            <a:endParaRPr lang="en-GB" sz="800" dirty="0">
               <a:solidFill>
                 <a:schemeClr val="tx1"/>
               </a:solidFill>
             </a:endParaRPr>
           </a:p>
           <a:p>
-            <a:endParaRPr lang="de-AT" sz="800" dirty="0">
+            <a:endParaRPr lang="en-GB" sz="800" dirty="0">
               <a:solidFill>
                 <a:schemeClr val="tx1"/>
               </a:solidFill>
@@ -16852,51 +17721,85 @@
               <a:buChar char="•"/>
             </a:pPr>
             <a:r>
-              <a:rPr lang="de-AT" sz="2000" dirty="0">
+              <a:rPr lang="en-GB" sz="2000" dirty="0">
                 <a:solidFill>
                   <a:schemeClr val="tx1"/>
                 </a:solidFill>
               </a:rPr>
-              <a:t>POST /</a:t>
-            </a:r>
-            <a:r>
-              <a:rPr lang="de-AT" sz="2000" dirty="0" err="1">
-                <a:solidFill>
-                  <a:schemeClr val="tx1"/>
-                </a:solidFill>
-              </a:rPr>
-              <a:t>api</a:t>
-            </a:r>
-            <a:r>
-              <a:rPr lang="de-AT" sz="2000" dirty="0">
-                <a:solidFill>
-                  <a:schemeClr val="tx1"/>
-                </a:solidFill>
-              </a:rPr>
-              <a:t>/</a:t>
-            </a:r>
-            <a:r>
-              <a:rPr lang="de-AT" sz="2000" dirty="0" err="1">
+              <a:t>POST /api/</a:t>
+            </a:r>
+            <a:r>
+              <a:rPr lang="en-GB" sz="2000" dirty="0">
                 <a:solidFill>
                   <a:schemeClr val="accent1">
                     <a:lumMod val="75000"/>
                   </a:schemeClr>
                 </a:solidFill>
               </a:rPr>
-              <a:t>another_lab_repo</a:t>
-            </a:r>
-            <a:r>
-              <a:rPr lang="de-AT" sz="2000" dirty="0">
+              <a:t>another_lab_repo  </a:t>
+            </a:r>
+            <a:r>
+              <a:rPr lang="en-GB" sz="2000" dirty="0">
+                <a:solidFill>
+                  <a:schemeClr val="tx1"/>
+                </a:solidFill>
+              </a:rPr>
+              <a:t>+ Data</a:t>
+            </a:r>
+          </a:p>
+          <a:p>
+            <a:r>
+              <a:rPr lang="en-GB" sz="2000" dirty="0">
+                <a:solidFill>
+                  <a:schemeClr val="tx1"/>
+                </a:solidFill>
+              </a:rPr>
+              <a:t>	</a:t>
+            </a:r>
+            <a:r>
+              <a:rPr lang="en-GB" sz="2000" dirty="0"/>
+              <a:t>Create a new repo  ‚another_lab_repo‘</a:t>
+            </a:r>
+          </a:p>
+          <a:p>
+            <a:endParaRPr lang="en-GB" sz="800" dirty="0">
+              <a:solidFill>
+                <a:schemeClr val="tx1"/>
+              </a:solidFill>
+            </a:endParaRPr>
+          </a:p>
+          <a:p>
+            <a:endParaRPr lang="en-GB" sz="800" dirty="0">
+              <a:solidFill>
+                <a:schemeClr val="tx1"/>
+              </a:solidFill>
+            </a:endParaRPr>
+          </a:p>
+          <a:p>
+            <a:pPr marL="342900" indent="-342900">
+              <a:buFont typeface="Arial" panose="020B0604020202020204" pitchFamily="34" charset="0"/>
+              <a:buChar char="•"/>
+            </a:pPr>
+            <a:r>
+              <a:rPr lang="en-GB" sz="2000" dirty="0">
+                <a:solidFill>
+                  <a:schemeClr val="tx1"/>
+                </a:solidFill>
+              </a:rPr>
+              <a:t>PUT /api/</a:t>
+            </a:r>
+            <a:r>
+              <a:rPr lang="en-GB" sz="2000" dirty="0">
                 <a:solidFill>
                   <a:schemeClr val="accent1">
                     <a:lumMod val="75000"/>
                   </a:schemeClr>
                 </a:solidFill>
               </a:rPr>
-              <a:t>  </a:t>
-            </a:r>
-            <a:r>
-              <a:rPr lang="de-AT" sz="2000" dirty="0">
+              <a:t>soc_lab_iot </a:t>
+            </a:r>
+            <a:r>
+              <a:rPr lang="en-GB" sz="2000" dirty="0">
                 <a:solidFill>
                   <a:schemeClr val="tx1"/>
                 </a:solidFill>
@@ -16906,7 +17809,7 @@
           </a:p>
           <a:p>
             <a:r>
-              <a:rPr lang="de-AT" sz="2000" dirty="0">
+              <a:rPr lang="en-GB" sz="2000" dirty="0">
                 <a:solidFill>
                   <a:schemeClr val="tx1"/>
                 </a:solidFill>
@@ -16914,43 +17817,19 @@
               <a:t>	</a:t>
             </a:r>
             <a:r>
-              <a:rPr lang="de-AT" sz="2000" dirty="0"/>
-              <a:t>Create a </a:t>
-            </a:r>
-            <a:r>
-              <a:rPr lang="de-AT" sz="2000" dirty="0" err="1"/>
-              <a:t>new</a:t>
-            </a:r>
-            <a:r>
-              <a:rPr lang="de-AT" sz="2000" dirty="0"/>
-              <a:t> </a:t>
-            </a:r>
-            <a:r>
-              <a:rPr lang="de-AT" sz="2000" dirty="0" err="1"/>
-              <a:t>repo</a:t>
-            </a:r>
-            <a:r>
-              <a:rPr lang="de-AT" sz="2000" dirty="0"/>
-              <a:t>  ‚</a:t>
-            </a:r>
-            <a:r>
-              <a:rPr lang="de-AT" sz="2000" dirty="0" err="1"/>
-              <a:t>another_lab_repo</a:t>
-            </a:r>
-            <a:r>
-              <a:rPr lang="de-AT" sz="2000" dirty="0"/>
-              <a:t>‘</a:t>
-            </a:r>
-          </a:p>
-          <a:p>
-            <a:endParaRPr lang="de-AT" sz="800" dirty="0">
+              <a:rPr lang="en-GB" sz="2000" dirty="0"/>
+              <a:t>Create or update repo ‚soc_lab_iot‘</a:t>
+            </a:r>
+          </a:p>
+          <a:p>
+            <a:endParaRPr lang="en-GB" sz="800" dirty="0">
               <a:solidFill>
                 <a:schemeClr val="tx1"/>
               </a:solidFill>
             </a:endParaRPr>
           </a:p>
           <a:p>
-            <a:endParaRPr lang="de-AT" sz="800" dirty="0">
+            <a:endParaRPr lang="en-GB" sz="800" dirty="0">
               <a:solidFill>
                 <a:schemeClr val="tx1"/>
               </a:solidFill>
@@ -16962,31 +17841,15 @@
               <a:buChar char="•"/>
             </a:pPr>
             <a:r>
-              <a:rPr lang="de-AT" sz="2000" dirty="0">
+              <a:rPr lang="en-GB" sz="2000" dirty="0">
                 <a:solidFill>
                   <a:schemeClr val="tx1"/>
                 </a:solidFill>
               </a:rPr>
-              <a:t>PUT /</a:t>
-            </a:r>
-            <a:r>
-              <a:rPr lang="de-AT" sz="2000" dirty="0" err="1">
-                <a:solidFill>
-                  <a:schemeClr val="tx1"/>
-                </a:solidFill>
-              </a:rPr>
-              <a:t>api</a:t>
-            </a:r>
-            <a:r>
-              <a:rPr lang="de-AT" sz="2000" dirty="0">
-                <a:solidFill>
-                  <a:schemeClr val="tx1"/>
-                </a:solidFill>
-              </a:rPr>
-              <a:t>/</a:t>
-            </a:r>
-            <a:r>
-              <a:rPr lang="de-AT" sz="2000" dirty="0" err="1">
+              <a:t>DELETE /api/</a:t>
+            </a:r>
+            <a:r>
+              <a:rPr lang="en-GB" sz="2000" dirty="0">
                 <a:solidFill>
                   <a:schemeClr val="accent1">
                     <a:lumMod val="75000"/>
@@ -16995,157 +17858,24 @@
               </a:rPr>
               <a:t>soc_lab_iot</a:t>
             </a:r>
-            <a:r>
-              <a:rPr lang="de-AT" sz="2000" dirty="0">
-                <a:solidFill>
-                  <a:schemeClr val="accent1">
-                    <a:lumMod val="75000"/>
-                  </a:schemeClr>
-                </a:solidFill>
-              </a:rPr>
-              <a:t> </a:t>
-            </a:r>
-            <a:r>
-              <a:rPr lang="de-AT" sz="2000" dirty="0">
+          </a:p>
+          <a:p>
+            <a:r>
+              <a:rPr lang="en-GB" sz="2000" dirty="0">
                 <a:solidFill>
                   <a:schemeClr val="tx1"/>
                 </a:solidFill>
               </a:rPr>
-              <a:t>+ Data</a:t>
-            </a:r>
-          </a:p>
-          <a:p>
-            <a:r>
-              <a:rPr lang="de-AT" sz="2000" dirty="0">
-                <a:solidFill>
-                  <a:schemeClr val="tx1"/>
-                </a:solidFill>
-              </a:rPr>
               <a:t>	</a:t>
             </a:r>
             <a:r>
-              <a:rPr lang="de-AT" sz="2000" dirty="0"/>
-              <a:t>Create </a:t>
-            </a:r>
-            <a:r>
-              <a:rPr lang="de-AT" sz="2000" dirty="0" err="1"/>
-              <a:t>or</a:t>
-            </a:r>
-            <a:r>
-              <a:rPr lang="de-AT" sz="2000" dirty="0"/>
-              <a:t> update </a:t>
-            </a:r>
-            <a:r>
-              <a:rPr lang="de-AT" sz="2000" dirty="0" err="1"/>
-              <a:t>repo</a:t>
-            </a:r>
-            <a:r>
-              <a:rPr lang="de-AT" sz="2000" dirty="0"/>
-              <a:t> ‚</a:t>
-            </a:r>
-            <a:r>
-              <a:rPr lang="de-AT" sz="2000" dirty="0" err="1"/>
-              <a:t>soc_lab_iot</a:t>
-            </a:r>
-            <a:r>
-              <a:rPr lang="de-AT" sz="2000" dirty="0"/>
-              <a:t>‘</a:t>
-            </a:r>
-          </a:p>
-          <a:p>
-            <a:endParaRPr lang="de-AT" sz="800" dirty="0">
-              <a:solidFill>
-                <a:schemeClr val="tx1"/>
-              </a:solidFill>
-            </a:endParaRPr>
-          </a:p>
-          <a:p>
-            <a:endParaRPr lang="de-AT" sz="800" dirty="0">
-              <a:solidFill>
-                <a:schemeClr val="tx1"/>
-              </a:solidFill>
-            </a:endParaRPr>
-          </a:p>
-          <a:p>
-            <a:pPr marL="342900" indent="-342900">
-              <a:buFont typeface="Arial" panose="020B0604020202020204" pitchFamily="34" charset="0"/>
-              <a:buChar char="•"/>
-            </a:pPr>
-            <a:r>
-              <a:rPr lang="de-AT" sz="2000" dirty="0">
-                <a:solidFill>
-                  <a:schemeClr val="tx1"/>
-                </a:solidFill>
-              </a:rPr>
-              <a:t>DELETE /</a:t>
-            </a:r>
-            <a:r>
-              <a:rPr lang="de-AT" sz="2000" dirty="0" err="1">
-                <a:solidFill>
-                  <a:schemeClr val="tx1"/>
-                </a:solidFill>
-              </a:rPr>
-              <a:t>api</a:t>
-            </a:r>
-            <a:r>
-              <a:rPr lang="de-AT" sz="2000" dirty="0">
-                <a:solidFill>
-                  <a:schemeClr val="tx1"/>
-                </a:solidFill>
-              </a:rPr>
-              <a:t>/</a:t>
-            </a:r>
-            <a:r>
-              <a:rPr lang="de-AT" sz="2000" dirty="0" err="1">
-                <a:solidFill>
-                  <a:schemeClr val="accent1">
-                    <a:lumMod val="75000"/>
-                  </a:schemeClr>
-                </a:solidFill>
-              </a:rPr>
-              <a:t>soc_lab_iot</a:t>
-            </a:r>
-            <a:endParaRPr lang="de-AT" sz="2000" dirty="0">
-              <a:solidFill>
-                <a:schemeClr val="accent1">
-                  <a:lumMod val="75000"/>
-                </a:schemeClr>
-              </a:solidFill>
-            </a:endParaRPr>
-          </a:p>
-          <a:p>
-            <a:r>
-              <a:rPr lang="de-AT" sz="2000" dirty="0">
-                <a:solidFill>
-                  <a:schemeClr val="tx1"/>
-                </a:solidFill>
-              </a:rPr>
-              <a:t>	</a:t>
-            </a:r>
-            <a:r>
-              <a:rPr lang="de-AT" sz="2000" dirty="0"/>
-              <a:t>Delete </a:t>
-            </a:r>
-            <a:r>
-              <a:rPr lang="de-AT" sz="2000" dirty="0" err="1"/>
-              <a:t>repo</a:t>
-            </a:r>
-            <a:r>
-              <a:rPr lang="de-AT" sz="2000" dirty="0"/>
-              <a:t> ‚</a:t>
-            </a:r>
-            <a:r>
-              <a:rPr lang="de-AT" sz="2000" dirty="0" err="1"/>
-              <a:t>soc_lab_iot</a:t>
-            </a:r>
-            <a:r>
-              <a:rPr lang="de-AT" sz="2000" dirty="0"/>
-              <a:t>‘</a:t>
-            </a:r>
-            <a:endParaRPr lang="de-AT" sz="800" dirty="0"/>
-          </a:p>
-          <a:p>
-            <a:endParaRPr lang="de-AT" sz="2000" dirty="0"/>
+              <a:rPr lang="en-GB" sz="2000" dirty="0"/>
+              <a:t>Delete repo ‚soc_lab_iot‘</a:t>
+            </a:r>
+            <a:endParaRPr lang="en-GB" sz="800" dirty="0"/>
+          </a:p>
+          <a:p>
+            <a:endParaRPr lang="en-GB" sz="2000" dirty="0"/>
           </a:p>
         </p:txBody>
       </p:sp>
